--- a/PowerPoint_Presentation.pptx
+++ b/PowerPoint_Presentation.pptx
@@ -7,6 +7,11 @@
   <p:sldIdLst>
     <p:sldId id="256" r:id="rId2"/>
     <p:sldId id="257" r:id="rId3"/>
+    <p:sldId id="258" r:id="rId4"/>
+    <p:sldId id="259" r:id="rId5"/>
+    <p:sldId id="260" r:id="rId6"/>
+    <p:sldId id="261" r:id="rId7"/>
+    <p:sldId id="262" r:id="rId8"/>
   </p:sldIdLst>
   <p:sldSz cx="12192000" cy="6858000"/>
   <p:notesSz cx="6858000" cy="9144000"/>
@@ -105,6 +110,11 @@
       </a:defRPr>
     </a:lvl9pPr>
   </p:defaultTextStyle>
+  <p:extLst>
+    <p:ext uri="{EFAFB233-063F-42B5-8137-9DF3F51BA10A}">
+      <p15:sldGuideLst xmlns:p15="http://schemas.microsoft.com/office/powerpoint/2012/main"/>
+    </p:ext>
+  </p:extLst>
 </p:presentation>
 </file>
 
@@ -3124,6 +3134,14 @@
 <file path=ppt/slides/slide2.xml><?xml version="1.0" encoding="utf-8"?>
 <p:sld xmlns:a="http://schemas.openxmlformats.org/drawingml/2006/main" xmlns:r="http://schemas.openxmlformats.org/officeDocument/2006/relationships" xmlns:p="http://schemas.openxmlformats.org/presentationml/2006/main">
   <p:cSld>
+    <p:bg>
+      <p:bgPr>
+        <a:solidFill>
+          <a:schemeClr val="bg1"/>
+        </a:solidFill>
+        <a:effectLst/>
+      </p:bgPr>
+    </p:bg>
     <p:spTree>
       <p:nvGrpSpPr>
         <p:cNvPr id="1" name=""/>
@@ -3148,31 +3166,133 @@
             <p:ph type="title"/>
           </p:nvPr>
         </p:nvSpPr>
-        <p:spPr/>
-        <p:txBody>
-          <a:bodyPr/>
-          <a:lstStyle/>
-          <a:p>
+        <p:spPr>
+          <a:ln>
+            <a:solidFill>
+              <a:schemeClr val="tx1"/>
+            </a:solidFill>
+          </a:ln>
+        </p:spPr>
+        <p:txBody>
+          <a:bodyPr/>
+          <a:lstStyle/>
+          <a:p>
+            <a:r>
+              <a:rPr lang="en-US" b="1" dirty="0" smtClean="0"/>
+              <a:t>What’s Ironman ?</a:t>
+            </a:r>
+            <a:endParaRPr lang="fr-FR" b="1" dirty="0"/>
+          </a:p>
+        </p:txBody>
+      </p:sp>
+      <p:sp>
+        <p:nvSpPr>
+          <p:cNvPr id="3" name="Content Placeholder 2"/>
+          <p:cNvSpPr>
+            <a:spLocks noGrp="1"/>
+          </p:cNvSpPr>
+          <p:nvPr>
+            <p:ph idx="1"/>
+          </p:nvPr>
+        </p:nvSpPr>
+        <p:spPr>
+          <a:ln>
+            <a:noFill/>
+          </a:ln>
+        </p:spPr>
+        <p:txBody>
+          <a:bodyPr/>
+          <a:lstStyle/>
+          <a:p>
+            <a:r>
+              <a:rPr lang="en-US" dirty="0"/>
+              <a:t>An </a:t>
+            </a:r>
+            <a:r>
+              <a:rPr lang="en-US" b="1" dirty="0"/>
+              <a:t>Ironman Triathlon</a:t>
+            </a:r>
+            <a:r>
+              <a:rPr lang="en-US" dirty="0"/>
+              <a:t> is one of a series of long-distance triathlon races </a:t>
+            </a:r>
+            <a:endParaRPr lang="en-US" dirty="0" smtClean="0"/>
+          </a:p>
+          <a:p>
+            <a:r>
+              <a:rPr lang="en-US" dirty="0" smtClean="0"/>
+              <a:t>It is organized </a:t>
+            </a:r>
+            <a:r>
+              <a:rPr lang="en-US" dirty="0"/>
+              <a:t>by the World Triathlon Corporation (</a:t>
+            </a:r>
+            <a:r>
+              <a:rPr lang="en-US" dirty="0" smtClean="0"/>
+              <a:t>WTC)</a:t>
+            </a:r>
+          </a:p>
+          <a:p>
+            <a:r>
+              <a:rPr lang="en-US" dirty="0" smtClean="0"/>
+              <a:t>It consists of :</a:t>
+            </a:r>
+          </a:p>
+          <a:p>
+            <a:pPr marL="971550" lvl="1" indent="-514350">
+              <a:buFont typeface="+mj-lt"/>
+              <a:buAutoNum type="arabicPeriod"/>
+            </a:pPr>
+            <a:r>
+              <a:rPr lang="en-US" dirty="0" smtClean="0"/>
+              <a:t>2.4-mile </a:t>
+            </a:r>
+            <a:r>
+              <a:rPr lang="en-US" dirty="0"/>
+              <a:t>(3.86 km) </a:t>
+            </a:r>
+            <a:r>
+              <a:rPr lang="en-US" dirty="0" smtClean="0"/>
+              <a:t>swim</a:t>
+            </a:r>
+            <a:endParaRPr lang="en-US" dirty="0"/>
+          </a:p>
+          <a:p>
+            <a:pPr marL="971550" lvl="1" indent="-514350">
+              <a:buFont typeface="+mj-lt"/>
+              <a:buAutoNum type="arabicPeriod"/>
+            </a:pPr>
+            <a:r>
+              <a:rPr lang="en-US" dirty="0" smtClean="0"/>
+              <a:t>112-mile </a:t>
+            </a:r>
+            <a:r>
+              <a:rPr lang="en-US" dirty="0"/>
+              <a:t>(180.25 km) bicycle ride </a:t>
+            </a:r>
+            <a:r>
+              <a:rPr lang="en-US" dirty="0" smtClean="0"/>
+              <a:t> </a:t>
+            </a:r>
+          </a:p>
+          <a:p>
+            <a:pPr marL="971550" lvl="1" indent="-514350">
+              <a:buFont typeface="+mj-lt"/>
+              <a:buAutoNum type="arabicPeriod"/>
+            </a:pPr>
+            <a:r>
+              <a:rPr lang="en-US" dirty="0" smtClean="0"/>
+              <a:t>26.22-mile </a:t>
+            </a:r>
+            <a:r>
+              <a:rPr lang="en-US" dirty="0"/>
+              <a:t>(42.20 km) </a:t>
+            </a:r>
+            <a:r>
+              <a:rPr lang="en-US" dirty="0" smtClean="0"/>
+              <a:t>run</a:t>
+            </a:r>
             <a:endParaRPr lang="fr-FR" dirty="0"/>
-          </a:p>
-        </p:txBody>
-      </p:sp>
-      <p:sp>
-        <p:nvSpPr>
-          <p:cNvPr id="3" name="Content Placeholder 2"/>
-          <p:cNvSpPr>
-            <a:spLocks noGrp="1"/>
-          </p:cNvSpPr>
-          <p:nvPr>
-            <p:ph idx="1"/>
-          </p:nvPr>
-        </p:nvSpPr>
-        <p:spPr/>
-        <p:txBody>
-          <a:bodyPr/>
-          <a:lstStyle/>
-          <a:p>
-            <a:endParaRPr lang="fr-FR"/>
           </a:p>
         </p:txBody>
       </p:sp>
@@ -3180,6 +3300,549 @@
     <p:extLst>
       <p:ext uri="{BB962C8B-B14F-4D97-AF65-F5344CB8AC3E}">
         <p14:creationId xmlns:p14="http://schemas.microsoft.com/office/powerpoint/2010/main" val="3463540817"/>
+      </p:ext>
+    </p:extLst>
+  </p:cSld>
+  <p:clrMapOvr>
+    <a:masterClrMapping/>
+  </p:clrMapOvr>
+</p:sld>
+</file>
+
+<file path=ppt/slides/slide3.xml><?xml version="1.0" encoding="utf-8"?>
+<p:sld xmlns:a="http://schemas.openxmlformats.org/drawingml/2006/main" xmlns:r="http://schemas.openxmlformats.org/officeDocument/2006/relationships" xmlns:p="http://schemas.openxmlformats.org/presentationml/2006/main">
+  <p:cSld>
+    <p:spTree>
+      <p:nvGrpSpPr>
+        <p:cNvPr id="1" name=""/>
+        <p:cNvGrpSpPr/>
+        <p:nvPr/>
+      </p:nvGrpSpPr>
+      <p:grpSpPr>
+        <a:xfrm>
+          <a:off x="0" y="0"/>
+          <a:ext cx="0" cy="0"/>
+          <a:chOff x="0" y="0"/>
+          <a:chExt cx="0" cy="0"/>
+        </a:xfrm>
+      </p:grpSpPr>
+      <p:sp>
+        <p:nvSpPr>
+          <p:cNvPr id="2" name="Title 1"/>
+          <p:cNvSpPr>
+            <a:spLocks noGrp="1"/>
+          </p:cNvSpPr>
+          <p:nvPr>
+            <p:ph type="title"/>
+          </p:nvPr>
+        </p:nvSpPr>
+        <p:spPr/>
+        <p:txBody>
+          <a:bodyPr/>
+          <a:lstStyle/>
+          <a:p>
+            <a:endParaRPr lang="fr-FR" dirty="0"/>
+          </a:p>
+        </p:txBody>
+      </p:sp>
+      <p:sp>
+        <p:nvSpPr>
+          <p:cNvPr id="3" name="Content Placeholder 2"/>
+          <p:cNvSpPr>
+            <a:spLocks noGrp="1"/>
+          </p:cNvSpPr>
+          <p:nvPr>
+            <p:ph idx="1"/>
+          </p:nvPr>
+        </p:nvSpPr>
+        <p:spPr/>
+        <p:txBody>
+          <a:bodyPr>
+            <a:normAutofit/>
+          </a:bodyPr>
+          <a:lstStyle/>
+          <a:p>
+            <a:r>
+              <a:rPr lang="en-US" dirty="0" smtClean="0"/>
+              <a:t>Dataset: </a:t>
+            </a:r>
+            <a:r>
+              <a:rPr lang="en-US" dirty="0" err="1"/>
+              <a:t>Kaggle</a:t>
+            </a:r>
+            <a:r>
+              <a:rPr lang="en-US" dirty="0"/>
+              <a:t> CSV, and a countries CSV found on </a:t>
+            </a:r>
+            <a:r>
+              <a:rPr lang="en-US" dirty="0" err="1"/>
+              <a:t>git</a:t>
+            </a:r>
+            <a:r>
+              <a:rPr lang="en-US" dirty="0"/>
+              <a:t> hub. </a:t>
+            </a:r>
+          </a:p>
+          <a:p>
+            <a:r>
+              <a:rPr lang="en-US" dirty="0" err="1"/>
+              <a:t>Git</a:t>
+            </a:r>
+            <a:r>
+              <a:rPr lang="en-US" dirty="0"/>
+              <a:t> Hub </a:t>
+            </a:r>
+            <a:r>
+              <a:rPr lang="en-US" dirty="0" smtClean="0"/>
+              <a:t>Location: </a:t>
+            </a:r>
+            <a:r>
+              <a:rPr lang="en-US" dirty="0"/>
+              <a:t>https://github.com/rmaher314/Project2.git</a:t>
+            </a:r>
+          </a:p>
+          <a:p>
+            <a:r>
+              <a:rPr lang="en-US" dirty="0"/>
+              <a:t>Rationale of </a:t>
+            </a:r>
+            <a:r>
+              <a:rPr lang="en-US" dirty="0" smtClean="0"/>
+              <a:t>Project: This </a:t>
+            </a:r>
+            <a:r>
+              <a:rPr lang="en-US" dirty="0"/>
+              <a:t>is where we can put in our data info</a:t>
+            </a:r>
+          </a:p>
+          <a:p>
+            <a:r>
+              <a:rPr lang="en-US" dirty="0"/>
+              <a:t>Project </a:t>
+            </a:r>
+            <a:r>
+              <a:rPr lang="en-US" dirty="0" smtClean="0"/>
+              <a:t>Track: </a:t>
+            </a:r>
+            <a:r>
+              <a:rPr lang="en-US" dirty="0"/>
+              <a:t>Interactive dashboard with multiple charts that update from the </a:t>
+            </a:r>
+            <a:r>
+              <a:rPr lang="en-US" dirty="0" smtClean="0"/>
+              <a:t>same </a:t>
+            </a:r>
+            <a:r>
+              <a:rPr lang="en-US" dirty="0"/>
+              <a:t>data. </a:t>
+            </a:r>
+          </a:p>
+          <a:p>
+            <a:r>
+              <a:rPr lang="en-US" dirty="0"/>
+              <a:t>Images of Visual </a:t>
+            </a:r>
+            <a:r>
+              <a:rPr lang="en-US" dirty="0" smtClean="0"/>
+              <a:t>Types: We </a:t>
+            </a:r>
+            <a:r>
+              <a:rPr lang="en-US" dirty="0"/>
+              <a:t>can grab images once we have a firmed-up </a:t>
+            </a:r>
+            <a:r>
+              <a:rPr lang="en-US" dirty="0" smtClean="0"/>
+              <a:t>approach to </a:t>
+            </a:r>
+            <a:r>
+              <a:rPr lang="en-US" dirty="0"/>
+              <a:t>the data.</a:t>
+            </a:r>
+          </a:p>
+          <a:p>
+            <a:r>
+              <a:rPr lang="en-US" dirty="0"/>
+              <a:t>Mapping the location of 2019 </a:t>
+            </a:r>
+            <a:r>
+              <a:rPr lang="en-US" dirty="0" smtClean="0"/>
+              <a:t>Participants</a:t>
+            </a:r>
+          </a:p>
+          <a:p>
+            <a:r>
+              <a:rPr lang="en-US" dirty="0"/>
+              <a:t>Looking at the three stages (Swim, Bike, Run</a:t>
+            </a:r>
+            <a:r>
+              <a:rPr lang="en-US" dirty="0" smtClean="0"/>
+              <a:t>)</a:t>
+            </a:r>
+          </a:p>
+          <a:p>
+            <a:endParaRPr lang="en-US" dirty="0" smtClean="0"/>
+          </a:p>
+          <a:p>
+            <a:endParaRPr lang="fr-FR" dirty="0"/>
+          </a:p>
+        </p:txBody>
+      </p:sp>
+    </p:spTree>
+    <p:extLst>
+      <p:ext uri="{BB962C8B-B14F-4D97-AF65-F5344CB8AC3E}">
+        <p14:creationId xmlns:p14="http://schemas.microsoft.com/office/powerpoint/2010/main" val="1314933577"/>
+      </p:ext>
+    </p:extLst>
+  </p:cSld>
+  <p:clrMapOvr>
+    <a:masterClrMapping/>
+  </p:clrMapOvr>
+</p:sld>
+</file>
+
+<file path=ppt/slides/slide4.xml><?xml version="1.0" encoding="utf-8"?>
+<p:sld xmlns:a="http://schemas.openxmlformats.org/drawingml/2006/main" xmlns:r="http://schemas.openxmlformats.org/officeDocument/2006/relationships" xmlns:p="http://schemas.openxmlformats.org/presentationml/2006/main">
+  <p:cSld>
+    <p:spTree>
+      <p:nvGrpSpPr>
+        <p:cNvPr id="1" name=""/>
+        <p:cNvGrpSpPr/>
+        <p:nvPr/>
+      </p:nvGrpSpPr>
+      <p:grpSpPr>
+        <a:xfrm>
+          <a:off x="0" y="0"/>
+          <a:ext cx="0" cy="0"/>
+          <a:chOff x="0" y="0"/>
+          <a:chExt cx="0" cy="0"/>
+        </a:xfrm>
+      </p:grpSpPr>
+      <p:sp>
+        <p:nvSpPr>
+          <p:cNvPr id="2" name="Title 1"/>
+          <p:cNvSpPr>
+            <a:spLocks noGrp="1"/>
+          </p:cNvSpPr>
+          <p:nvPr>
+            <p:ph type="title"/>
+          </p:nvPr>
+        </p:nvSpPr>
+        <p:spPr/>
+        <p:txBody>
+          <a:bodyPr/>
+          <a:lstStyle/>
+          <a:p>
+            <a:r>
+              <a:rPr lang="en-US" dirty="0" smtClean="0"/>
+              <a:t>Visualization 1: Mapping </a:t>
+            </a:r>
+            <a:r>
+              <a:rPr lang="en-US" dirty="0"/>
+              <a:t>the location of 2019 Participants</a:t>
+            </a:r>
+            <a:endParaRPr lang="fr-FR" dirty="0"/>
+          </a:p>
+        </p:txBody>
+      </p:sp>
+      <p:sp>
+        <p:nvSpPr>
+          <p:cNvPr id="3" name="Content Placeholder 2"/>
+          <p:cNvSpPr>
+            <a:spLocks noGrp="1"/>
+          </p:cNvSpPr>
+          <p:nvPr>
+            <p:ph idx="1"/>
+          </p:nvPr>
+        </p:nvSpPr>
+        <p:spPr/>
+        <p:txBody>
+          <a:bodyPr/>
+          <a:lstStyle/>
+          <a:p>
+            <a:r>
+              <a:rPr lang="en-US" dirty="0" smtClean="0"/>
+              <a:t>The size </a:t>
+            </a:r>
+            <a:r>
+              <a:rPr lang="en-US" dirty="0"/>
+              <a:t>of </a:t>
+            </a:r>
+            <a:r>
+              <a:rPr lang="en-US" dirty="0" smtClean="0"/>
+              <a:t>the dots are </a:t>
+            </a:r>
+            <a:r>
+              <a:rPr lang="en-US" dirty="0"/>
+              <a:t>based on total participants by division from country </a:t>
+            </a:r>
+            <a:endParaRPr lang="en-US" dirty="0"/>
+          </a:p>
+          <a:p>
+            <a:r>
+              <a:rPr lang="en-US" dirty="0"/>
+              <a:t>C</a:t>
+            </a:r>
+            <a:r>
+              <a:rPr lang="en-US" dirty="0" smtClean="0"/>
+              <a:t>olor gradient are </a:t>
+            </a:r>
+            <a:r>
+              <a:rPr lang="en-US" dirty="0"/>
+              <a:t>based on percentage ranked. </a:t>
+            </a:r>
+          </a:p>
+          <a:p>
+            <a:endParaRPr lang="fr-FR" dirty="0"/>
+          </a:p>
+        </p:txBody>
+      </p:sp>
+    </p:spTree>
+    <p:extLst>
+      <p:ext uri="{BB962C8B-B14F-4D97-AF65-F5344CB8AC3E}">
+        <p14:creationId xmlns:p14="http://schemas.microsoft.com/office/powerpoint/2010/main" val="4116551248"/>
+      </p:ext>
+    </p:extLst>
+  </p:cSld>
+  <p:clrMapOvr>
+    <a:masterClrMapping/>
+  </p:clrMapOvr>
+</p:sld>
+</file>
+
+<file path=ppt/slides/slide5.xml><?xml version="1.0" encoding="utf-8"?>
+<p:sld xmlns:a="http://schemas.openxmlformats.org/drawingml/2006/main" xmlns:r="http://schemas.openxmlformats.org/officeDocument/2006/relationships" xmlns:p="http://schemas.openxmlformats.org/presentationml/2006/main">
+  <p:cSld>
+    <p:spTree>
+      <p:nvGrpSpPr>
+        <p:cNvPr id="1" name=""/>
+        <p:cNvGrpSpPr/>
+        <p:nvPr/>
+      </p:nvGrpSpPr>
+      <p:grpSpPr>
+        <a:xfrm>
+          <a:off x="0" y="0"/>
+          <a:ext cx="0" cy="0"/>
+          <a:chOff x="0" y="0"/>
+          <a:chExt cx="0" cy="0"/>
+        </a:xfrm>
+      </p:grpSpPr>
+      <p:sp>
+        <p:nvSpPr>
+          <p:cNvPr id="2" name="Title 1"/>
+          <p:cNvSpPr>
+            <a:spLocks noGrp="1"/>
+          </p:cNvSpPr>
+          <p:nvPr>
+            <p:ph type="title"/>
+          </p:nvPr>
+        </p:nvSpPr>
+        <p:spPr/>
+        <p:txBody>
+          <a:bodyPr/>
+          <a:lstStyle/>
+          <a:p>
+            <a:r>
+              <a:rPr lang="en-US" dirty="0" smtClean="0"/>
+              <a:t>Visualization 2: Looking </a:t>
+            </a:r>
+            <a:r>
+              <a:rPr lang="en-US" dirty="0"/>
+              <a:t>at the three stages (Swim, Bike, Run)</a:t>
+            </a:r>
+            <a:endParaRPr lang="fr-FR" dirty="0"/>
+          </a:p>
+        </p:txBody>
+      </p:sp>
+      <p:sp>
+        <p:nvSpPr>
+          <p:cNvPr id="3" name="Content Placeholder 2"/>
+          <p:cNvSpPr>
+            <a:spLocks noGrp="1"/>
+          </p:cNvSpPr>
+          <p:nvPr>
+            <p:ph idx="1"/>
+          </p:nvPr>
+        </p:nvSpPr>
+        <p:spPr/>
+        <p:txBody>
+          <a:bodyPr/>
+          <a:lstStyle/>
+          <a:p>
+            <a:r>
+              <a:rPr lang="en-US" dirty="0"/>
+              <a:t>Stack bar chart of the selected division and compare with the averages of </a:t>
+            </a:r>
+            <a:r>
+              <a:rPr lang="en-US" dirty="0" smtClean="0"/>
+              <a:t>the other </a:t>
+            </a:r>
+            <a:r>
+              <a:rPr lang="en-US" dirty="0"/>
+              <a:t>divisions.</a:t>
+            </a:r>
+          </a:p>
+          <a:p>
+            <a:endParaRPr lang="fr-FR" dirty="0"/>
+          </a:p>
+        </p:txBody>
+      </p:sp>
+    </p:spTree>
+    <p:extLst>
+      <p:ext uri="{BB962C8B-B14F-4D97-AF65-F5344CB8AC3E}">
+        <p14:creationId xmlns:p14="http://schemas.microsoft.com/office/powerpoint/2010/main" val="825445355"/>
+      </p:ext>
+    </p:extLst>
+  </p:cSld>
+  <p:clrMapOvr>
+    <a:masterClrMapping/>
+  </p:clrMapOvr>
+</p:sld>
+</file>
+
+<file path=ppt/slides/slide6.xml><?xml version="1.0" encoding="utf-8"?>
+<p:sld xmlns:a="http://schemas.openxmlformats.org/drawingml/2006/main" xmlns:r="http://schemas.openxmlformats.org/officeDocument/2006/relationships" xmlns:p="http://schemas.openxmlformats.org/presentationml/2006/main">
+  <p:cSld>
+    <p:spTree>
+      <p:nvGrpSpPr>
+        <p:cNvPr id="1" name=""/>
+        <p:cNvGrpSpPr/>
+        <p:nvPr/>
+      </p:nvGrpSpPr>
+      <p:grpSpPr>
+        <a:xfrm>
+          <a:off x="0" y="0"/>
+          <a:ext cx="0" cy="0"/>
+          <a:chOff x="0" y="0"/>
+          <a:chExt cx="0" cy="0"/>
+        </a:xfrm>
+      </p:grpSpPr>
+      <p:sp>
+        <p:nvSpPr>
+          <p:cNvPr id="2" name="Title 1"/>
+          <p:cNvSpPr>
+            <a:spLocks noGrp="1"/>
+          </p:cNvSpPr>
+          <p:nvPr>
+            <p:ph type="title"/>
+          </p:nvPr>
+        </p:nvSpPr>
+        <p:spPr/>
+        <p:txBody>
+          <a:bodyPr>
+            <a:normAutofit/>
+          </a:bodyPr>
+          <a:lstStyle/>
+          <a:p>
+            <a:r>
+              <a:rPr lang="en-US" dirty="0" smtClean="0"/>
+              <a:t>Visualization 3: </a:t>
+            </a:r>
+            <a:endParaRPr lang="en-US" dirty="0"/>
+          </a:p>
+        </p:txBody>
+      </p:sp>
+      <p:sp>
+        <p:nvSpPr>
+          <p:cNvPr id="3" name="Content Placeholder 2"/>
+          <p:cNvSpPr>
+            <a:spLocks noGrp="1"/>
+          </p:cNvSpPr>
+          <p:nvPr>
+            <p:ph idx="1"/>
+          </p:nvPr>
+        </p:nvSpPr>
+        <p:spPr/>
+        <p:txBody>
+          <a:bodyPr/>
+          <a:lstStyle/>
+          <a:p>
+            <a:r>
+              <a:rPr lang="en-US" dirty="0"/>
+              <a:t>Table Representing the top 10 from each division with their stats, </a:t>
+            </a:r>
+            <a:br>
+              <a:rPr lang="en-US" dirty="0"/>
+            </a:br>
+            <a:r>
+              <a:rPr lang="en-US" dirty="0"/>
+              <a:t>country, ranking, leg times</a:t>
+            </a:r>
+            <a:endParaRPr lang="fr-FR" dirty="0"/>
+          </a:p>
+        </p:txBody>
+      </p:sp>
+    </p:spTree>
+    <p:extLst>
+      <p:ext uri="{BB962C8B-B14F-4D97-AF65-F5344CB8AC3E}">
+        <p14:creationId xmlns:p14="http://schemas.microsoft.com/office/powerpoint/2010/main" val="4131032707"/>
+      </p:ext>
+    </p:extLst>
+  </p:cSld>
+  <p:clrMapOvr>
+    <a:masterClrMapping/>
+  </p:clrMapOvr>
+</p:sld>
+</file>
+
+<file path=ppt/slides/slide7.xml><?xml version="1.0" encoding="utf-8"?>
+<p:sld xmlns:a="http://schemas.openxmlformats.org/drawingml/2006/main" xmlns:r="http://schemas.openxmlformats.org/officeDocument/2006/relationships" xmlns:p="http://schemas.openxmlformats.org/presentationml/2006/main">
+  <p:cSld>
+    <p:spTree>
+      <p:nvGrpSpPr>
+        <p:cNvPr id="1" name=""/>
+        <p:cNvGrpSpPr/>
+        <p:nvPr/>
+      </p:nvGrpSpPr>
+      <p:grpSpPr>
+        <a:xfrm>
+          <a:off x="0" y="0"/>
+          <a:ext cx="0" cy="0"/>
+          <a:chOff x="0" y="0"/>
+          <a:chExt cx="0" cy="0"/>
+        </a:xfrm>
+      </p:grpSpPr>
+      <p:sp>
+        <p:nvSpPr>
+          <p:cNvPr id="2" name="Title 1"/>
+          <p:cNvSpPr>
+            <a:spLocks noGrp="1"/>
+          </p:cNvSpPr>
+          <p:nvPr>
+            <p:ph type="title"/>
+          </p:nvPr>
+        </p:nvSpPr>
+        <p:spPr/>
+        <p:txBody>
+          <a:bodyPr/>
+          <a:lstStyle/>
+          <a:p>
+            <a:endParaRPr lang="fr-FR"/>
+          </a:p>
+        </p:txBody>
+      </p:sp>
+      <p:sp>
+        <p:nvSpPr>
+          <p:cNvPr id="3" name="Content Placeholder 2"/>
+          <p:cNvSpPr>
+            <a:spLocks noGrp="1"/>
+          </p:cNvSpPr>
+          <p:nvPr>
+            <p:ph idx="1"/>
+          </p:nvPr>
+        </p:nvSpPr>
+        <p:spPr/>
+        <p:txBody>
+          <a:bodyPr/>
+          <a:lstStyle/>
+          <a:p>
+            <a:endParaRPr lang="fr-FR"/>
+          </a:p>
+        </p:txBody>
+      </p:sp>
+    </p:spTree>
+    <p:extLst>
+      <p:ext uri="{BB962C8B-B14F-4D97-AF65-F5344CB8AC3E}">
+        <p14:creationId xmlns:p14="http://schemas.microsoft.com/office/powerpoint/2010/main" val="3678925944"/>
       </p:ext>
     </p:extLst>
   </p:cSld>

--- a/PowerPoint_Presentation.pptx
+++ b/PowerPoint_Presentation.pptx
@@ -4,6 +4,9 @@
   <p:sldMasterIdLst>
     <p:sldMasterId id="2147483648" r:id="rId1"/>
   </p:sldMasterIdLst>
+  <p:notesMasterIdLst>
+    <p:notesMasterId r:id="rId16"/>
+  </p:notesMasterIdLst>
   <p:sldIdLst>
     <p:sldId id="256" r:id="rId2"/>
     <p:sldId id="257" r:id="rId3"/>
@@ -11,7 +14,14 @@
     <p:sldId id="259" r:id="rId5"/>
     <p:sldId id="260" r:id="rId6"/>
     <p:sldId id="261" r:id="rId7"/>
-    <p:sldId id="262" r:id="rId8"/>
+    <p:sldId id="268" r:id="rId8"/>
+    <p:sldId id="263" r:id="rId9"/>
+    <p:sldId id="267" r:id="rId10"/>
+    <p:sldId id="270" r:id="rId11"/>
+    <p:sldId id="269" r:id="rId12"/>
+    <p:sldId id="271" r:id="rId13"/>
+    <p:sldId id="264" r:id="rId14"/>
+    <p:sldId id="266" r:id="rId15"/>
   </p:sldIdLst>
   <p:sldSz cx="12192000" cy="6858000"/>
   <p:notesSz cx="6858000" cy="9144000"/>
@@ -118,6 +128,1573 @@
 </p:presentation>
 </file>
 
+<file path=ppt/notesMasters/notesMaster1.xml><?xml version="1.0" encoding="utf-8"?>
+<p:notesMaster xmlns:a="http://schemas.openxmlformats.org/drawingml/2006/main" xmlns:r="http://schemas.openxmlformats.org/officeDocument/2006/relationships" xmlns:p="http://schemas.openxmlformats.org/presentationml/2006/main">
+  <p:cSld>
+    <p:bg>
+      <p:bgRef idx="1001">
+        <a:schemeClr val="bg1"/>
+      </p:bgRef>
+    </p:bg>
+    <p:spTree>
+      <p:nvGrpSpPr>
+        <p:cNvPr id="1" name=""/>
+        <p:cNvGrpSpPr/>
+        <p:nvPr/>
+      </p:nvGrpSpPr>
+      <p:grpSpPr>
+        <a:xfrm>
+          <a:off x="0" y="0"/>
+          <a:ext cx="0" cy="0"/>
+          <a:chOff x="0" y="0"/>
+          <a:chExt cx="0" cy="0"/>
+        </a:xfrm>
+      </p:grpSpPr>
+      <p:sp>
+        <p:nvSpPr>
+          <p:cNvPr id="2" name="Header Placeholder 1"/>
+          <p:cNvSpPr>
+            <a:spLocks noGrp="1"/>
+          </p:cNvSpPr>
+          <p:nvPr>
+            <p:ph type="hdr" sz="quarter"/>
+          </p:nvPr>
+        </p:nvSpPr>
+        <p:spPr>
+          <a:xfrm>
+            <a:off x="0" y="0"/>
+            <a:ext cx="2971800" cy="458788"/>
+          </a:xfrm>
+          <a:prstGeom prst="rect">
+            <a:avLst/>
+          </a:prstGeom>
+        </p:spPr>
+        <p:txBody>
+          <a:bodyPr vert="horz" lIns="91440" tIns="45720" rIns="91440" bIns="45720" rtlCol="0"/>
+          <a:lstStyle>
+            <a:lvl1pPr algn="l">
+              <a:defRPr sz="1200"/>
+            </a:lvl1pPr>
+          </a:lstStyle>
+          <a:p>
+            <a:endParaRPr lang="en-US"/>
+          </a:p>
+        </p:txBody>
+      </p:sp>
+      <p:sp>
+        <p:nvSpPr>
+          <p:cNvPr id="3" name="Date Placeholder 2"/>
+          <p:cNvSpPr>
+            <a:spLocks noGrp="1"/>
+          </p:cNvSpPr>
+          <p:nvPr>
+            <p:ph type="dt" idx="1"/>
+          </p:nvPr>
+        </p:nvSpPr>
+        <p:spPr>
+          <a:xfrm>
+            <a:off x="3884613" y="0"/>
+            <a:ext cx="2971800" cy="458788"/>
+          </a:xfrm>
+          <a:prstGeom prst="rect">
+            <a:avLst/>
+          </a:prstGeom>
+        </p:spPr>
+        <p:txBody>
+          <a:bodyPr vert="horz" lIns="91440" tIns="45720" rIns="91440" bIns="45720" rtlCol="0"/>
+          <a:lstStyle>
+            <a:lvl1pPr algn="r">
+              <a:defRPr sz="1200"/>
+            </a:lvl1pPr>
+          </a:lstStyle>
+          <a:p>
+            <a:fld id="{35CB450D-8464-4EBB-95CC-FB0ED9720D2B}" type="datetimeFigureOut">
+              <a:rPr lang="en-US" smtClean="0"/>
+              <a:t>12/11/2020</a:t>
+            </a:fld>
+            <a:endParaRPr lang="en-US"/>
+          </a:p>
+        </p:txBody>
+      </p:sp>
+      <p:sp>
+        <p:nvSpPr>
+          <p:cNvPr id="4" name="Slide Image Placeholder 3"/>
+          <p:cNvSpPr>
+            <a:spLocks noGrp="1" noRot="1" noChangeAspect="1"/>
+          </p:cNvSpPr>
+          <p:nvPr>
+            <p:ph type="sldImg" idx="2"/>
+          </p:nvPr>
+        </p:nvSpPr>
+        <p:spPr>
+          <a:xfrm>
+            <a:off x="685800" y="1143000"/>
+            <a:ext cx="5486400" cy="3086100"/>
+          </a:xfrm>
+          <a:prstGeom prst="rect">
+            <a:avLst/>
+          </a:prstGeom>
+          <a:noFill/>
+          <a:ln w="12700">
+            <a:solidFill>
+              <a:prstClr val="black"/>
+            </a:solidFill>
+          </a:ln>
+        </p:spPr>
+        <p:txBody>
+          <a:bodyPr vert="horz" lIns="91440" tIns="45720" rIns="91440" bIns="45720" rtlCol="0" anchor="ctr"/>
+          <a:lstStyle/>
+          <a:p>
+            <a:endParaRPr lang="en-US"/>
+          </a:p>
+        </p:txBody>
+      </p:sp>
+      <p:sp>
+        <p:nvSpPr>
+          <p:cNvPr id="5" name="Notes Placeholder 4"/>
+          <p:cNvSpPr>
+            <a:spLocks noGrp="1"/>
+          </p:cNvSpPr>
+          <p:nvPr>
+            <p:ph type="body" sz="quarter" idx="3"/>
+          </p:nvPr>
+        </p:nvSpPr>
+        <p:spPr>
+          <a:xfrm>
+            <a:off x="685800" y="4400550"/>
+            <a:ext cx="5486400" cy="3600450"/>
+          </a:xfrm>
+          <a:prstGeom prst="rect">
+            <a:avLst/>
+          </a:prstGeom>
+        </p:spPr>
+        <p:txBody>
+          <a:bodyPr vert="horz" lIns="91440" tIns="45720" rIns="91440" bIns="45720" rtlCol="0"/>
+          <a:lstStyle/>
+          <a:p>
+            <a:pPr lvl="0"/>
+            <a:r>
+              <a:rPr lang="en-US"/>
+              <a:t>Click to edit Master text styles</a:t>
+            </a:r>
+          </a:p>
+          <a:p>
+            <a:pPr lvl="1"/>
+            <a:r>
+              <a:rPr lang="en-US"/>
+              <a:t>Second level</a:t>
+            </a:r>
+          </a:p>
+          <a:p>
+            <a:pPr lvl="2"/>
+            <a:r>
+              <a:rPr lang="en-US"/>
+              <a:t>Third level</a:t>
+            </a:r>
+          </a:p>
+          <a:p>
+            <a:pPr lvl="3"/>
+            <a:r>
+              <a:rPr lang="en-US"/>
+              <a:t>Fourth level</a:t>
+            </a:r>
+          </a:p>
+          <a:p>
+            <a:pPr lvl="4"/>
+            <a:r>
+              <a:rPr lang="en-US"/>
+              <a:t>Fifth level</a:t>
+            </a:r>
+          </a:p>
+        </p:txBody>
+      </p:sp>
+      <p:sp>
+        <p:nvSpPr>
+          <p:cNvPr id="6" name="Footer Placeholder 5"/>
+          <p:cNvSpPr>
+            <a:spLocks noGrp="1"/>
+          </p:cNvSpPr>
+          <p:nvPr>
+            <p:ph type="ftr" sz="quarter" idx="4"/>
+          </p:nvPr>
+        </p:nvSpPr>
+        <p:spPr>
+          <a:xfrm>
+            <a:off x="0" y="8685213"/>
+            <a:ext cx="2971800" cy="458787"/>
+          </a:xfrm>
+          <a:prstGeom prst="rect">
+            <a:avLst/>
+          </a:prstGeom>
+        </p:spPr>
+        <p:txBody>
+          <a:bodyPr vert="horz" lIns="91440" tIns="45720" rIns="91440" bIns="45720" rtlCol="0" anchor="b"/>
+          <a:lstStyle>
+            <a:lvl1pPr algn="l">
+              <a:defRPr sz="1200"/>
+            </a:lvl1pPr>
+          </a:lstStyle>
+          <a:p>
+            <a:endParaRPr lang="en-US"/>
+          </a:p>
+        </p:txBody>
+      </p:sp>
+      <p:sp>
+        <p:nvSpPr>
+          <p:cNvPr id="7" name="Slide Number Placeholder 6"/>
+          <p:cNvSpPr>
+            <a:spLocks noGrp="1"/>
+          </p:cNvSpPr>
+          <p:nvPr>
+            <p:ph type="sldNum" sz="quarter" idx="5"/>
+          </p:nvPr>
+        </p:nvSpPr>
+        <p:spPr>
+          <a:xfrm>
+            <a:off x="3884613" y="8685213"/>
+            <a:ext cx="2971800" cy="458787"/>
+          </a:xfrm>
+          <a:prstGeom prst="rect">
+            <a:avLst/>
+          </a:prstGeom>
+        </p:spPr>
+        <p:txBody>
+          <a:bodyPr vert="horz" lIns="91440" tIns="45720" rIns="91440" bIns="45720" rtlCol="0" anchor="b"/>
+          <a:lstStyle>
+            <a:lvl1pPr algn="r">
+              <a:defRPr sz="1200"/>
+            </a:lvl1pPr>
+          </a:lstStyle>
+          <a:p>
+            <a:fld id="{8FC5E1BD-A6C4-4E5C-AF0C-41B9FBA35AD3}" type="slidenum">
+              <a:rPr lang="en-US" smtClean="0"/>
+              <a:t>‹#›</a:t>
+            </a:fld>
+            <a:endParaRPr lang="en-US"/>
+          </a:p>
+        </p:txBody>
+      </p:sp>
+    </p:spTree>
+    <p:extLst>
+      <p:ext uri="{BB962C8B-B14F-4D97-AF65-F5344CB8AC3E}">
+        <p14:creationId xmlns:p14="http://schemas.microsoft.com/office/powerpoint/2010/main" val="508303774"/>
+      </p:ext>
+    </p:extLst>
+  </p:cSld>
+  <p:clrMap bg1="lt1" tx1="dk1" bg2="lt2" tx2="dk2" accent1="accent1" accent2="accent2" accent3="accent3" accent4="accent4" accent5="accent5" accent6="accent6" hlink="hlink" folHlink="folHlink"/>
+  <p:notesStyle>
+    <a:lvl1pPr marL="0" algn="l" defTabSz="914400" rtl="0" eaLnBrk="1" latinLnBrk="0" hangingPunct="1">
+      <a:defRPr sz="1200" kern="1200">
+        <a:solidFill>
+          <a:schemeClr val="tx1"/>
+        </a:solidFill>
+        <a:latin typeface="+mn-lt"/>
+        <a:ea typeface="+mn-ea"/>
+        <a:cs typeface="+mn-cs"/>
+      </a:defRPr>
+    </a:lvl1pPr>
+    <a:lvl2pPr marL="457200" algn="l" defTabSz="914400" rtl="0" eaLnBrk="1" latinLnBrk="0" hangingPunct="1">
+      <a:defRPr sz="1200" kern="1200">
+        <a:solidFill>
+          <a:schemeClr val="tx1"/>
+        </a:solidFill>
+        <a:latin typeface="+mn-lt"/>
+        <a:ea typeface="+mn-ea"/>
+        <a:cs typeface="+mn-cs"/>
+      </a:defRPr>
+    </a:lvl2pPr>
+    <a:lvl3pPr marL="914400" algn="l" defTabSz="914400" rtl="0" eaLnBrk="1" latinLnBrk="0" hangingPunct="1">
+      <a:defRPr sz="1200" kern="1200">
+        <a:solidFill>
+          <a:schemeClr val="tx1"/>
+        </a:solidFill>
+        <a:latin typeface="+mn-lt"/>
+        <a:ea typeface="+mn-ea"/>
+        <a:cs typeface="+mn-cs"/>
+      </a:defRPr>
+    </a:lvl3pPr>
+    <a:lvl4pPr marL="1371600" algn="l" defTabSz="914400" rtl="0" eaLnBrk="1" latinLnBrk="0" hangingPunct="1">
+      <a:defRPr sz="1200" kern="1200">
+        <a:solidFill>
+          <a:schemeClr val="tx1"/>
+        </a:solidFill>
+        <a:latin typeface="+mn-lt"/>
+        <a:ea typeface="+mn-ea"/>
+        <a:cs typeface="+mn-cs"/>
+      </a:defRPr>
+    </a:lvl4pPr>
+    <a:lvl5pPr marL="1828800" algn="l" defTabSz="914400" rtl="0" eaLnBrk="1" latinLnBrk="0" hangingPunct="1">
+      <a:defRPr sz="1200" kern="1200">
+        <a:solidFill>
+          <a:schemeClr val="tx1"/>
+        </a:solidFill>
+        <a:latin typeface="+mn-lt"/>
+        <a:ea typeface="+mn-ea"/>
+        <a:cs typeface="+mn-cs"/>
+      </a:defRPr>
+    </a:lvl5pPr>
+    <a:lvl6pPr marL="2286000" algn="l" defTabSz="914400" rtl="0" eaLnBrk="1" latinLnBrk="0" hangingPunct="1">
+      <a:defRPr sz="1200" kern="1200">
+        <a:solidFill>
+          <a:schemeClr val="tx1"/>
+        </a:solidFill>
+        <a:latin typeface="+mn-lt"/>
+        <a:ea typeface="+mn-ea"/>
+        <a:cs typeface="+mn-cs"/>
+      </a:defRPr>
+    </a:lvl6pPr>
+    <a:lvl7pPr marL="2743200" algn="l" defTabSz="914400" rtl="0" eaLnBrk="1" latinLnBrk="0" hangingPunct="1">
+      <a:defRPr sz="1200" kern="1200">
+        <a:solidFill>
+          <a:schemeClr val="tx1"/>
+        </a:solidFill>
+        <a:latin typeface="+mn-lt"/>
+        <a:ea typeface="+mn-ea"/>
+        <a:cs typeface="+mn-cs"/>
+      </a:defRPr>
+    </a:lvl7pPr>
+    <a:lvl8pPr marL="3200400" algn="l" defTabSz="914400" rtl="0" eaLnBrk="1" latinLnBrk="0" hangingPunct="1">
+      <a:defRPr sz="1200" kern="1200">
+        <a:solidFill>
+          <a:schemeClr val="tx1"/>
+        </a:solidFill>
+        <a:latin typeface="+mn-lt"/>
+        <a:ea typeface="+mn-ea"/>
+        <a:cs typeface="+mn-cs"/>
+      </a:defRPr>
+    </a:lvl8pPr>
+    <a:lvl9pPr marL="3657600" algn="l" defTabSz="914400" rtl="0" eaLnBrk="1" latinLnBrk="0" hangingPunct="1">
+      <a:defRPr sz="1200" kern="1200">
+        <a:solidFill>
+          <a:schemeClr val="tx1"/>
+        </a:solidFill>
+        <a:latin typeface="+mn-lt"/>
+        <a:ea typeface="+mn-ea"/>
+        <a:cs typeface="+mn-cs"/>
+      </a:defRPr>
+    </a:lvl9pPr>
+  </p:notesStyle>
+</p:notesMaster>
+</file>
+
+<file path=ppt/notesSlides/notesSlide1.xml><?xml version="1.0" encoding="utf-8"?>
+<p:notes xmlns:a="http://schemas.openxmlformats.org/drawingml/2006/main" xmlns:r="http://schemas.openxmlformats.org/officeDocument/2006/relationships" xmlns:p="http://schemas.openxmlformats.org/presentationml/2006/main">
+  <p:cSld>
+    <p:spTree>
+      <p:nvGrpSpPr>
+        <p:cNvPr id="1" name=""/>
+        <p:cNvGrpSpPr/>
+        <p:nvPr/>
+      </p:nvGrpSpPr>
+      <p:grpSpPr>
+        <a:xfrm>
+          <a:off x="0" y="0"/>
+          <a:ext cx="0" cy="0"/>
+          <a:chOff x="0" y="0"/>
+          <a:chExt cx="0" cy="0"/>
+        </a:xfrm>
+      </p:grpSpPr>
+      <p:sp>
+        <p:nvSpPr>
+          <p:cNvPr id="2" name="Slide Image Placeholder 1"/>
+          <p:cNvSpPr>
+            <a:spLocks noGrp="1" noRot="1" noChangeAspect="1"/>
+          </p:cNvSpPr>
+          <p:nvPr>
+            <p:ph type="sldImg"/>
+          </p:nvPr>
+        </p:nvSpPr>
+        <p:spPr/>
+      </p:sp>
+      <p:sp>
+        <p:nvSpPr>
+          <p:cNvPr id="3" name="Notes Placeholder 2"/>
+          <p:cNvSpPr>
+            <a:spLocks noGrp="1"/>
+          </p:cNvSpPr>
+          <p:nvPr>
+            <p:ph type="body" idx="1"/>
+          </p:nvPr>
+        </p:nvSpPr>
+        <p:spPr/>
+        <p:txBody>
+          <a:bodyPr/>
+          <a:lstStyle/>
+          <a:p>
+            <a:r>
+              <a:rPr lang="en-US" dirty="0"/>
+              <a:t>Melissa – Intro up to slide 3</a:t>
+            </a:r>
+          </a:p>
+        </p:txBody>
+      </p:sp>
+      <p:sp>
+        <p:nvSpPr>
+          <p:cNvPr id="4" name="Slide Number Placeholder 3"/>
+          <p:cNvSpPr>
+            <a:spLocks noGrp="1"/>
+          </p:cNvSpPr>
+          <p:nvPr>
+            <p:ph type="sldNum" sz="quarter" idx="5"/>
+          </p:nvPr>
+        </p:nvSpPr>
+        <p:spPr/>
+        <p:txBody>
+          <a:bodyPr/>
+          <a:lstStyle/>
+          <a:p>
+            <a:fld id="{8FC5E1BD-A6C4-4E5C-AF0C-41B9FBA35AD3}" type="slidenum">
+              <a:rPr lang="en-US" smtClean="0"/>
+              <a:t>1</a:t>
+            </a:fld>
+            <a:endParaRPr lang="en-US"/>
+          </a:p>
+        </p:txBody>
+      </p:sp>
+    </p:spTree>
+    <p:extLst>
+      <p:ext uri="{BB962C8B-B14F-4D97-AF65-F5344CB8AC3E}">
+        <p14:creationId xmlns:p14="http://schemas.microsoft.com/office/powerpoint/2010/main" val="850983048"/>
+      </p:ext>
+    </p:extLst>
+  </p:cSld>
+  <p:clrMapOvr>
+    <a:masterClrMapping/>
+  </p:clrMapOvr>
+</p:notes>
+</file>
+
+<file path=ppt/notesSlides/notesSlide10.xml><?xml version="1.0" encoding="utf-8"?>
+<p:notes xmlns:a="http://schemas.openxmlformats.org/drawingml/2006/main" xmlns:r="http://schemas.openxmlformats.org/officeDocument/2006/relationships" xmlns:p="http://schemas.openxmlformats.org/presentationml/2006/main">
+  <p:cSld>
+    <p:spTree>
+      <p:nvGrpSpPr>
+        <p:cNvPr id="1" name=""/>
+        <p:cNvGrpSpPr/>
+        <p:nvPr/>
+      </p:nvGrpSpPr>
+      <p:grpSpPr>
+        <a:xfrm>
+          <a:off x="0" y="0"/>
+          <a:ext cx="0" cy="0"/>
+          <a:chOff x="0" y="0"/>
+          <a:chExt cx="0" cy="0"/>
+        </a:xfrm>
+      </p:grpSpPr>
+      <p:sp>
+        <p:nvSpPr>
+          <p:cNvPr id="2" name="Slide Image Placeholder 1"/>
+          <p:cNvSpPr>
+            <a:spLocks noGrp="1" noRot="1" noChangeAspect="1"/>
+          </p:cNvSpPr>
+          <p:nvPr>
+            <p:ph type="sldImg"/>
+          </p:nvPr>
+        </p:nvSpPr>
+        <p:spPr/>
+      </p:sp>
+      <p:sp>
+        <p:nvSpPr>
+          <p:cNvPr id="3" name="Notes Placeholder 2"/>
+          <p:cNvSpPr>
+            <a:spLocks noGrp="1"/>
+          </p:cNvSpPr>
+          <p:nvPr>
+            <p:ph type="body" idx="1"/>
+          </p:nvPr>
+        </p:nvSpPr>
+        <p:spPr/>
+        <p:txBody>
+          <a:bodyPr/>
+          <a:lstStyle/>
+          <a:p>
+            <a:r>
+              <a:rPr lang="en-US" dirty="0"/>
+              <a:t>Lance/Cory</a:t>
+            </a:r>
+          </a:p>
+        </p:txBody>
+      </p:sp>
+      <p:sp>
+        <p:nvSpPr>
+          <p:cNvPr id="4" name="Slide Number Placeholder 3"/>
+          <p:cNvSpPr>
+            <a:spLocks noGrp="1"/>
+          </p:cNvSpPr>
+          <p:nvPr>
+            <p:ph type="sldNum" sz="quarter" idx="5"/>
+          </p:nvPr>
+        </p:nvSpPr>
+        <p:spPr/>
+        <p:txBody>
+          <a:bodyPr/>
+          <a:lstStyle/>
+          <a:p>
+            <a:fld id="{8FC5E1BD-A6C4-4E5C-AF0C-41B9FBA35AD3}" type="slidenum">
+              <a:rPr lang="en-US" smtClean="0"/>
+              <a:t>10</a:t>
+            </a:fld>
+            <a:endParaRPr lang="en-US"/>
+          </a:p>
+        </p:txBody>
+      </p:sp>
+    </p:spTree>
+    <p:extLst>
+      <p:ext uri="{BB962C8B-B14F-4D97-AF65-F5344CB8AC3E}">
+        <p14:creationId xmlns:p14="http://schemas.microsoft.com/office/powerpoint/2010/main" val="2872085002"/>
+      </p:ext>
+    </p:extLst>
+  </p:cSld>
+  <p:clrMapOvr>
+    <a:masterClrMapping/>
+  </p:clrMapOvr>
+</p:notes>
+</file>
+
+<file path=ppt/notesSlides/notesSlide11.xml><?xml version="1.0" encoding="utf-8"?>
+<p:notes xmlns:a="http://schemas.openxmlformats.org/drawingml/2006/main" xmlns:r="http://schemas.openxmlformats.org/officeDocument/2006/relationships" xmlns:p="http://schemas.openxmlformats.org/presentationml/2006/main">
+  <p:cSld>
+    <p:spTree>
+      <p:nvGrpSpPr>
+        <p:cNvPr id="1" name=""/>
+        <p:cNvGrpSpPr/>
+        <p:nvPr/>
+      </p:nvGrpSpPr>
+      <p:grpSpPr>
+        <a:xfrm>
+          <a:off x="0" y="0"/>
+          <a:ext cx="0" cy="0"/>
+          <a:chOff x="0" y="0"/>
+          <a:chExt cx="0" cy="0"/>
+        </a:xfrm>
+      </p:grpSpPr>
+      <p:sp>
+        <p:nvSpPr>
+          <p:cNvPr id="2" name="Slide Image Placeholder 1"/>
+          <p:cNvSpPr>
+            <a:spLocks noGrp="1" noRot="1" noChangeAspect="1"/>
+          </p:cNvSpPr>
+          <p:nvPr>
+            <p:ph type="sldImg"/>
+          </p:nvPr>
+        </p:nvSpPr>
+        <p:spPr/>
+      </p:sp>
+      <p:sp>
+        <p:nvSpPr>
+          <p:cNvPr id="3" name="Notes Placeholder 2"/>
+          <p:cNvSpPr>
+            <a:spLocks noGrp="1"/>
+          </p:cNvSpPr>
+          <p:nvPr>
+            <p:ph type="body" idx="1"/>
+          </p:nvPr>
+        </p:nvSpPr>
+        <p:spPr/>
+        <p:txBody>
+          <a:bodyPr/>
+          <a:lstStyle/>
+          <a:p>
+            <a:r>
+              <a:rPr lang="en-US" dirty="0"/>
+              <a:t>Regan</a:t>
+            </a:r>
+          </a:p>
+        </p:txBody>
+      </p:sp>
+      <p:sp>
+        <p:nvSpPr>
+          <p:cNvPr id="4" name="Slide Number Placeholder 3"/>
+          <p:cNvSpPr>
+            <a:spLocks noGrp="1"/>
+          </p:cNvSpPr>
+          <p:nvPr>
+            <p:ph type="sldNum" sz="quarter" idx="5"/>
+          </p:nvPr>
+        </p:nvSpPr>
+        <p:spPr/>
+        <p:txBody>
+          <a:bodyPr/>
+          <a:lstStyle/>
+          <a:p>
+            <a:fld id="{8FC5E1BD-A6C4-4E5C-AF0C-41B9FBA35AD3}" type="slidenum">
+              <a:rPr lang="en-US" smtClean="0"/>
+              <a:t>11</a:t>
+            </a:fld>
+            <a:endParaRPr lang="en-US"/>
+          </a:p>
+        </p:txBody>
+      </p:sp>
+    </p:spTree>
+    <p:extLst>
+      <p:ext uri="{BB962C8B-B14F-4D97-AF65-F5344CB8AC3E}">
+        <p14:creationId xmlns:p14="http://schemas.microsoft.com/office/powerpoint/2010/main" val="236234332"/>
+      </p:ext>
+    </p:extLst>
+  </p:cSld>
+  <p:clrMapOvr>
+    <a:masterClrMapping/>
+  </p:clrMapOvr>
+</p:notes>
+</file>
+
+<file path=ppt/notesSlides/notesSlide12.xml><?xml version="1.0" encoding="utf-8"?>
+<p:notes xmlns:a="http://schemas.openxmlformats.org/drawingml/2006/main" xmlns:r="http://schemas.openxmlformats.org/officeDocument/2006/relationships" xmlns:p="http://schemas.openxmlformats.org/presentationml/2006/main">
+  <p:cSld>
+    <p:spTree>
+      <p:nvGrpSpPr>
+        <p:cNvPr id="1" name=""/>
+        <p:cNvGrpSpPr/>
+        <p:nvPr/>
+      </p:nvGrpSpPr>
+      <p:grpSpPr>
+        <a:xfrm>
+          <a:off x="0" y="0"/>
+          <a:ext cx="0" cy="0"/>
+          <a:chOff x="0" y="0"/>
+          <a:chExt cx="0" cy="0"/>
+        </a:xfrm>
+      </p:grpSpPr>
+      <p:sp>
+        <p:nvSpPr>
+          <p:cNvPr id="2" name="Slide Image Placeholder 1"/>
+          <p:cNvSpPr>
+            <a:spLocks noGrp="1" noRot="1" noChangeAspect="1"/>
+          </p:cNvSpPr>
+          <p:nvPr>
+            <p:ph type="sldImg"/>
+          </p:nvPr>
+        </p:nvSpPr>
+        <p:spPr/>
+      </p:sp>
+      <p:sp>
+        <p:nvSpPr>
+          <p:cNvPr id="3" name="Notes Placeholder 2"/>
+          <p:cNvSpPr>
+            <a:spLocks noGrp="1"/>
+          </p:cNvSpPr>
+          <p:nvPr>
+            <p:ph type="body" idx="1"/>
+          </p:nvPr>
+        </p:nvSpPr>
+        <p:spPr/>
+        <p:txBody>
+          <a:bodyPr/>
+          <a:lstStyle/>
+          <a:p>
+            <a:r>
+              <a:rPr lang="en-US" dirty="0"/>
+              <a:t>Regan – to show website after this and talk about challenges</a:t>
+            </a:r>
+          </a:p>
+        </p:txBody>
+      </p:sp>
+      <p:sp>
+        <p:nvSpPr>
+          <p:cNvPr id="4" name="Slide Number Placeholder 3"/>
+          <p:cNvSpPr>
+            <a:spLocks noGrp="1"/>
+          </p:cNvSpPr>
+          <p:nvPr>
+            <p:ph type="sldNum" sz="quarter" idx="5"/>
+          </p:nvPr>
+        </p:nvSpPr>
+        <p:spPr/>
+        <p:txBody>
+          <a:bodyPr/>
+          <a:lstStyle/>
+          <a:p>
+            <a:fld id="{8FC5E1BD-A6C4-4E5C-AF0C-41B9FBA35AD3}" type="slidenum">
+              <a:rPr lang="en-US" smtClean="0"/>
+              <a:t>12</a:t>
+            </a:fld>
+            <a:endParaRPr lang="en-US"/>
+          </a:p>
+        </p:txBody>
+      </p:sp>
+    </p:spTree>
+    <p:extLst>
+      <p:ext uri="{BB962C8B-B14F-4D97-AF65-F5344CB8AC3E}">
+        <p14:creationId xmlns:p14="http://schemas.microsoft.com/office/powerpoint/2010/main" val="4071059883"/>
+      </p:ext>
+    </p:extLst>
+  </p:cSld>
+  <p:clrMapOvr>
+    <a:masterClrMapping/>
+  </p:clrMapOvr>
+</p:notes>
+</file>
+
+<file path=ppt/notesSlides/notesSlide13.xml><?xml version="1.0" encoding="utf-8"?>
+<p:notes xmlns:a="http://schemas.openxmlformats.org/drawingml/2006/main" xmlns:r="http://schemas.openxmlformats.org/officeDocument/2006/relationships" xmlns:p="http://schemas.openxmlformats.org/presentationml/2006/main">
+  <p:cSld>
+    <p:spTree>
+      <p:nvGrpSpPr>
+        <p:cNvPr id="1" name=""/>
+        <p:cNvGrpSpPr/>
+        <p:nvPr/>
+      </p:nvGrpSpPr>
+      <p:grpSpPr>
+        <a:xfrm>
+          <a:off x="0" y="0"/>
+          <a:ext cx="0" cy="0"/>
+          <a:chOff x="0" y="0"/>
+          <a:chExt cx="0" cy="0"/>
+        </a:xfrm>
+      </p:grpSpPr>
+      <p:sp>
+        <p:nvSpPr>
+          <p:cNvPr id="2" name="Slide Image Placeholder 1"/>
+          <p:cNvSpPr>
+            <a:spLocks noGrp="1" noRot="1" noChangeAspect="1"/>
+          </p:cNvSpPr>
+          <p:nvPr>
+            <p:ph type="sldImg"/>
+          </p:nvPr>
+        </p:nvSpPr>
+        <p:spPr/>
+      </p:sp>
+      <p:sp>
+        <p:nvSpPr>
+          <p:cNvPr id="3" name="Notes Placeholder 2"/>
+          <p:cNvSpPr>
+            <a:spLocks noGrp="1"/>
+          </p:cNvSpPr>
+          <p:nvPr>
+            <p:ph type="body" idx="1"/>
+          </p:nvPr>
+        </p:nvSpPr>
+        <p:spPr/>
+        <p:txBody>
+          <a:bodyPr/>
+          <a:lstStyle/>
+          <a:p>
+            <a:r>
+              <a:rPr lang="en-US" dirty="0"/>
+              <a:t>Regan</a:t>
+            </a:r>
+          </a:p>
+        </p:txBody>
+      </p:sp>
+      <p:sp>
+        <p:nvSpPr>
+          <p:cNvPr id="4" name="Slide Number Placeholder 3"/>
+          <p:cNvSpPr>
+            <a:spLocks noGrp="1"/>
+          </p:cNvSpPr>
+          <p:nvPr>
+            <p:ph type="sldNum" sz="quarter" idx="5"/>
+          </p:nvPr>
+        </p:nvSpPr>
+        <p:spPr/>
+        <p:txBody>
+          <a:bodyPr/>
+          <a:lstStyle/>
+          <a:p>
+            <a:fld id="{8FC5E1BD-A6C4-4E5C-AF0C-41B9FBA35AD3}" type="slidenum">
+              <a:rPr lang="en-US" smtClean="0"/>
+              <a:t>13</a:t>
+            </a:fld>
+            <a:endParaRPr lang="en-US"/>
+          </a:p>
+        </p:txBody>
+      </p:sp>
+    </p:spTree>
+    <p:extLst>
+      <p:ext uri="{BB962C8B-B14F-4D97-AF65-F5344CB8AC3E}">
+        <p14:creationId xmlns:p14="http://schemas.microsoft.com/office/powerpoint/2010/main" val="2888477859"/>
+      </p:ext>
+    </p:extLst>
+  </p:cSld>
+  <p:clrMapOvr>
+    <a:masterClrMapping/>
+  </p:clrMapOvr>
+</p:notes>
+</file>
+
+<file path=ppt/notesSlides/notesSlide14.xml><?xml version="1.0" encoding="utf-8"?>
+<p:notes xmlns:a="http://schemas.openxmlformats.org/drawingml/2006/main" xmlns:r="http://schemas.openxmlformats.org/officeDocument/2006/relationships" xmlns:p="http://schemas.openxmlformats.org/presentationml/2006/main">
+  <p:cSld>
+    <p:spTree>
+      <p:nvGrpSpPr>
+        <p:cNvPr id="1" name=""/>
+        <p:cNvGrpSpPr/>
+        <p:nvPr/>
+      </p:nvGrpSpPr>
+      <p:grpSpPr>
+        <a:xfrm>
+          <a:off x="0" y="0"/>
+          <a:ext cx="0" cy="0"/>
+          <a:chOff x="0" y="0"/>
+          <a:chExt cx="0" cy="0"/>
+        </a:xfrm>
+      </p:grpSpPr>
+      <p:sp>
+        <p:nvSpPr>
+          <p:cNvPr id="2" name="Slide Image Placeholder 1"/>
+          <p:cNvSpPr>
+            <a:spLocks noGrp="1" noRot="1" noChangeAspect="1"/>
+          </p:cNvSpPr>
+          <p:nvPr>
+            <p:ph type="sldImg"/>
+          </p:nvPr>
+        </p:nvSpPr>
+        <p:spPr/>
+      </p:sp>
+      <p:sp>
+        <p:nvSpPr>
+          <p:cNvPr id="3" name="Notes Placeholder 2"/>
+          <p:cNvSpPr>
+            <a:spLocks noGrp="1"/>
+          </p:cNvSpPr>
+          <p:nvPr>
+            <p:ph type="body" idx="1"/>
+          </p:nvPr>
+        </p:nvSpPr>
+        <p:spPr/>
+        <p:txBody>
+          <a:bodyPr/>
+          <a:lstStyle/>
+          <a:p>
+            <a:r>
+              <a:rPr lang="en-US" dirty="0"/>
+              <a:t>Regan</a:t>
+            </a:r>
+          </a:p>
+        </p:txBody>
+      </p:sp>
+      <p:sp>
+        <p:nvSpPr>
+          <p:cNvPr id="4" name="Slide Number Placeholder 3"/>
+          <p:cNvSpPr>
+            <a:spLocks noGrp="1"/>
+          </p:cNvSpPr>
+          <p:nvPr>
+            <p:ph type="sldNum" sz="quarter" idx="5"/>
+          </p:nvPr>
+        </p:nvSpPr>
+        <p:spPr/>
+        <p:txBody>
+          <a:bodyPr/>
+          <a:lstStyle/>
+          <a:p>
+            <a:fld id="{8FC5E1BD-A6C4-4E5C-AF0C-41B9FBA35AD3}" type="slidenum">
+              <a:rPr lang="en-US" smtClean="0"/>
+              <a:t>14</a:t>
+            </a:fld>
+            <a:endParaRPr lang="en-US"/>
+          </a:p>
+        </p:txBody>
+      </p:sp>
+    </p:spTree>
+    <p:extLst>
+      <p:ext uri="{BB962C8B-B14F-4D97-AF65-F5344CB8AC3E}">
+        <p14:creationId xmlns:p14="http://schemas.microsoft.com/office/powerpoint/2010/main" val="2487835504"/>
+      </p:ext>
+    </p:extLst>
+  </p:cSld>
+  <p:clrMapOvr>
+    <a:masterClrMapping/>
+  </p:clrMapOvr>
+</p:notes>
+</file>
+
+<file path=ppt/notesSlides/notesSlide2.xml><?xml version="1.0" encoding="utf-8"?>
+<p:notes xmlns:a="http://schemas.openxmlformats.org/drawingml/2006/main" xmlns:r="http://schemas.openxmlformats.org/officeDocument/2006/relationships" xmlns:p="http://schemas.openxmlformats.org/presentationml/2006/main">
+  <p:cSld>
+    <p:spTree>
+      <p:nvGrpSpPr>
+        <p:cNvPr id="1" name=""/>
+        <p:cNvGrpSpPr/>
+        <p:nvPr/>
+      </p:nvGrpSpPr>
+      <p:grpSpPr>
+        <a:xfrm>
+          <a:off x="0" y="0"/>
+          <a:ext cx="0" cy="0"/>
+          <a:chOff x="0" y="0"/>
+          <a:chExt cx="0" cy="0"/>
+        </a:xfrm>
+      </p:grpSpPr>
+      <p:sp>
+        <p:nvSpPr>
+          <p:cNvPr id="2" name="Slide Image Placeholder 1"/>
+          <p:cNvSpPr>
+            <a:spLocks noGrp="1" noRot="1" noChangeAspect="1"/>
+          </p:cNvSpPr>
+          <p:nvPr>
+            <p:ph type="sldImg"/>
+          </p:nvPr>
+        </p:nvSpPr>
+        <p:spPr/>
+      </p:sp>
+      <p:sp>
+        <p:nvSpPr>
+          <p:cNvPr id="3" name="Notes Placeholder 2"/>
+          <p:cNvSpPr>
+            <a:spLocks noGrp="1"/>
+          </p:cNvSpPr>
+          <p:nvPr>
+            <p:ph type="body" idx="1"/>
+          </p:nvPr>
+        </p:nvSpPr>
+        <p:spPr/>
+        <p:txBody>
+          <a:bodyPr/>
+          <a:lstStyle/>
+          <a:p>
+            <a:r>
+              <a:rPr lang="en-US" dirty="0"/>
+              <a:t>Melissa</a:t>
+            </a:r>
+          </a:p>
+        </p:txBody>
+      </p:sp>
+      <p:sp>
+        <p:nvSpPr>
+          <p:cNvPr id="4" name="Slide Number Placeholder 3"/>
+          <p:cNvSpPr>
+            <a:spLocks noGrp="1"/>
+          </p:cNvSpPr>
+          <p:nvPr>
+            <p:ph type="sldNum" sz="quarter" idx="5"/>
+          </p:nvPr>
+        </p:nvSpPr>
+        <p:spPr/>
+        <p:txBody>
+          <a:bodyPr/>
+          <a:lstStyle/>
+          <a:p>
+            <a:fld id="{8FC5E1BD-A6C4-4E5C-AF0C-41B9FBA35AD3}" type="slidenum">
+              <a:rPr lang="en-US" smtClean="0"/>
+              <a:t>2</a:t>
+            </a:fld>
+            <a:endParaRPr lang="en-US"/>
+          </a:p>
+        </p:txBody>
+      </p:sp>
+    </p:spTree>
+    <p:extLst>
+      <p:ext uri="{BB962C8B-B14F-4D97-AF65-F5344CB8AC3E}">
+        <p14:creationId xmlns:p14="http://schemas.microsoft.com/office/powerpoint/2010/main" val="3820991039"/>
+      </p:ext>
+    </p:extLst>
+  </p:cSld>
+  <p:clrMapOvr>
+    <a:masterClrMapping/>
+  </p:clrMapOvr>
+</p:notes>
+</file>
+
+<file path=ppt/notesSlides/notesSlide3.xml><?xml version="1.0" encoding="utf-8"?>
+<p:notes xmlns:a="http://schemas.openxmlformats.org/drawingml/2006/main" xmlns:r="http://schemas.openxmlformats.org/officeDocument/2006/relationships" xmlns:p="http://schemas.openxmlformats.org/presentationml/2006/main">
+  <p:cSld>
+    <p:spTree>
+      <p:nvGrpSpPr>
+        <p:cNvPr id="1" name=""/>
+        <p:cNvGrpSpPr/>
+        <p:nvPr/>
+      </p:nvGrpSpPr>
+      <p:grpSpPr>
+        <a:xfrm>
+          <a:off x="0" y="0"/>
+          <a:ext cx="0" cy="0"/>
+          <a:chOff x="0" y="0"/>
+          <a:chExt cx="0" cy="0"/>
+        </a:xfrm>
+      </p:grpSpPr>
+      <p:sp>
+        <p:nvSpPr>
+          <p:cNvPr id="2" name="Slide Image Placeholder 1"/>
+          <p:cNvSpPr>
+            <a:spLocks noGrp="1" noRot="1" noChangeAspect="1"/>
+          </p:cNvSpPr>
+          <p:nvPr>
+            <p:ph type="sldImg"/>
+          </p:nvPr>
+        </p:nvSpPr>
+        <p:spPr/>
+      </p:sp>
+      <p:sp>
+        <p:nvSpPr>
+          <p:cNvPr id="3" name="Notes Placeholder 2"/>
+          <p:cNvSpPr>
+            <a:spLocks noGrp="1"/>
+          </p:cNvSpPr>
+          <p:nvPr>
+            <p:ph type="body" idx="1"/>
+          </p:nvPr>
+        </p:nvSpPr>
+        <p:spPr/>
+        <p:txBody>
+          <a:bodyPr/>
+          <a:lstStyle/>
+          <a:p>
+            <a:r>
+              <a:rPr lang="en-US" dirty="0"/>
+              <a:t>Melissa</a:t>
+            </a:r>
+          </a:p>
+        </p:txBody>
+      </p:sp>
+      <p:sp>
+        <p:nvSpPr>
+          <p:cNvPr id="4" name="Slide Number Placeholder 3"/>
+          <p:cNvSpPr>
+            <a:spLocks noGrp="1"/>
+          </p:cNvSpPr>
+          <p:nvPr>
+            <p:ph type="sldNum" sz="quarter" idx="5"/>
+          </p:nvPr>
+        </p:nvSpPr>
+        <p:spPr/>
+        <p:txBody>
+          <a:bodyPr/>
+          <a:lstStyle/>
+          <a:p>
+            <a:fld id="{8FC5E1BD-A6C4-4E5C-AF0C-41B9FBA35AD3}" type="slidenum">
+              <a:rPr lang="en-US" smtClean="0"/>
+              <a:t>3</a:t>
+            </a:fld>
+            <a:endParaRPr lang="en-US"/>
+          </a:p>
+        </p:txBody>
+      </p:sp>
+    </p:spTree>
+    <p:extLst>
+      <p:ext uri="{BB962C8B-B14F-4D97-AF65-F5344CB8AC3E}">
+        <p14:creationId xmlns:p14="http://schemas.microsoft.com/office/powerpoint/2010/main" val="3438138527"/>
+      </p:ext>
+    </p:extLst>
+  </p:cSld>
+  <p:clrMapOvr>
+    <a:masterClrMapping/>
+  </p:clrMapOvr>
+</p:notes>
+</file>
+
+<file path=ppt/notesSlides/notesSlide4.xml><?xml version="1.0" encoding="utf-8"?>
+<p:notes xmlns:a="http://schemas.openxmlformats.org/drawingml/2006/main" xmlns:r="http://schemas.openxmlformats.org/officeDocument/2006/relationships" xmlns:p="http://schemas.openxmlformats.org/presentationml/2006/main">
+  <p:cSld>
+    <p:spTree>
+      <p:nvGrpSpPr>
+        <p:cNvPr id="1" name=""/>
+        <p:cNvGrpSpPr/>
+        <p:nvPr/>
+      </p:nvGrpSpPr>
+      <p:grpSpPr>
+        <a:xfrm>
+          <a:off x="0" y="0"/>
+          <a:ext cx="0" cy="0"/>
+          <a:chOff x="0" y="0"/>
+          <a:chExt cx="0" cy="0"/>
+        </a:xfrm>
+      </p:grpSpPr>
+      <p:sp>
+        <p:nvSpPr>
+          <p:cNvPr id="2" name="Slide Image Placeholder 1"/>
+          <p:cNvSpPr>
+            <a:spLocks noGrp="1" noRot="1" noChangeAspect="1"/>
+          </p:cNvSpPr>
+          <p:nvPr>
+            <p:ph type="sldImg"/>
+          </p:nvPr>
+        </p:nvSpPr>
+        <p:spPr/>
+      </p:sp>
+      <p:sp>
+        <p:nvSpPr>
+          <p:cNvPr id="3" name="Notes Placeholder 2"/>
+          <p:cNvSpPr>
+            <a:spLocks noGrp="1"/>
+          </p:cNvSpPr>
+          <p:nvPr>
+            <p:ph type="body" idx="1"/>
+          </p:nvPr>
+        </p:nvSpPr>
+        <p:spPr/>
+        <p:txBody>
+          <a:bodyPr/>
+          <a:lstStyle/>
+          <a:p>
+            <a:r>
+              <a:rPr lang="en-US" dirty="0"/>
+              <a:t>Lance</a:t>
+            </a:r>
+          </a:p>
+        </p:txBody>
+      </p:sp>
+      <p:sp>
+        <p:nvSpPr>
+          <p:cNvPr id="4" name="Slide Number Placeholder 3"/>
+          <p:cNvSpPr>
+            <a:spLocks noGrp="1"/>
+          </p:cNvSpPr>
+          <p:nvPr>
+            <p:ph type="sldNum" sz="quarter" idx="5"/>
+          </p:nvPr>
+        </p:nvSpPr>
+        <p:spPr/>
+        <p:txBody>
+          <a:bodyPr/>
+          <a:lstStyle/>
+          <a:p>
+            <a:fld id="{8FC5E1BD-A6C4-4E5C-AF0C-41B9FBA35AD3}" type="slidenum">
+              <a:rPr lang="en-US" smtClean="0"/>
+              <a:t>4</a:t>
+            </a:fld>
+            <a:endParaRPr lang="en-US"/>
+          </a:p>
+        </p:txBody>
+      </p:sp>
+    </p:spTree>
+    <p:extLst>
+      <p:ext uri="{BB962C8B-B14F-4D97-AF65-F5344CB8AC3E}">
+        <p14:creationId xmlns:p14="http://schemas.microsoft.com/office/powerpoint/2010/main" val="3501763176"/>
+      </p:ext>
+    </p:extLst>
+  </p:cSld>
+  <p:clrMapOvr>
+    <a:masterClrMapping/>
+  </p:clrMapOvr>
+</p:notes>
+</file>
+
+<file path=ppt/notesSlides/notesSlide5.xml><?xml version="1.0" encoding="utf-8"?>
+<p:notes xmlns:a="http://schemas.openxmlformats.org/drawingml/2006/main" xmlns:r="http://schemas.openxmlformats.org/officeDocument/2006/relationships" xmlns:p="http://schemas.openxmlformats.org/presentationml/2006/main">
+  <p:cSld>
+    <p:spTree>
+      <p:nvGrpSpPr>
+        <p:cNvPr id="1" name=""/>
+        <p:cNvGrpSpPr/>
+        <p:nvPr/>
+      </p:nvGrpSpPr>
+      <p:grpSpPr>
+        <a:xfrm>
+          <a:off x="0" y="0"/>
+          <a:ext cx="0" cy="0"/>
+          <a:chOff x="0" y="0"/>
+          <a:chExt cx="0" cy="0"/>
+        </a:xfrm>
+      </p:grpSpPr>
+      <p:sp>
+        <p:nvSpPr>
+          <p:cNvPr id="2" name="Slide Image Placeholder 1"/>
+          <p:cNvSpPr>
+            <a:spLocks noGrp="1" noRot="1" noChangeAspect="1"/>
+          </p:cNvSpPr>
+          <p:nvPr>
+            <p:ph type="sldImg"/>
+          </p:nvPr>
+        </p:nvSpPr>
+        <p:spPr/>
+      </p:sp>
+      <p:sp>
+        <p:nvSpPr>
+          <p:cNvPr id="3" name="Notes Placeholder 2"/>
+          <p:cNvSpPr>
+            <a:spLocks noGrp="1"/>
+          </p:cNvSpPr>
+          <p:nvPr>
+            <p:ph type="body" idx="1"/>
+          </p:nvPr>
+        </p:nvSpPr>
+        <p:spPr/>
+        <p:txBody>
+          <a:bodyPr/>
+          <a:lstStyle/>
+          <a:p>
+            <a:r>
+              <a:rPr lang="en-US" dirty="0"/>
+              <a:t>Lance</a:t>
+            </a:r>
+          </a:p>
+        </p:txBody>
+      </p:sp>
+      <p:sp>
+        <p:nvSpPr>
+          <p:cNvPr id="4" name="Slide Number Placeholder 3"/>
+          <p:cNvSpPr>
+            <a:spLocks noGrp="1"/>
+          </p:cNvSpPr>
+          <p:nvPr>
+            <p:ph type="sldNum" sz="quarter" idx="5"/>
+          </p:nvPr>
+        </p:nvSpPr>
+        <p:spPr/>
+        <p:txBody>
+          <a:bodyPr/>
+          <a:lstStyle/>
+          <a:p>
+            <a:fld id="{8FC5E1BD-A6C4-4E5C-AF0C-41B9FBA35AD3}" type="slidenum">
+              <a:rPr lang="en-US" smtClean="0"/>
+              <a:t>5</a:t>
+            </a:fld>
+            <a:endParaRPr lang="en-US"/>
+          </a:p>
+        </p:txBody>
+      </p:sp>
+    </p:spTree>
+    <p:extLst>
+      <p:ext uri="{BB962C8B-B14F-4D97-AF65-F5344CB8AC3E}">
+        <p14:creationId xmlns:p14="http://schemas.microsoft.com/office/powerpoint/2010/main" val="4108549281"/>
+      </p:ext>
+    </p:extLst>
+  </p:cSld>
+  <p:clrMapOvr>
+    <a:masterClrMapping/>
+  </p:clrMapOvr>
+</p:notes>
+</file>
+
+<file path=ppt/notesSlides/notesSlide6.xml><?xml version="1.0" encoding="utf-8"?>
+<p:notes xmlns:a="http://schemas.openxmlformats.org/drawingml/2006/main" xmlns:r="http://schemas.openxmlformats.org/officeDocument/2006/relationships" xmlns:p="http://schemas.openxmlformats.org/presentationml/2006/main">
+  <p:cSld>
+    <p:spTree>
+      <p:nvGrpSpPr>
+        <p:cNvPr id="1" name=""/>
+        <p:cNvGrpSpPr/>
+        <p:nvPr/>
+      </p:nvGrpSpPr>
+      <p:grpSpPr>
+        <a:xfrm>
+          <a:off x="0" y="0"/>
+          <a:ext cx="0" cy="0"/>
+          <a:chOff x="0" y="0"/>
+          <a:chExt cx="0" cy="0"/>
+        </a:xfrm>
+      </p:grpSpPr>
+      <p:sp>
+        <p:nvSpPr>
+          <p:cNvPr id="2" name="Slide Image Placeholder 1"/>
+          <p:cNvSpPr>
+            <a:spLocks noGrp="1" noRot="1" noChangeAspect="1"/>
+          </p:cNvSpPr>
+          <p:nvPr>
+            <p:ph type="sldImg"/>
+          </p:nvPr>
+        </p:nvSpPr>
+        <p:spPr/>
+      </p:sp>
+      <p:sp>
+        <p:nvSpPr>
+          <p:cNvPr id="3" name="Notes Placeholder 2"/>
+          <p:cNvSpPr>
+            <a:spLocks noGrp="1"/>
+          </p:cNvSpPr>
+          <p:nvPr>
+            <p:ph type="body" idx="1"/>
+          </p:nvPr>
+        </p:nvSpPr>
+        <p:spPr/>
+        <p:txBody>
+          <a:bodyPr/>
+          <a:lstStyle/>
+          <a:p>
+            <a:r>
+              <a:rPr lang="en-US" dirty="0"/>
+              <a:t>Cory</a:t>
+            </a:r>
+          </a:p>
+        </p:txBody>
+      </p:sp>
+      <p:sp>
+        <p:nvSpPr>
+          <p:cNvPr id="4" name="Slide Number Placeholder 3"/>
+          <p:cNvSpPr>
+            <a:spLocks noGrp="1"/>
+          </p:cNvSpPr>
+          <p:nvPr>
+            <p:ph type="sldNum" sz="quarter" idx="5"/>
+          </p:nvPr>
+        </p:nvSpPr>
+        <p:spPr/>
+        <p:txBody>
+          <a:bodyPr/>
+          <a:lstStyle/>
+          <a:p>
+            <a:fld id="{8FC5E1BD-A6C4-4E5C-AF0C-41B9FBA35AD3}" type="slidenum">
+              <a:rPr lang="en-US" smtClean="0"/>
+              <a:t>6</a:t>
+            </a:fld>
+            <a:endParaRPr lang="en-US"/>
+          </a:p>
+        </p:txBody>
+      </p:sp>
+    </p:spTree>
+    <p:extLst>
+      <p:ext uri="{BB962C8B-B14F-4D97-AF65-F5344CB8AC3E}">
+        <p14:creationId xmlns:p14="http://schemas.microsoft.com/office/powerpoint/2010/main" val="253689412"/>
+      </p:ext>
+    </p:extLst>
+  </p:cSld>
+  <p:clrMapOvr>
+    <a:masterClrMapping/>
+  </p:clrMapOvr>
+</p:notes>
+</file>
+
+<file path=ppt/notesSlides/notesSlide7.xml><?xml version="1.0" encoding="utf-8"?>
+<p:notes xmlns:a="http://schemas.openxmlformats.org/drawingml/2006/main" xmlns:r="http://schemas.openxmlformats.org/officeDocument/2006/relationships" xmlns:p="http://schemas.openxmlformats.org/presentationml/2006/main">
+  <p:cSld>
+    <p:spTree>
+      <p:nvGrpSpPr>
+        <p:cNvPr id="1" name=""/>
+        <p:cNvGrpSpPr/>
+        <p:nvPr/>
+      </p:nvGrpSpPr>
+      <p:grpSpPr>
+        <a:xfrm>
+          <a:off x="0" y="0"/>
+          <a:ext cx="0" cy="0"/>
+          <a:chOff x="0" y="0"/>
+          <a:chExt cx="0" cy="0"/>
+        </a:xfrm>
+      </p:grpSpPr>
+      <p:sp>
+        <p:nvSpPr>
+          <p:cNvPr id="2" name="Slide Image Placeholder 1"/>
+          <p:cNvSpPr>
+            <a:spLocks noGrp="1" noRot="1" noChangeAspect="1"/>
+          </p:cNvSpPr>
+          <p:nvPr>
+            <p:ph type="sldImg"/>
+          </p:nvPr>
+        </p:nvSpPr>
+        <p:spPr/>
+      </p:sp>
+      <p:sp>
+        <p:nvSpPr>
+          <p:cNvPr id="3" name="Notes Placeholder 2"/>
+          <p:cNvSpPr>
+            <a:spLocks noGrp="1"/>
+          </p:cNvSpPr>
+          <p:nvPr>
+            <p:ph type="body" idx="1"/>
+          </p:nvPr>
+        </p:nvSpPr>
+        <p:spPr/>
+        <p:txBody>
+          <a:bodyPr/>
+          <a:lstStyle/>
+          <a:p>
+            <a:r>
+              <a:rPr lang="en-US" dirty="0"/>
+              <a:t>Cory</a:t>
+            </a:r>
+          </a:p>
+        </p:txBody>
+      </p:sp>
+      <p:sp>
+        <p:nvSpPr>
+          <p:cNvPr id="4" name="Slide Number Placeholder 3"/>
+          <p:cNvSpPr>
+            <a:spLocks noGrp="1"/>
+          </p:cNvSpPr>
+          <p:nvPr>
+            <p:ph type="sldNum" sz="quarter" idx="5"/>
+          </p:nvPr>
+        </p:nvSpPr>
+        <p:spPr/>
+        <p:txBody>
+          <a:bodyPr/>
+          <a:lstStyle/>
+          <a:p>
+            <a:fld id="{8FC5E1BD-A6C4-4E5C-AF0C-41B9FBA35AD3}" type="slidenum">
+              <a:rPr lang="en-US" smtClean="0"/>
+              <a:t>7</a:t>
+            </a:fld>
+            <a:endParaRPr lang="en-US"/>
+          </a:p>
+        </p:txBody>
+      </p:sp>
+    </p:spTree>
+    <p:extLst>
+      <p:ext uri="{BB962C8B-B14F-4D97-AF65-F5344CB8AC3E}">
+        <p14:creationId xmlns:p14="http://schemas.microsoft.com/office/powerpoint/2010/main" val="2121906016"/>
+      </p:ext>
+    </p:extLst>
+  </p:cSld>
+  <p:clrMapOvr>
+    <a:masterClrMapping/>
+  </p:clrMapOvr>
+</p:notes>
+</file>
+
+<file path=ppt/notesSlides/notesSlide8.xml><?xml version="1.0" encoding="utf-8"?>
+<p:notes xmlns:a="http://schemas.openxmlformats.org/drawingml/2006/main" xmlns:r="http://schemas.openxmlformats.org/officeDocument/2006/relationships" xmlns:p="http://schemas.openxmlformats.org/presentationml/2006/main">
+  <p:cSld>
+    <p:spTree>
+      <p:nvGrpSpPr>
+        <p:cNvPr id="1" name=""/>
+        <p:cNvGrpSpPr/>
+        <p:nvPr/>
+      </p:nvGrpSpPr>
+      <p:grpSpPr>
+        <a:xfrm>
+          <a:off x="0" y="0"/>
+          <a:ext cx="0" cy="0"/>
+          <a:chOff x="0" y="0"/>
+          <a:chExt cx="0" cy="0"/>
+        </a:xfrm>
+      </p:grpSpPr>
+      <p:sp>
+        <p:nvSpPr>
+          <p:cNvPr id="2" name="Slide Image Placeholder 1"/>
+          <p:cNvSpPr>
+            <a:spLocks noGrp="1" noRot="1" noChangeAspect="1"/>
+          </p:cNvSpPr>
+          <p:nvPr>
+            <p:ph type="sldImg"/>
+          </p:nvPr>
+        </p:nvSpPr>
+        <p:spPr/>
+      </p:sp>
+      <p:sp>
+        <p:nvSpPr>
+          <p:cNvPr id="3" name="Notes Placeholder 2"/>
+          <p:cNvSpPr>
+            <a:spLocks noGrp="1"/>
+          </p:cNvSpPr>
+          <p:nvPr>
+            <p:ph type="body" idx="1"/>
+          </p:nvPr>
+        </p:nvSpPr>
+        <p:spPr/>
+        <p:txBody>
+          <a:bodyPr/>
+          <a:lstStyle/>
+          <a:p>
+            <a:r>
+              <a:rPr lang="en-US" dirty="0"/>
+              <a:t>Cory</a:t>
+            </a:r>
+          </a:p>
+        </p:txBody>
+      </p:sp>
+      <p:sp>
+        <p:nvSpPr>
+          <p:cNvPr id="4" name="Slide Number Placeholder 3"/>
+          <p:cNvSpPr>
+            <a:spLocks noGrp="1"/>
+          </p:cNvSpPr>
+          <p:nvPr>
+            <p:ph type="sldNum" sz="quarter" idx="5"/>
+          </p:nvPr>
+        </p:nvSpPr>
+        <p:spPr/>
+        <p:txBody>
+          <a:bodyPr/>
+          <a:lstStyle/>
+          <a:p>
+            <a:fld id="{8FC5E1BD-A6C4-4E5C-AF0C-41B9FBA35AD3}" type="slidenum">
+              <a:rPr lang="en-US" smtClean="0"/>
+              <a:t>8</a:t>
+            </a:fld>
+            <a:endParaRPr lang="en-US"/>
+          </a:p>
+        </p:txBody>
+      </p:sp>
+    </p:spTree>
+    <p:extLst>
+      <p:ext uri="{BB962C8B-B14F-4D97-AF65-F5344CB8AC3E}">
+        <p14:creationId xmlns:p14="http://schemas.microsoft.com/office/powerpoint/2010/main" val="950039916"/>
+      </p:ext>
+    </p:extLst>
+  </p:cSld>
+  <p:clrMapOvr>
+    <a:masterClrMapping/>
+  </p:clrMapOvr>
+</p:notes>
+</file>
+
+<file path=ppt/notesSlides/notesSlide9.xml><?xml version="1.0" encoding="utf-8"?>
+<p:notes xmlns:a="http://schemas.openxmlformats.org/drawingml/2006/main" xmlns:r="http://schemas.openxmlformats.org/officeDocument/2006/relationships" xmlns:p="http://schemas.openxmlformats.org/presentationml/2006/main">
+  <p:cSld>
+    <p:spTree>
+      <p:nvGrpSpPr>
+        <p:cNvPr id="1" name=""/>
+        <p:cNvGrpSpPr/>
+        <p:nvPr/>
+      </p:nvGrpSpPr>
+      <p:grpSpPr>
+        <a:xfrm>
+          <a:off x="0" y="0"/>
+          <a:ext cx="0" cy="0"/>
+          <a:chOff x="0" y="0"/>
+          <a:chExt cx="0" cy="0"/>
+        </a:xfrm>
+      </p:grpSpPr>
+      <p:sp>
+        <p:nvSpPr>
+          <p:cNvPr id="2" name="Slide Image Placeholder 1"/>
+          <p:cNvSpPr>
+            <a:spLocks noGrp="1" noRot="1" noChangeAspect="1"/>
+          </p:cNvSpPr>
+          <p:nvPr>
+            <p:ph type="sldImg"/>
+          </p:nvPr>
+        </p:nvSpPr>
+        <p:spPr/>
+      </p:sp>
+      <p:sp>
+        <p:nvSpPr>
+          <p:cNvPr id="3" name="Notes Placeholder 2"/>
+          <p:cNvSpPr>
+            <a:spLocks noGrp="1"/>
+          </p:cNvSpPr>
+          <p:nvPr>
+            <p:ph type="body" idx="1"/>
+          </p:nvPr>
+        </p:nvSpPr>
+        <p:spPr/>
+        <p:txBody>
+          <a:bodyPr/>
+          <a:lstStyle/>
+          <a:p>
+            <a:r>
+              <a:rPr lang="en-US" dirty="0"/>
+              <a:t>Cory</a:t>
+            </a:r>
+          </a:p>
+        </p:txBody>
+      </p:sp>
+      <p:sp>
+        <p:nvSpPr>
+          <p:cNvPr id="4" name="Slide Number Placeholder 3"/>
+          <p:cNvSpPr>
+            <a:spLocks noGrp="1"/>
+          </p:cNvSpPr>
+          <p:nvPr>
+            <p:ph type="sldNum" sz="quarter" idx="5"/>
+          </p:nvPr>
+        </p:nvSpPr>
+        <p:spPr/>
+        <p:txBody>
+          <a:bodyPr/>
+          <a:lstStyle/>
+          <a:p>
+            <a:fld id="{8FC5E1BD-A6C4-4E5C-AF0C-41B9FBA35AD3}" type="slidenum">
+              <a:rPr lang="en-US" smtClean="0"/>
+              <a:t>9</a:t>
+            </a:fld>
+            <a:endParaRPr lang="en-US"/>
+          </a:p>
+        </p:txBody>
+      </p:sp>
+    </p:spTree>
+    <p:extLst>
+      <p:ext uri="{BB962C8B-B14F-4D97-AF65-F5344CB8AC3E}">
+        <p14:creationId xmlns:p14="http://schemas.microsoft.com/office/powerpoint/2010/main" val="1561806001"/>
+      </p:ext>
+    </p:extLst>
+  </p:cSld>
+  <p:clrMapOvr>
+    <a:masterClrMapping/>
+  </p:clrMapOvr>
+</p:notes>
+</file>
+
 <file path=ppt/slideLayouts/slideLayout1.xml><?xml version="1.0" encoding="utf-8"?>
 <p:sldLayout xmlns:a="http://schemas.openxmlformats.org/drawingml/2006/main" xmlns:r="http://schemas.openxmlformats.org/officeDocument/2006/relationships" xmlns:p="http://schemas.openxmlformats.org/presentationml/2006/main" type="title" preserve="1">
   <p:cSld name="Title Slide">
@@ -160,7 +1737,7 @@
           </a:lstStyle>
           <a:p>
             <a:r>
-              <a:rPr lang="en-US" smtClean="0"/>
+              <a:rPr lang="en-US"/>
               <a:t>Click to edit Master title style</a:t>
             </a:r>
             <a:endParaRPr lang="fr-FR"/>
@@ -225,7 +1802,7 @@
           </a:lstStyle>
           <a:p>
             <a:r>
-              <a:rPr lang="en-US" smtClean="0"/>
+              <a:rPr lang="en-US"/>
               <a:t>Click to edit Master subtitle style</a:t>
             </a:r>
             <a:endParaRPr lang="fr-FR"/>
@@ -249,9 +1826,9 @@
           <a:p>
             <a:fld id="{E0EEA270-9340-4F4B-A8FB-4181F6C03A04}" type="datetimeFigureOut">
               <a:rPr lang="fr-FR" smtClean="0"/>
-              <a:t>01/12/2020</a:t>
+              <a:t>11/12/2020</a:t>
             </a:fld>
-            <a:endParaRPr lang="fr-FR"/>
+            <a:endParaRPr lang="fr-FR" dirty="0"/>
           </a:p>
         </p:txBody>
       </p:sp>
@@ -270,7 +1847,7 @@
           <a:bodyPr/>
           <a:lstStyle/>
           <a:p>
-            <a:endParaRPr lang="fr-FR"/>
+            <a:endParaRPr lang="fr-FR" dirty="0"/>
           </a:p>
         </p:txBody>
       </p:sp>
@@ -293,7 +1870,7 @@
               <a:rPr lang="fr-FR" smtClean="0"/>
               <a:t>‹#›</a:t>
             </a:fld>
-            <a:endParaRPr lang="fr-FR"/>
+            <a:endParaRPr lang="fr-FR" dirty="0"/>
           </a:p>
         </p:txBody>
       </p:sp>
@@ -343,7 +1920,7 @@
           <a:lstStyle/>
           <a:p>
             <a:r>
-              <a:rPr lang="en-US" smtClean="0"/>
+              <a:rPr lang="en-US"/>
               <a:t>Click to edit Master title style</a:t>
             </a:r>
             <a:endParaRPr lang="fr-FR"/>
@@ -367,35 +1944,35 @@
           <a:p>
             <a:pPr lvl="0"/>
             <a:r>
-              <a:rPr lang="en-US" smtClean="0"/>
+              <a:rPr lang="en-US"/>
               <a:t>Edit Master text styles</a:t>
             </a:r>
           </a:p>
           <a:p>
             <a:pPr lvl="1"/>
             <a:r>
-              <a:rPr lang="en-US" smtClean="0"/>
+              <a:rPr lang="en-US"/>
               <a:t>Second level</a:t>
             </a:r>
           </a:p>
           <a:p>
             <a:pPr lvl="2"/>
             <a:r>
-              <a:rPr lang="en-US" smtClean="0"/>
+              <a:rPr lang="en-US"/>
               <a:t>Third level</a:t>
             </a:r>
           </a:p>
           <a:p>
             <a:pPr lvl="3"/>
             <a:r>
-              <a:rPr lang="en-US" smtClean="0"/>
+              <a:rPr lang="en-US"/>
               <a:t>Fourth level</a:t>
             </a:r>
           </a:p>
           <a:p>
             <a:pPr lvl="4"/>
             <a:r>
-              <a:rPr lang="en-US" smtClean="0"/>
+              <a:rPr lang="en-US"/>
               <a:t>Fifth level</a:t>
             </a:r>
             <a:endParaRPr lang="fr-FR"/>
@@ -419,9 +1996,9 @@
           <a:p>
             <a:fld id="{E0EEA270-9340-4F4B-A8FB-4181F6C03A04}" type="datetimeFigureOut">
               <a:rPr lang="fr-FR" smtClean="0"/>
-              <a:t>01/12/2020</a:t>
+              <a:t>11/12/2020</a:t>
             </a:fld>
-            <a:endParaRPr lang="fr-FR"/>
+            <a:endParaRPr lang="fr-FR" dirty="0"/>
           </a:p>
         </p:txBody>
       </p:sp>
@@ -440,7 +2017,7 @@
           <a:bodyPr/>
           <a:lstStyle/>
           <a:p>
-            <a:endParaRPr lang="fr-FR"/>
+            <a:endParaRPr lang="fr-FR" dirty="0"/>
           </a:p>
         </p:txBody>
       </p:sp>
@@ -463,7 +2040,7 @@
               <a:rPr lang="fr-FR" smtClean="0"/>
               <a:t>‹#›</a:t>
             </a:fld>
-            <a:endParaRPr lang="fr-FR"/>
+            <a:endParaRPr lang="fr-FR" dirty="0"/>
           </a:p>
         </p:txBody>
       </p:sp>
@@ -518,7 +2095,7 @@
           <a:lstStyle/>
           <a:p>
             <a:r>
-              <a:rPr lang="en-US" smtClean="0"/>
+              <a:rPr lang="en-US"/>
               <a:t>Click to edit Master title style</a:t>
             </a:r>
             <a:endParaRPr lang="fr-FR"/>
@@ -547,35 +2124,35 @@
           <a:p>
             <a:pPr lvl="0"/>
             <a:r>
-              <a:rPr lang="en-US" smtClean="0"/>
+              <a:rPr lang="en-US"/>
               <a:t>Edit Master text styles</a:t>
             </a:r>
           </a:p>
           <a:p>
             <a:pPr lvl="1"/>
             <a:r>
-              <a:rPr lang="en-US" smtClean="0"/>
+              <a:rPr lang="en-US"/>
               <a:t>Second level</a:t>
             </a:r>
           </a:p>
           <a:p>
             <a:pPr lvl="2"/>
             <a:r>
-              <a:rPr lang="en-US" smtClean="0"/>
+              <a:rPr lang="en-US"/>
               <a:t>Third level</a:t>
             </a:r>
           </a:p>
           <a:p>
             <a:pPr lvl="3"/>
             <a:r>
-              <a:rPr lang="en-US" smtClean="0"/>
+              <a:rPr lang="en-US"/>
               <a:t>Fourth level</a:t>
             </a:r>
           </a:p>
           <a:p>
             <a:pPr lvl="4"/>
             <a:r>
-              <a:rPr lang="en-US" smtClean="0"/>
+              <a:rPr lang="en-US"/>
               <a:t>Fifth level</a:t>
             </a:r>
             <a:endParaRPr lang="fr-FR"/>
@@ -599,9 +2176,9 @@
           <a:p>
             <a:fld id="{E0EEA270-9340-4F4B-A8FB-4181F6C03A04}" type="datetimeFigureOut">
               <a:rPr lang="fr-FR" smtClean="0"/>
-              <a:t>01/12/2020</a:t>
+              <a:t>11/12/2020</a:t>
             </a:fld>
-            <a:endParaRPr lang="fr-FR"/>
+            <a:endParaRPr lang="fr-FR" dirty="0"/>
           </a:p>
         </p:txBody>
       </p:sp>
@@ -620,7 +2197,7 @@
           <a:bodyPr/>
           <a:lstStyle/>
           <a:p>
-            <a:endParaRPr lang="fr-FR"/>
+            <a:endParaRPr lang="fr-FR" dirty="0"/>
           </a:p>
         </p:txBody>
       </p:sp>
@@ -643,7 +2220,7 @@
               <a:rPr lang="fr-FR" smtClean="0"/>
               <a:t>‹#›</a:t>
             </a:fld>
-            <a:endParaRPr lang="fr-FR"/>
+            <a:endParaRPr lang="fr-FR" dirty="0"/>
           </a:p>
         </p:txBody>
       </p:sp>
@@ -693,7 +2270,7 @@
           <a:lstStyle/>
           <a:p>
             <a:r>
-              <a:rPr lang="en-US" smtClean="0"/>
+              <a:rPr lang="en-US"/>
               <a:t>Click to edit Master title style</a:t>
             </a:r>
             <a:endParaRPr lang="fr-FR"/>
@@ -717,35 +2294,35 @@
           <a:p>
             <a:pPr lvl="0"/>
             <a:r>
-              <a:rPr lang="en-US" smtClean="0"/>
+              <a:rPr lang="en-US"/>
               <a:t>Edit Master text styles</a:t>
             </a:r>
           </a:p>
           <a:p>
             <a:pPr lvl="1"/>
             <a:r>
-              <a:rPr lang="en-US" smtClean="0"/>
+              <a:rPr lang="en-US"/>
               <a:t>Second level</a:t>
             </a:r>
           </a:p>
           <a:p>
             <a:pPr lvl="2"/>
             <a:r>
-              <a:rPr lang="en-US" smtClean="0"/>
+              <a:rPr lang="en-US"/>
               <a:t>Third level</a:t>
             </a:r>
           </a:p>
           <a:p>
             <a:pPr lvl="3"/>
             <a:r>
-              <a:rPr lang="en-US" smtClean="0"/>
+              <a:rPr lang="en-US"/>
               <a:t>Fourth level</a:t>
             </a:r>
           </a:p>
           <a:p>
             <a:pPr lvl="4"/>
             <a:r>
-              <a:rPr lang="en-US" smtClean="0"/>
+              <a:rPr lang="en-US"/>
               <a:t>Fifth level</a:t>
             </a:r>
             <a:endParaRPr lang="fr-FR"/>
@@ -769,9 +2346,9 @@
           <a:p>
             <a:fld id="{E0EEA270-9340-4F4B-A8FB-4181F6C03A04}" type="datetimeFigureOut">
               <a:rPr lang="fr-FR" smtClean="0"/>
-              <a:t>01/12/2020</a:t>
+              <a:t>11/12/2020</a:t>
             </a:fld>
-            <a:endParaRPr lang="fr-FR"/>
+            <a:endParaRPr lang="fr-FR" dirty="0"/>
           </a:p>
         </p:txBody>
       </p:sp>
@@ -790,7 +2367,7 @@
           <a:bodyPr/>
           <a:lstStyle/>
           <a:p>
-            <a:endParaRPr lang="fr-FR"/>
+            <a:endParaRPr lang="fr-FR" dirty="0"/>
           </a:p>
         </p:txBody>
       </p:sp>
@@ -813,7 +2390,7 @@
               <a:rPr lang="fr-FR" smtClean="0"/>
               <a:t>‹#›</a:t>
             </a:fld>
-            <a:endParaRPr lang="fr-FR"/>
+            <a:endParaRPr lang="fr-FR" dirty="0"/>
           </a:p>
         </p:txBody>
       </p:sp>
@@ -872,7 +2449,7 @@
           </a:lstStyle>
           <a:p>
             <a:r>
-              <a:rPr lang="en-US" smtClean="0"/>
+              <a:rPr lang="en-US"/>
               <a:t>Click to edit Master title style</a:t>
             </a:r>
             <a:endParaRPr lang="fr-FR"/>
@@ -992,7 +2569,7 @@
           <a:p>
             <a:pPr lvl="0"/>
             <a:r>
-              <a:rPr lang="en-US" smtClean="0"/>
+              <a:rPr lang="en-US"/>
               <a:t>Edit Master text styles</a:t>
             </a:r>
           </a:p>
@@ -1015,9 +2592,9 @@
           <a:p>
             <a:fld id="{E0EEA270-9340-4F4B-A8FB-4181F6C03A04}" type="datetimeFigureOut">
               <a:rPr lang="fr-FR" smtClean="0"/>
-              <a:t>01/12/2020</a:t>
+              <a:t>11/12/2020</a:t>
             </a:fld>
-            <a:endParaRPr lang="fr-FR"/>
+            <a:endParaRPr lang="fr-FR" dirty="0"/>
           </a:p>
         </p:txBody>
       </p:sp>
@@ -1036,7 +2613,7 @@
           <a:bodyPr/>
           <a:lstStyle/>
           <a:p>
-            <a:endParaRPr lang="fr-FR"/>
+            <a:endParaRPr lang="fr-FR" dirty="0"/>
           </a:p>
         </p:txBody>
       </p:sp>
@@ -1059,7 +2636,7 @@
               <a:rPr lang="fr-FR" smtClean="0"/>
               <a:t>‹#›</a:t>
             </a:fld>
-            <a:endParaRPr lang="fr-FR"/>
+            <a:endParaRPr lang="fr-FR" dirty="0"/>
           </a:p>
         </p:txBody>
       </p:sp>
@@ -1109,7 +2686,7 @@
           <a:lstStyle/>
           <a:p>
             <a:r>
-              <a:rPr lang="en-US" smtClean="0"/>
+              <a:rPr lang="en-US"/>
               <a:t>Click to edit Master title style</a:t>
             </a:r>
             <a:endParaRPr lang="fr-FR"/>
@@ -1138,35 +2715,35 @@
           <a:p>
             <a:pPr lvl="0"/>
             <a:r>
-              <a:rPr lang="en-US" smtClean="0"/>
+              <a:rPr lang="en-US"/>
               <a:t>Edit Master text styles</a:t>
             </a:r>
           </a:p>
           <a:p>
             <a:pPr lvl="1"/>
             <a:r>
-              <a:rPr lang="en-US" smtClean="0"/>
+              <a:rPr lang="en-US"/>
               <a:t>Second level</a:t>
             </a:r>
           </a:p>
           <a:p>
             <a:pPr lvl="2"/>
             <a:r>
-              <a:rPr lang="en-US" smtClean="0"/>
+              <a:rPr lang="en-US"/>
               <a:t>Third level</a:t>
             </a:r>
           </a:p>
           <a:p>
             <a:pPr lvl="3"/>
             <a:r>
-              <a:rPr lang="en-US" smtClean="0"/>
+              <a:rPr lang="en-US"/>
               <a:t>Fourth level</a:t>
             </a:r>
           </a:p>
           <a:p>
             <a:pPr lvl="4"/>
             <a:r>
-              <a:rPr lang="en-US" smtClean="0"/>
+              <a:rPr lang="en-US"/>
               <a:t>Fifth level</a:t>
             </a:r>
             <a:endParaRPr lang="fr-FR"/>
@@ -1195,35 +2772,35 @@
           <a:p>
             <a:pPr lvl="0"/>
             <a:r>
-              <a:rPr lang="en-US" smtClean="0"/>
+              <a:rPr lang="en-US"/>
               <a:t>Edit Master text styles</a:t>
             </a:r>
           </a:p>
           <a:p>
             <a:pPr lvl="1"/>
             <a:r>
-              <a:rPr lang="en-US" smtClean="0"/>
+              <a:rPr lang="en-US"/>
               <a:t>Second level</a:t>
             </a:r>
           </a:p>
           <a:p>
             <a:pPr lvl="2"/>
             <a:r>
-              <a:rPr lang="en-US" smtClean="0"/>
+              <a:rPr lang="en-US"/>
               <a:t>Third level</a:t>
             </a:r>
           </a:p>
           <a:p>
             <a:pPr lvl="3"/>
             <a:r>
-              <a:rPr lang="en-US" smtClean="0"/>
+              <a:rPr lang="en-US"/>
               <a:t>Fourth level</a:t>
             </a:r>
           </a:p>
           <a:p>
             <a:pPr lvl="4"/>
             <a:r>
-              <a:rPr lang="en-US" smtClean="0"/>
+              <a:rPr lang="en-US"/>
               <a:t>Fifth level</a:t>
             </a:r>
             <a:endParaRPr lang="fr-FR"/>
@@ -1247,9 +2824,9 @@
           <a:p>
             <a:fld id="{E0EEA270-9340-4F4B-A8FB-4181F6C03A04}" type="datetimeFigureOut">
               <a:rPr lang="fr-FR" smtClean="0"/>
-              <a:t>01/12/2020</a:t>
+              <a:t>11/12/2020</a:t>
             </a:fld>
-            <a:endParaRPr lang="fr-FR"/>
+            <a:endParaRPr lang="fr-FR" dirty="0"/>
           </a:p>
         </p:txBody>
       </p:sp>
@@ -1268,7 +2845,7 @@
           <a:bodyPr/>
           <a:lstStyle/>
           <a:p>
-            <a:endParaRPr lang="fr-FR"/>
+            <a:endParaRPr lang="fr-FR" dirty="0"/>
           </a:p>
         </p:txBody>
       </p:sp>
@@ -1291,7 +2868,7 @@
               <a:rPr lang="fr-FR" smtClean="0"/>
               <a:t>‹#›</a:t>
             </a:fld>
-            <a:endParaRPr lang="fr-FR"/>
+            <a:endParaRPr lang="fr-FR" dirty="0"/>
           </a:p>
         </p:txBody>
       </p:sp>
@@ -1346,7 +2923,7 @@
           <a:lstStyle/>
           <a:p>
             <a:r>
-              <a:rPr lang="en-US" smtClean="0"/>
+              <a:rPr lang="en-US"/>
               <a:t>Click to edit Master title style</a:t>
             </a:r>
             <a:endParaRPr lang="fr-FR"/>
@@ -1412,7 +2989,7 @@
           <a:p>
             <a:pPr lvl="0"/>
             <a:r>
-              <a:rPr lang="en-US" smtClean="0"/>
+              <a:rPr lang="en-US"/>
               <a:t>Edit Master text styles</a:t>
             </a:r>
           </a:p>
@@ -1440,35 +3017,35 @@
           <a:p>
             <a:pPr lvl="0"/>
             <a:r>
-              <a:rPr lang="en-US" smtClean="0"/>
+              <a:rPr lang="en-US"/>
               <a:t>Edit Master text styles</a:t>
             </a:r>
           </a:p>
           <a:p>
             <a:pPr lvl="1"/>
             <a:r>
-              <a:rPr lang="en-US" smtClean="0"/>
+              <a:rPr lang="en-US"/>
               <a:t>Second level</a:t>
             </a:r>
           </a:p>
           <a:p>
             <a:pPr lvl="2"/>
             <a:r>
-              <a:rPr lang="en-US" smtClean="0"/>
+              <a:rPr lang="en-US"/>
               <a:t>Third level</a:t>
             </a:r>
           </a:p>
           <a:p>
             <a:pPr lvl="3"/>
             <a:r>
-              <a:rPr lang="en-US" smtClean="0"/>
+              <a:rPr lang="en-US"/>
               <a:t>Fourth level</a:t>
             </a:r>
           </a:p>
           <a:p>
             <a:pPr lvl="4"/>
             <a:r>
-              <a:rPr lang="en-US" smtClean="0"/>
+              <a:rPr lang="en-US"/>
               <a:t>Fifth level</a:t>
             </a:r>
             <a:endParaRPr lang="fr-FR"/>
@@ -1534,7 +3111,7 @@
           <a:p>
             <a:pPr lvl="0"/>
             <a:r>
-              <a:rPr lang="en-US" smtClean="0"/>
+              <a:rPr lang="en-US"/>
               <a:t>Edit Master text styles</a:t>
             </a:r>
           </a:p>
@@ -1562,35 +3139,35 @@
           <a:p>
             <a:pPr lvl="0"/>
             <a:r>
-              <a:rPr lang="en-US" smtClean="0"/>
+              <a:rPr lang="en-US"/>
               <a:t>Edit Master text styles</a:t>
             </a:r>
           </a:p>
           <a:p>
             <a:pPr lvl="1"/>
             <a:r>
-              <a:rPr lang="en-US" smtClean="0"/>
+              <a:rPr lang="en-US"/>
               <a:t>Second level</a:t>
             </a:r>
           </a:p>
           <a:p>
             <a:pPr lvl="2"/>
             <a:r>
-              <a:rPr lang="en-US" smtClean="0"/>
+              <a:rPr lang="en-US"/>
               <a:t>Third level</a:t>
             </a:r>
           </a:p>
           <a:p>
             <a:pPr lvl="3"/>
             <a:r>
-              <a:rPr lang="en-US" smtClean="0"/>
+              <a:rPr lang="en-US"/>
               <a:t>Fourth level</a:t>
             </a:r>
           </a:p>
           <a:p>
             <a:pPr lvl="4"/>
             <a:r>
-              <a:rPr lang="en-US" smtClean="0"/>
+              <a:rPr lang="en-US"/>
               <a:t>Fifth level</a:t>
             </a:r>
             <a:endParaRPr lang="fr-FR"/>
@@ -1614,9 +3191,9 @@
           <a:p>
             <a:fld id="{E0EEA270-9340-4F4B-A8FB-4181F6C03A04}" type="datetimeFigureOut">
               <a:rPr lang="fr-FR" smtClean="0"/>
-              <a:t>01/12/2020</a:t>
+              <a:t>11/12/2020</a:t>
             </a:fld>
-            <a:endParaRPr lang="fr-FR"/>
+            <a:endParaRPr lang="fr-FR" dirty="0"/>
           </a:p>
         </p:txBody>
       </p:sp>
@@ -1635,7 +3212,7 @@
           <a:bodyPr/>
           <a:lstStyle/>
           <a:p>
-            <a:endParaRPr lang="fr-FR"/>
+            <a:endParaRPr lang="fr-FR" dirty="0"/>
           </a:p>
         </p:txBody>
       </p:sp>
@@ -1658,7 +3235,7 @@
               <a:rPr lang="fr-FR" smtClean="0"/>
               <a:t>‹#›</a:t>
             </a:fld>
-            <a:endParaRPr lang="fr-FR"/>
+            <a:endParaRPr lang="fr-FR" dirty="0"/>
           </a:p>
         </p:txBody>
       </p:sp>
@@ -1708,7 +3285,7 @@
           <a:lstStyle/>
           <a:p>
             <a:r>
-              <a:rPr lang="en-US" smtClean="0"/>
+              <a:rPr lang="en-US"/>
               <a:t>Click to edit Master title style</a:t>
             </a:r>
             <a:endParaRPr lang="fr-FR"/>
@@ -1732,9 +3309,9 @@
           <a:p>
             <a:fld id="{E0EEA270-9340-4F4B-A8FB-4181F6C03A04}" type="datetimeFigureOut">
               <a:rPr lang="fr-FR" smtClean="0"/>
-              <a:t>01/12/2020</a:t>
+              <a:t>11/12/2020</a:t>
             </a:fld>
-            <a:endParaRPr lang="fr-FR"/>
+            <a:endParaRPr lang="fr-FR" dirty="0"/>
           </a:p>
         </p:txBody>
       </p:sp>
@@ -1753,7 +3330,7 @@
           <a:bodyPr/>
           <a:lstStyle/>
           <a:p>
-            <a:endParaRPr lang="fr-FR"/>
+            <a:endParaRPr lang="fr-FR" dirty="0"/>
           </a:p>
         </p:txBody>
       </p:sp>
@@ -1776,7 +3353,7 @@
               <a:rPr lang="fr-FR" smtClean="0"/>
               <a:t>‹#›</a:t>
             </a:fld>
-            <a:endParaRPr lang="fr-FR"/>
+            <a:endParaRPr lang="fr-FR" dirty="0"/>
           </a:p>
         </p:txBody>
       </p:sp>
@@ -1827,9 +3404,9 @@
           <a:p>
             <a:fld id="{E0EEA270-9340-4F4B-A8FB-4181F6C03A04}" type="datetimeFigureOut">
               <a:rPr lang="fr-FR" smtClean="0"/>
-              <a:t>01/12/2020</a:t>
+              <a:t>11/12/2020</a:t>
             </a:fld>
-            <a:endParaRPr lang="fr-FR"/>
+            <a:endParaRPr lang="fr-FR" dirty="0"/>
           </a:p>
         </p:txBody>
       </p:sp>
@@ -1848,7 +3425,7 @@
           <a:bodyPr/>
           <a:lstStyle/>
           <a:p>
-            <a:endParaRPr lang="fr-FR"/>
+            <a:endParaRPr lang="fr-FR" dirty="0"/>
           </a:p>
         </p:txBody>
       </p:sp>
@@ -1871,7 +3448,7 @@
               <a:rPr lang="fr-FR" smtClean="0"/>
               <a:t>‹#›</a:t>
             </a:fld>
-            <a:endParaRPr lang="fr-FR"/>
+            <a:endParaRPr lang="fr-FR" dirty="0"/>
           </a:p>
         </p:txBody>
       </p:sp>
@@ -1930,7 +3507,7 @@
           </a:lstStyle>
           <a:p>
             <a:r>
-              <a:rPr lang="en-US" smtClean="0"/>
+              <a:rPr lang="en-US"/>
               <a:t>Click to edit Master title style</a:t>
             </a:r>
             <a:endParaRPr lang="fr-FR"/>
@@ -1987,35 +3564,35 @@
           <a:p>
             <a:pPr lvl="0"/>
             <a:r>
-              <a:rPr lang="en-US" smtClean="0"/>
+              <a:rPr lang="en-US"/>
               <a:t>Edit Master text styles</a:t>
             </a:r>
           </a:p>
           <a:p>
             <a:pPr lvl="1"/>
             <a:r>
-              <a:rPr lang="en-US" smtClean="0"/>
+              <a:rPr lang="en-US"/>
               <a:t>Second level</a:t>
             </a:r>
           </a:p>
           <a:p>
             <a:pPr lvl="2"/>
             <a:r>
-              <a:rPr lang="en-US" smtClean="0"/>
+              <a:rPr lang="en-US"/>
               <a:t>Third level</a:t>
             </a:r>
           </a:p>
           <a:p>
             <a:pPr lvl="3"/>
             <a:r>
-              <a:rPr lang="en-US" smtClean="0"/>
+              <a:rPr lang="en-US"/>
               <a:t>Fourth level</a:t>
             </a:r>
           </a:p>
           <a:p>
             <a:pPr lvl="4"/>
             <a:r>
-              <a:rPr lang="en-US" smtClean="0"/>
+              <a:rPr lang="en-US"/>
               <a:t>Fifth level</a:t>
             </a:r>
             <a:endParaRPr lang="fr-FR"/>
@@ -2081,7 +3658,7 @@
           <a:p>
             <a:pPr lvl="0"/>
             <a:r>
-              <a:rPr lang="en-US" smtClean="0"/>
+              <a:rPr lang="en-US"/>
               <a:t>Edit Master text styles</a:t>
             </a:r>
           </a:p>
@@ -2104,9 +3681,9 @@
           <a:p>
             <a:fld id="{E0EEA270-9340-4F4B-A8FB-4181F6C03A04}" type="datetimeFigureOut">
               <a:rPr lang="fr-FR" smtClean="0"/>
-              <a:t>01/12/2020</a:t>
+              <a:t>11/12/2020</a:t>
             </a:fld>
-            <a:endParaRPr lang="fr-FR"/>
+            <a:endParaRPr lang="fr-FR" dirty="0"/>
           </a:p>
         </p:txBody>
       </p:sp>
@@ -2125,7 +3702,7 @@
           <a:bodyPr/>
           <a:lstStyle/>
           <a:p>
-            <a:endParaRPr lang="fr-FR"/>
+            <a:endParaRPr lang="fr-FR" dirty="0"/>
           </a:p>
         </p:txBody>
       </p:sp>
@@ -2148,7 +3725,7 @@
               <a:rPr lang="fr-FR" smtClean="0"/>
               <a:t>‹#›</a:t>
             </a:fld>
-            <a:endParaRPr lang="fr-FR"/>
+            <a:endParaRPr lang="fr-FR" dirty="0"/>
           </a:p>
         </p:txBody>
       </p:sp>
@@ -2207,7 +3784,7 @@
           </a:lstStyle>
           <a:p>
             <a:r>
-              <a:rPr lang="en-US" smtClean="0"/>
+              <a:rPr lang="en-US"/>
               <a:t>Click to edit Master title style</a:t>
             </a:r>
             <a:endParaRPr lang="fr-FR"/>
@@ -2271,7 +3848,7 @@
             </a:lvl9pPr>
           </a:lstStyle>
           <a:p>
-            <a:endParaRPr lang="fr-FR"/>
+            <a:endParaRPr lang="fr-FR" dirty="0"/>
           </a:p>
         </p:txBody>
       </p:sp>
@@ -2334,7 +3911,7 @@
           <a:p>
             <a:pPr lvl="0"/>
             <a:r>
-              <a:rPr lang="en-US" smtClean="0"/>
+              <a:rPr lang="en-US"/>
               <a:t>Edit Master text styles</a:t>
             </a:r>
           </a:p>
@@ -2357,9 +3934,9 @@
           <a:p>
             <a:fld id="{E0EEA270-9340-4F4B-A8FB-4181F6C03A04}" type="datetimeFigureOut">
               <a:rPr lang="fr-FR" smtClean="0"/>
-              <a:t>01/12/2020</a:t>
+              <a:t>11/12/2020</a:t>
             </a:fld>
-            <a:endParaRPr lang="fr-FR"/>
+            <a:endParaRPr lang="fr-FR" dirty="0"/>
           </a:p>
         </p:txBody>
       </p:sp>
@@ -2378,7 +3955,7 @@
           <a:bodyPr/>
           <a:lstStyle/>
           <a:p>
-            <a:endParaRPr lang="fr-FR"/>
+            <a:endParaRPr lang="fr-FR" dirty="0"/>
           </a:p>
         </p:txBody>
       </p:sp>
@@ -2401,7 +3978,7 @@
               <a:rPr lang="fr-FR" smtClean="0"/>
               <a:t>‹#›</a:t>
             </a:fld>
-            <a:endParaRPr lang="fr-FR"/>
+            <a:endParaRPr lang="fr-FR" dirty="0"/>
           </a:p>
         </p:txBody>
       </p:sp>
@@ -2466,7 +4043,7 @@
           <a:lstStyle/>
           <a:p>
             <a:r>
-              <a:rPr lang="en-US" smtClean="0"/>
+              <a:rPr lang="en-US"/>
               <a:t>Click to edit Master title style</a:t>
             </a:r>
             <a:endParaRPr lang="fr-FR"/>
@@ -2500,35 +4077,35 @@
           <a:p>
             <a:pPr lvl="0"/>
             <a:r>
-              <a:rPr lang="en-US" smtClean="0"/>
+              <a:rPr lang="en-US"/>
               <a:t>Edit Master text styles</a:t>
             </a:r>
           </a:p>
           <a:p>
             <a:pPr lvl="1"/>
             <a:r>
-              <a:rPr lang="en-US" smtClean="0"/>
+              <a:rPr lang="en-US"/>
               <a:t>Second level</a:t>
             </a:r>
           </a:p>
           <a:p>
             <a:pPr lvl="2"/>
             <a:r>
-              <a:rPr lang="en-US" smtClean="0"/>
+              <a:rPr lang="en-US"/>
               <a:t>Third level</a:t>
             </a:r>
           </a:p>
           <a:p>
             <a:pPr lvl="3"/>
             <a:r>
-              <a:rPr lang="en-US" smtClean="0"/>
+              <a:rPr lang="en-US"/>
               <a:t>Fourth level</a:t>
             </a:r>
           </a:p>
           <a:p>
             <a:pPr lvl="4"/>
             <a:r>
-              <a:rPr lang="en-US" smtClean="0"/>
+              <a:rPr lang="en-US"/>
               <a:t>Fifth level</a:t>
             </a:r>
             <a:endParaRPr lang="fr-FR"/>
@@ -2570,9 +4147,9 @@
           <a:p>
             <a:fld id="{E0EEA270-9340-4F4B-A8FB-4181F6C03A04}" type="datetimeFigureOut">
               <a:rPr lang="fr-FR" smtClean="0"/>
-              <a:t>01/12/2020</a:t>
+              <a:t>11/12/2020</a:t>
             </a:fld>
-            <a:endParaRPr lang="fr-FR"/>
+            <a:endParaRPr lang="fr-FR" dirty="0"/>
           </a:p>
         </p:txBody>
       </p:sp>
@@ -2609,7 +4186,7 @@
             </a:lvl1pPr>
           </a:lstStyle>
           <a:p>
-            <a:endParaRPr lang="fr-FR"/>
+            <a:endParaRPr lang="fr-FR" dirty="0"/>
           </a:p>
         </p:txBody>
       </p:sp>
@@ -2650,7 +4227,7 @@
               <a:rPr lang="fr-FR" smtClean="0"/>
               <a:t>‹#›</a:t>
             </a:fld>
-            <a:endParaRPr lang="fr-FR"/>
+            <a:endParaRPr lang="fr-FR" dirty="0"/>
           </a:p>
         </p:txBody>
       </p:sp>
@@ -2984,7 +4561,7 @@
           <p:nvPr/>
         </p:nvPicPr>
         <p:blipFill>
-          <a:blip r:embed="rId2">
+          <a:blip r:embed="rId3">
             <a:extLst>
               <a:ext uri="{28A0092B-C50C-407E-A947-70E740481C1C}">
                 <a14:useLocalDpi xmlns:a14="http://schemas.microsoft.com/office/drawing/2010/main" val="0"/>
@@ -2997,8 +4574,8 @@
         </p:blipFill>
         <p:spPr>
           <a:xfrm>
-            <a:off x="0" y="0"/>
-            <a:ext cx="12192000" cy="6858000"/>
+            <a:off x="1703294" y="958103"/>
+            <a:ext cx="8785412" cy="4941794"/>
           </a:xfrm>
           <a:prstGeom prst="rect">
             <a:avLst/>
@@ -3062,11 +4639,7 @@
           <a:p>
             <a:r>
               <a:rPr lang="en-US" b="1" dirty="0"/>
-              <a:t>2019 Ironman World Championship </a:t>
-            </a:r>
-            <a:r>
-              <a:rPr lang="en-US" b="1" dirty="0" smtClean="0"/>
-              <a:t>Analysis</a:t>
+              <a:t>2019 Ironman World Championship Analysis</a:t>
             </a:r>
             <a:endParaRPr lang="fr-FR" dirty="0"/>
           </a:p>
@@ -3098,13 +4671,13 @@
           <a:lstStyle/>
           <a:p>
             <a:r>
-              <a:rPr lang="en-US" dirty="0" smtClean="0"/>
+              <a:rPr lang="en-US" dirty="0"/>
               <a:t>Presented by</a:t>
             </a:r>
           </a:p>
           <a:p>
             <a:r>
-              <a:rPr lang="en-US" dirty="0" smtClean="0"/>
+              <a:rPr lang="en-US" dirty="0"/>
               <a:t>Regan Maher, Cory Potter, Lance Weston, Melissa Memel</a:t>
             </a:r>
             <a:endParaRPr lang="fr-FR" dirty="0"/>
@@ -3121,27 +4694,12 @@
   <p:clrMapOvr>
     <a:masterClrMapping/>
   </p:clrMapOvr>
-  <p:timing>
-    <p:tnLst>
-      <p:par>
-        <p:cTn id="1" dur="indefinite" restart="never" nodeType="tmRoot"/>
-      </p:par>
-    </p:tnLst>
-  </p:timing>
 </p:sld>
 </file>
 
-<file path=ppt/slides/slide2.xml><?xml version="1.0" encoding="utf-8"?>
+<file path=ppt/slides/slide10.xml><?xml version="1.0" encoding="utf-8"?>
 <p:sld xmlns:a="http://schemas.openxmlformats.org/drawingml/2006/main" xmlns:r="http://schemas.openxmlformats.org/officeDocument/2006/relationships" xmlns:p="http://schemas.openxmlformats.org/presentationml/2006/main">
   <p:cSld>
-    <p:bg>
-      <p:bgPr>
-        <a:solidFill>
-          <a:schemeClr val="bg1"/>
-        </a:solidFill>
-        <a:effectLst/>
-      </p:bgPr>
-    </p:bg>
     <p:spTree>
       <p:nvGrpSpPr>
         <p:cNvPr id="1" name=""/>
@@ -3166,22 +4724,1290 @@
             <p:ph type="title"/>
           </p:nvPr>
         </p:nvSpPr>
+        <p:spPr/>
+        <p:txBody>
+          <a:bodyPr/>
+          <a:lstStyle/>
+          <a:p>
+            <a:r>
+              <a:rPr lang="fr-FR" dirty="0"/>
+              <a:t>Graphs, Maps and Charts – </a:t>
+            </a:r>
+            <a:r>
+              <a:rPr lang="fr-FR" sz="3500" dirty="0"/>
+              <a:t>World </a:t>
+            </a:r>
+            <a:r>
+              <a:rPr lang="fr-FR" sz="3500" dirty="0" err="1"/>
+              <a:t>Map</a:t>
+            </a:r>
+            <a:endParaRPr lang="fr-FR" sz="3500" dirty="0"/>
+          </a:p>
+        </p:txBody>
+      </p:sp>
+      <p:pic>
+        <p:nvPicPr>
+          <p:cNvPr id="5" name="Picture 4">
+            <a:extLst>
+              <a:ext uri="{FF2B5EF4-FFF2-40B4-BE49-F238E27FC236}">
+                <a16:creationId xmlns:a16="http://schemas.microsoft.com/office/drawing/2014/main" id="{3C75B959-9EC8-4C0D-A5B1-FD862322208D}"/>
+              </a:ext>
+            </a:extLst>
+          </p:cNvPr>
+          <p:cNvPicPr>
+            <a:picLocks noChangeAspect="1"/>
+          </p:cNvPicPr>
+          <p:nvPr/>
+        </p:nvPicPr>
+        <p:blipFill>
+          <a:blip r:embed="rId3">
+            <a:extLst>
+              <a:ext uri="{28A0092B-C50C-407E-A947-70E740481C1C}">
+                <a14:useLocalDpi xmlns:a14="http://schemas.microsoft.com/office/drawing/2010/main" val="0"/>
+              </a:ext>
+            </a:extLst>
+          </a:blip>
+          <a:stretch>
+            <a:fillRect/>
+          </a:stretch>
+        </p:blipFill>
         <p:spPr>
+          <a:xfrm>
+            <a:off x="8763001" y="5761677"/>
+            <a:ext cx="3276598" cy="731198"/>
+          </a:xfrm>
+          <a:prstGeom prst="rect">
+            <a:avLst/>
+          </a:prstGeom>
+        </p:spPr>
+      </p:pic>
+      <p:sp>
+        <p:nvSpPr>
+          <p:cNvPr id="6" name="Rectangle 5">
+            <a:extLst>
+              <a:ext uri="{FF2B5EF4-FFF2-40B4-BE49-F238E27FC236}">
+                <a16:creationId xmlns:a16="http://schemas.microsoft.com/office/drawing/2014/main" id="{9E44F87E-523D-43C9-9026-8EAEEA587F04}"/>
+              </a:ext>
+            </a:extLst>
+          </p:cNvPr>
+          <p:cNvSpPr/>
+          <p:nvPr/>
+        </p:nvSpPr>
+        <p:spPr>
+          <a:xfrm>
+            <a:off x="524437" y="5988424"/>
+            <a:ext cx="8238564" cy="600635"/>
+          </a:xfrm>
+          <a:prstGeom prst="rect">
+            <a:avLst/>
+          </a:prstGeom>
+          <a:solidFill>
+            <a:srgbClr val="D8393E"/>
+          </a:solidFill>
+          <a:ln>
+            <a:solidFill>
+              <a:srgbClr val="D22D0C"/>
+            </a:solidFill>
+          </a:ln>
+        </p:spPr>
+        <p:style>
+          <a:lnRef idx="2">
+            <a:schemeClr val="accent1">
+              <a:shade val="50000"/>
+            </a:schemeClr>
+          </a:lnRef>
+          <a:fillRef idx="1">
+            <a:schemeClr val="accent1"/>
+          </a:fillRef>
+          <a:effectRef idx="0">
+            <a:schemeClr val="accent1"/>
+          </a:effectRef>
+          <a:fontRef idx="minor">
+            <a:schemeClr val="lt1"/>
+          </a:fontRef>
+        </p:style>
+        <p:txBody>
+          <a:bodyPr rtlCol="0" anchor="ctr"/>
+          <a:lstStyle/>
+          <a:p>
+            <a:pPr algn="ctr"/>
+            <a:endParaRPr lang="en-US" dirty="0"/>
+          </a:p>
+        </p:txBody>
+      </p:sp>
+      <p:pic>
+        <p:nvPicPr>
+          <p:cNvPr id="8" name="Picture 7">
+            <a:extLst>
+              <a:ext uri="{FF2B5EF4-FFF2-40B4-BE49-F238E27FC236}">
+                <a16:creationId xmlns:a16="http://schemas.microsoft.com/office/drawing/2014/main" id="{7A48EE32-08D1-44BE-BA9E-FC66FA5334D1}"/>
+              </a:ext>
+            </a:extLst>
+          </p:cNvPr>
+          <p:cNvPicPr>
+            <a:picLocks noChangeAspect="1"/>
+          </p:cNvPicPr>
+          <p:nvPr/>
+        </p:nvPicPr>
+        <p:blipFill>
+          <a:blip r:embed="rId4"/>
+          <a:stretch>
+            <a:fillRect/>
+          </a:stretch>
+        </p:blipFill>
+        <p:spPr>
+          <a:xfrm>
+            <a:off x="753036" y="1709488"/>
+            <a:ext cx="7375432" cy="1374766"/>
+          </a:xfrm>
+          <a:prstGeom prst="rect">
+            <a:avLst/>
+          </a:prstGeom>
+        </p:spPr>
+      </p:pic>
+      <p:pic>
+        <p:nvPicPr>
+          <p:cNvPr id="4" name="Picture 3">
+            <a:extLst>
+              <a:ext uri="{FF2B5EF4-FFF2-40B4-BE49-F238E27FC236}">
+                <a16:creationId xmlns:a16="http://schemas.microsoft.com/office/drawing/2014/main" id="{40642600-3C04-4E1A-B170-89C79F228D98}"/>
+              </a:ext>
+            </a:extLst>
+          </p:cNvPr>
+          <p:cNvPicPr>
+            <a:picLocks noChangeAspect="1"/>
+          </p:cNvPicPr>
+          <p:nvPr/>
+        </p:nvPicPr>
+        <p:blipFill>
+          <a:blip r:embed="rId5"/>
+          <a:stretch>
+            <a:fillRect/>
+          </a:stretch>
+        </p:blipFill>
+        <p:spPr>
+          <a:xfrm>
+            <a:off x="5692588" y="3160349"/>
+            <a:ext cx="5809130" cy="2601328"/>
+          </a:xfrm>
+          <a:prstGeom prst="rect">
+            <a:avLst/>
+          </a:prstGeom>
+        </p:spPr>
+      </p:pic>
+      <p:pic>
+        <p:nvPicPr>
+          <p:cNvPr id="10" name="Picture 9">
+            <a:extLst>
+              <a:ext uri="{FF2B5EF4-FFF2-40B4-BE49-F238E27FC236}">
+                <a16:creationId xmlns:a16="http://schemas.microsoft.com/office/drawing/2014/main" id="{1E2097D3-3D6F-4BBE-AE85-01AD6592193B}"/>
+              </a:ext>
+            </a:extLst>
+          </p:cNvPr>
+          <p:cNvPicPr>
+            <a:picLocks noChangeAspect="1"/>
+          </p:cNvPicPr>
+          <p:nvPr/>
+        </p:nvPicPr>
+        <p:blipFill>
+          <a:blip r:embed="rId6"/>
+          <a:stretch>
+            <a:fillRect/>
+          </a:stretch>
+        </p:blipFill>
+        <p:spPr>
+          <a:xfrm>
+            <a:off x="887509" y="3559270"/>
+            <a:ext cx="4607856" cy="1954138"/>
+          </a:xfrm>
+          <a:prstGeom prst="rect">
+            <a:avLst/>
+          </a:prstGeom>
+        </p:spPr>
+      </p:pic>
+    </p:spTree>
+    <p:extLst>
+      <p:ext uri="{BB962C8B-B14F-4D97-AF65-F5344CB8AC3E}">
+        <p14:creationId xmlns:p14="http://schemas.microsoft.com/office/powerpoint/2010/main" val="852391365"/>
+      </p:ext>
+    </p:extLst>
+  </p:cSld>
+  <p:clrMapOvr>
+    <a:masterClrMapping/>
+  </p:clrMapOvr>
+</p:sld>
+</file>
+
+<file path=ppt/slides/slide11.xml><?xml version="1.0" encoding="utf-8"?>
+<p:sld xmlns:a="http://schemas.openxmlformats.org/drawingml/2006/main" xmlns:r="http://schemas.openxmlformats.org/officeDocument/2006/relationships" xmlns:p="http://schemas.openxmlformats.org/presentationml/2006/main">
+  <p:cSld>
+    <p:spTree>
+      <p:nvGrpSpPr>
+        <p:cNvPr id="1" name=""/>
+        <p:cNvGrpSpPr/>
+        <p:nvPr/>
+      </p:nvGrpSpPr>
+      <p:grpSpPr>
+        <a:xfrm>
+          <a:off x="0" y="0"/>
+          <a:ext cx="0" cy="0"/>
+          <a:chOff x="0" y="0"/>
+          <a:chExt cx="0" cy="0"/>
+        </a:xfrm>
+      </p:grpSpPr>
+      <p:sp>
+        <p:nvSpPr>
+          <p:cNvPr id="2" name="Title 1"/>
+          <p:cNvSpPr>
+            <a:spLocks noGrp="1"/>
+          </p:cNvSpPr>
+          <p:nvPr>
+            <p:ph type="title"/>
+          </p:nvPr>
+        </p:nvSpPr>
+        <p:spPr/>
+        <p:txBody>
+          <a:bodyPr/>
+          <a:lstStyle/>
+          <a:p>
+            <a:r>
+              <a:rPr lang="fr-FR" dirty="0"/>
+              <a:t>Graphs, Maps and Charts – </a:t>
+            </a:r>
+            <a:r>
+              <a:rPr lang="fr-FR" sz="3500" dirty="0"/>
+              <a:t>Top 10 </a:t>
+            </a:r>
+            <a:r>
+              <a:rPr lang="fr-FR" sz="3500" dirty="0" err="1"/>
+              <a:t>Visuals</a:t>
+            </a:r>
+            <a:endParaRPr lang="fr-FR" sz="3500" dirty="0"/>
+          </a:p>
+        </p:txBody>
+      </p:sp>
+      <p:pic>
+        <p:nvPicPr>
+          <p:cNvPr id="5" name="Picture 4">
+            <a:extLst>
+              <a:ext uri="{FF2B5EF4-FFF2-40B4-BE49-F238E27FC236}">
+                <a16:creationId xmlns:a16="http://schemas.microsoft.com/office/drawing/2014/main" id="{3C75B959-9EC8-4C0D-A5B1-FD862322208D}"/>
+              </a:ext>
+            </a:extLst>
+          </p:cNvPr>
+          <p:cNvPicPr>
+            <a:picLocks noChangeAspect="1"/>
+          </p:cNvPicPr>
+          <p:nvPr/>
+        </p:nvPicPr>
+        <p:blipFill>
+          <a:blip r:embed="rId3">
+            <a:extLst>
+              <a:ext uri="{28A0092B-C50C-407E-A947-70E740481C1C}">
+                <a14:useLocalDpi xmlns:a14="http://schemas.microsoft.com/office/drawing/2010/main" val="0"/>
+              </a:ext>
+            </a:extLst>
+          </a:blip>
+          <a:stretch>
+            <a:fillRect/>
+          </a:stretch>
+        </p:blipFill>
+        <p:spPr>
+          <a:xfrm>
+            <a:off x="8763001" y="5761677"/>
+            <a:ext cx="3276598" cy="731198"/>
+          </a:xfrm>
+          <a:prstGeom prst="rect">
+            <a:avLst/>
+          </a:prstGeom>
+        </p:spPr>
+      </p:pic>
+      <p:sp>
+        <p:nvSpPr>
+          <p:cNvPr id="6" name="Rectangle 5">
+            <a:extLst>
+              <a:ext uri="{FF2B5EF4-FFF2-40B4-BE49-F238E27FC236}">
+                <a16:creationId xmlns:a16="http://schemas.microsoft.com/office/drawing/2014/main" id="{9E44F87E-523D-43C9-9026-8EAEEA587F04}"/>
+              </a:ext>
+            </a:extLst>
+          </p:cNvPr>
+          <p:cNvSpPr/>
+          <p:nvPr/>
+        </p:nvSpPr>
+        <p:spPr>
+          <a:xfrm>
+            <a:off x="524437" y="5988424"/>
+            <a:ext cx="8238564" cy="600635"/>
+          </a:xfrm>
+          <a:prstGeom prst="rect">
+            <a:avLst/>
+          </a:prstGeom>
+          <a:solidFill>
+            <a:srgbClr val="D8393E"/>
+          </a:solidFill>
+          <a:ln>
+            <a:solidFill>
+              <a:srgbClr val="D22D0C"/>
+            </a:solidFill>
+          </a:ln>
+        </p:spPr>
+        <p:style>
+          <a:lnRef idx="2">
+            <a:schemeClr val="accent1">
+              <a:shade val="50000"/>
+            </a:schemeClr>
+          </a:lnRef>
+          <a:fillRef idx="1">
+            <a:schemeClr val="accent1"/>
+          </a:fillRef>
+          <a:effectRef idx="0">
+            <a:schemeClr val="accent1"/>
+          </a:effectRef>
+          <a:fontRef idx="minor">
+            <a:schemeClr val="lt1"/>
+          </a:fontRef>
+        </p:style>
+        <p:txBody>
+          <a:bodyPr rtlCol="0" anchor="ctr"/>
+          <a:lstStyle/>
+          <a:p>
+            <a:pPr algn="ctr"/>
+            <a:endParaRPr lang="en-US" dirty="0"/>
+          </a:p>
+        </p:txBody>
+      </p:sp>
+      <p:pic>
+        <p:nvPicPr>
+          <p:cNvPr id="4" name="Picture 3">
+            <a:extLst>
+              <a:ext uri="{FF2B5EF4-FFF2-40B4-BE49-F238E27FC236}">
+                <a16:creationId xmlns:a16="http://schemas.microsoft.com/office/drawing/2014/main" id="{11281F27-BEF2-4693-AE72-A4D632151EB5}"/>
+              </a:ext>
+            </a:extLst>
+          </p:cNvPr>
+          <p:cNvPicPr>
+            <a:picLocks noChangeAspect="1"/>
+          </p:cNvPicPr>
+          <p:nvPr/>
+        </p:nvPicPr>
+        <p:blipFill>
+          <a:blip r:embed="rId4"/>
+          <a:stretch>
+            <a:fillRect/>
+          </a:stretch>
+        </p:blipFill>
+        <p:spPr>
+          <a:xfrm>
+            <a:off x="985963" y="1464536"/>
+            <a:ext cx="4624262" cy="2866880"/>
+          </a:xfrm>
+          <a:prstGeom prst="rect">
+            <a:avLst/>
+          </a:prstGeom>
+        </p:spPr>
+      </p:pic>
+      <p:pic>
+        <p:nvPicPr>
+          <p:cNvPr id="8" name="Picture 7">
+            <a:extLst>
+              <a:ext uri="{FF2B5EF4-FFF2-40B4-BE49-F238E27FC236}">
+                <a16:creationId xmlns:a16="http://schemas.microsoft.com/office/drawing/2014/main" id="{EAC78FDC-4E84-44F7-B6B7-270E720AA49F}"/>
+              </a:ext>
+            </a:extLst>
+          </p:cNvPr>
+          <p:cNvPicPr>
+            <a:picLocks noChangeAspect="1"/>
+          </p:cNvPicPr>
+          <p:nvPr/>
+        </p:nvPicPr>
+        <p:blipFill>
+          <a:blip r:embed="rId5"/>
+          <a:stretch>
+            <a:fillRect/>
+          </a:stretch>
+        </p:blipFill>
+        <p:spPr>
+          <a:xfrm>
+            <a:off x="838200" y="4534421"/>
+            <a:ext cx="8659108" cy="1265782"/>
+          </a:xfrm>
+          <a:prstGeom prst="rect">
+            <a:avLst/>
+          </a:prstGeom>
+        </p:spPr>
+      </p:pic>
+      <p:pic>
+        <p:nvPicPr>
+          <p:cNvPr id="14" name="Picture 13">
+            <a:extLst>
+              <a:ext uri="{FF2B5EF4-FFF2-40B4-BE49-F238E27FC236}">
+                <a16:creationId xmlns:a16="http://schemas.microsoft.com/office/drawing/2014/main" id="{92D919E5-2971-4E49-B798-8B80B2364949}"/>
+              </a:ext>
+            </a:extLst>
+          </p:cNvPr>
+          <p:cNvPicPr>
+            <a:picLocks noChangeAspect="1"/>
+          </p:cNvPicPr>
+          <p:nvPr/>
+        </p:nvPicPr>
+        <p:blipFill>
+          <a:blip r:embed="rId6"/>
+          <a:stretch>
+            <a:fillRect/>
+          </a:stretch>
+        </p:blipFill>
+        <p:spPr>
+          <a:xfrm>
+            <a:off x="6096000" y="1757167"/>
+            <a:ext cx="1847850" cy="714375"/>
+          </a:xfrm>
+          <a:prstGeom prst="rect">
+            <a:avLst/>
+          </a:prstGeom>
+        </p:spPr>
+      </p:pic>
+      <p:pic>
+        <p:nvPicPr>
+          <p:cNvPr id="21" name="Picture 20">
+            <a:extLst>
+              <a:ext uri="{FF2B5EF4-FFF2-40B4-BE49-F238E27FC236}">
+                <a16:creationId xmlns:a16="http://schemas.microsoft.com/office/drawing/2014/main" id="{3399C9EB-AEC1-476D-A4B4-F91470619C0A}"/>
+              </a:ext>
+            </a:extLst>
+          </p:cNvPr>
+          <p:cNvPicPr>
+            <a:picLocks noChangeAspect="1"/>
+          </p:cNvPicPr>
+          <p:nvPr/>
+        </p:nvPicPr>
+        <p:blipFill>
+          <a:blip r:embed="rId7"/>
+          <a:stretch>
+            <a:fillRect/>
+          </a:stretch>
+        </p:blipFill>
+        <p:spPr>
+          <a:xfrm>
+            <a:off x="7503791" y="1389530"/>
+            <a:ext cx="4282560" cy="4078940"/>
+          </a:xfrm>
+          <a:prstGeom prst="rect">
+            <a:avLst/>
+          </a:prstGeom>
           <a:ln>
             <a:solidFill>
               <a:schemeClr val="tx1"/>
             </a:solidFill>
           </a:ln>
         </p:spPr>
+      </p:pic>
+    </p:spTree>
+    <p:extLst>
+      <p:ext uri="{BB962C8B-B14F-4D97-AF65-F5344CB8AC3E}">
+        <p14:creationId xmlns:p14="http://schemas.microsoft.com/office/powerpoint/2010/main" val="1900176076"/>
+      </p:ext>
+    </p:extLst>
+  </p:cSld>
+  <p:clrMapOvr>
+    <a:masterClrMapping/>
+  </p:clrMapOvr>
+</p:sld>
+</file>
+
+<file path=ppt/slides/slide12.xml><?xml version="1.0" encoding="utf-8"?>
+<p:sld xmlns:a="http://schemas.openxmlformats.org/drawingml/2006/main" xmlns:r="http://schemas.openxmlformats.org/officeDocument/2006/relationships" xmlns:p="http://schemas.openxmlformats.org/presentationml/2006/main">
+  <p:cSld>
+    <p:spTree>
+      <p:nvGrpSpPr>
+        <p:cNvPr id="1" name=""/>
+        <p:cNvGrpSpPr/>
+        <p:nvPr/>
+      </p:nvGrpSpPr>
+      <p:grpSpPr>
+        <a:xfrm>
+          <a:off x="0" y="0"/>
+          <a:ext cx="0" cy="0"/>
+          <a:chOff x="0" y="0"/>
+          <a:chExt cx="0" cy="0"/>
+        </a:xfrm>
+      </p:grpSpPr>
+      <p:sp>
+        <p:nvSpPr>
+          <p:cNvPr id="2" name="Title 1"/>
+          <p:cNvSpPr>
+            <a:spLocks noGrp="1"/>
+          </p:cNvSpPr>
+          <p:nvPr>
+            <p:ph type="title"/>
+          </p:nvPr>
+        </p:nvSpPr>
+        <p:spPr/>
         <p:txBody>
           <a:bodyPr/>
           <a:lstStyle/>
           <a:p>
             <a:r>
-              <a:rPr lang="en-US" b="1" dirty="0" smtClean="0"/>
-              <a:t>What’s Ironman ?</a:t>
-            </a:r>
-            <a:endParaRPr lang="fr-FR" b="1" dirty="0"/>
+              <a:rPr lang="fr-FR" dirty="0"/>
+              <a:t>Challenges</a:t>
+            </a:r>
+            <a:endParaRPr lang="fr-FR" sz="3500" dirty="0"/>
+          </a:p>
+        </p:txBody>
+      </p:sp>
+      <p:pic>
+        <p:nvPicPr>
+          <p:cNvPr id="5" name="Picture 4">
+            <a:extLst>
+              <a:ext uri="{FF2B5EF4-FFF2-40B4-BE49-F238E27FC236}">
+                <a16:creationId xmlns:a16="http://schemas.microsoft.com/office/drawing/2014/main" id="{3C75B959-9EC8-4C0D-A5B1-FD862322208D}"/>
+              </a:ext>
+            </a:extLst>
+          </p:cNvPr>
+          <p:cNvPicPr>
+            <a:picLocks noChangeAspect="1"/>
+          </p:cNvPicPr>
+          <p:nvPr/>
+        </p:nvPicPr>
+        <p:blipFill>
+          <a:blip r:embed="rId3">
+            <a:extLst>
+              <a:ext uri="{28A0092B-C50C-407E-A947-70E740481C1C}">
+                <a14:useLocalDpi xmlns:a14="http://schemas.microsoft.com/office/drawing/2010/main" val="0"/>
+              </a:ext>
+            </a:extLst>
+          </a:blip>
+          <a:stretch>
+            <a:fillRect/>
+          </a:stretch>
+        </p:blipFill>
+        <p:spPr>
+          <a:xfrm>
+            <a:off x="8763001" y="5761677"/>
+            <a:ext cx="3276598" cy="731198"/>
+          </a:xfrm>
+          <a:prstGeom prst="rect">
+            <a:avLst/>
+          </a:prstGeom>
+        </p:spPr>
+      </p:pic>
+      <p:sp>
+        <p:nvSpPr>
+          <p:cNvPr id="6" name="Rectangle 5">
+            <a:extLst>
+              <a:ext uri="{FF2B5EF4-FFF2-40B4-BE49-F238E27FC236}">
+                <a16:creationId xmlns:a16="http://schemas.microsoft.com/office/drawing/2014/main" id="{9E44F87E-523D-43C9-9026-8EAEEA587F04}"/>
+              </a:ext>
+            </a:extLst>
+          </p:cNvPr>
+          <p:cNvSpPr/>
+          <p:nvPr/>
+        </p:nvSpPr>
+        <p:spPr>
+          <a:xfrm>
+            <a:off x="524437" y="5988424"/>
+            <a:ext cx="8238564" cy="600635"/>
+          </a:xfrm>
+          <a:prstGeom prst="rect">
+            <a:avLst/>
+          </a:prstGeom>
+          <a:solidFill>
+            <a:srgbClr val="D8393E"/>
+          </a:solidFill>
+          <a:ln>
+            <a:solidFill>
+              <a:srgbClr val="D22D0C"/>
+            </a:solidFill>
+          </a:ln>
+        </p:spPr>
+        <p:style>
+          <a:lnRef idx="2">
+            <a:schemeClr val="accent1">
+              <a:shade val="50000"/>
+            </a:schemeClr>
+          </a:lnRef>
+          <a:fillRef idx="1">
+            <a:schemeClr val="accent1"/>
+          </a:fillRef>
+          <a:effectRef idx="0">
+            <a:schemeClr val="accent1"/>
+          </a:effectRef>
+          <a:fontRef idx="minor">
+            <a:schemeClr val="lt1"/>
+          </a:fontRef>
+        </p:style>
+        <p:txBody>
+          <a:bodyPr rtlCol="0" anchor="ctr"/>
+          <a:lstStyle/>
+          <a:p>
+            <a:pPr algn="ctr"/>
+            <a:endParaRPr lang="en-US" dirty="0"/>
+          </a:p>
+        </p:txBody>
+      </p:sp>
+      <p:pic>
+        <p:nvPicPr>
+          <p:cNvPr id="7" name="Picture 6" descr="TRIATHLON: Rolling for Hope: Russell rolls across Ironman finish line to  raise awareness for ALS - The Courier">
+            <a:extLst>
+              <a:ext uri="{FF2B5EF4-FFF2-40B4-BE49-F238E27FC236}">
+                <a16:creationId xmlns:a16="http://schemas.microsoft.com/office/drawing/2014/main" id="{C20FC6CD-1C69-436B-B998-19BEC6639F23}"/>
+              </a:ext>
+            </a:extLst>
+          </p:cNvPr>
+          <p:cNvPicPr>
+            <a:picLocks noChangeAspect="1" noChangeArrowheads="1"/>
+          </p:cNvPicPr>
+          <p:nvPr/>
+        </p:nvPicPr>
+        <p:blipFill>
+          <a:blip r:embed="rId4">
+            <a:extLst>
+              <a:ext uri="{28A0092B-C50C-407E-A947-70E740481C1C}">
+                <a14:useLocalDpi xmlns:a14="http://schemas.microsoft.com/office/drawing/2010/main" val="0"/>
+              </a:ext>
+            </a:extLst>
+          </a:blip>
+          <a:srcRect/>
+          <a:stretch>
+            <a:fillRect/>
+          </a:stretch>
+        </p:blipFill>
+        <p:spPr bwMode="auto">
+          <a:xfrm>
+            <a:off x="6862482" y="1460135"/>
+            <a:ext cx="3993778" cy="2657676"/>
+          </a:xfrm>
+          <a:prstGeom prst="rect">
+            <a:avLst/>
+          </a:prstGeom>
+          <a:noFill/>
+          <a:extLst>
+            <a:ext uri="{909E8E84-426E-40DD-AFC4-6F175D3DCCD1}">
+              <a14:hiddenFill xmlns:a14="http://schemas.microsoft.com/office/drawing/2010/main">
+                <a:solidFill>
+                  <a:srgbClr val="FFFFFF"/>
+                </a:solidFill>
+              </a14:hiddenFill>
+            </a:ext>
+          </a:extLst>
+        </p:spPr>
+      </p:pic>
+      <p:sp>
+        <p:nvSpPr>
+          <p:cNvPr id="9" name="TextBox 8">
+            <a:extLst>
+              <a:ext uri="{FF2B5EF4-FFF2-40B4-BE49-F238E27FC236}">
+                <a16:creationId xmlns:a16="http://schemas.microsoft.com/office/drawing/2014/main" id="{69CEF085-1A4C-4E7F-AC01-C303B50FE6FE}"/>
+              </a:ext>
+            </a:extLst>
+          </p:cNvPr>
+          <p:cNvSpPr txBox="1"/>
+          <p:nvPr/>
+        </p:nvSpPr>
+        <p:spPr>
+          <a:xfrm>
+            <a:off x="932329" y="1568824"/>
+            <a:ext cx="5755342" cy="1138773"/>
+          </a:xfrm>
+          <a:prstGeom prst="rect">
+            <a:avLst/>
+          </a:prstGeom>
+          <a:noFill/>
+        </p:spPr>
+        <p:txBody>
+          <a:bodyPr wrap="square" rtlCol="0">
+            <a:spAutoFit/>
+          </a:bodyPr>
+          <a:lstStyle/>
+          <a:p>
+            <a:pPr marL="285750" indent="-285750">
+              <a:buFont typeface="Arial" panose="020B0604020202020204" pitchFamily="34" charset="0"/>
+              <a:buChar char="•"/>
+            </a:pPr>
+            <a:r>
+              <a:rPr lang="en-US" sz="2500" dirty="0"/>
+              <a:t>Date Time Conversion</a:t>
+            </a:r>
+          </a:p>
+          <a:p>
+            <a:pPr marL="285750" indent="-285750">
+              <a:buFont typeface="Arial" panose="020B0604020202020204" pitchFamily="34" charset="0"/>
+              <a:buChar char="•"/>
+            </a:pPr>
+            <a:r>
+              <a:rPr lang="en-US" sz="2500" dirty="0"/>
+              <a:t>Multiple connections</a:t>
+            </a:r>
+          </a:p>
+          <a:p>
+            <a:endParaRPr lang="en-US" dirty="0"/>
+          </a:p>
+        </p:txBody>
+      </p:sp>
+    </p:spTree>
+    <p:extLst>
+      <p:ext uri="{BB962C8B-B14F-4D97-AF65-F5344CB8AC3E}">
+        <p14:creationId xmlns:p14="http://schemas.microsoft.com/office/powerpoint/2010/main" val="132217123"/>
+      </p:ext>
+    </p:extLst>
+  </p:cSld>
+  <p:clrMapOvr>
+    <a:masterClrMapping/>
+  </p:clrMapOvr>
+</p:sld>
+</file>
+
+<file path=ppt/slides/slide13.xml><?xml version="1.0" encoding="utf-8"?>
+<p:sld xmlns:a="http://schemas.openxmlformats.org/drawingml/2006/main" xmlns:r="http://schemas.openxmlformats.org/officeDocument/2006/relationships" xmlns:p="http://schemas.openxmlformats.org/presentationml/2006/main">
+  <p:cSld>
+    <p:spTree>
+      <p:nvGrpSpPr>
+        <p:cNvPr id="1" name=""/>
+        <p:cNvGrpSpPr/>
+        <p:nvPr/>
+      </p:nvGrpSpPr>
+      <p:grpSpPr>
+        <a:xfrm>
+          <a:off x="0" y="0"/>
+          <a:ext cx="0" cy="0"/>
+          <a:chOff x="0" y="0"/>
+          <a:chExt cx="0" cy="0"/>
+        </a:xfrm>
+      </p:grpSpPr>
+      <p:sp>
+        <p:nvSpPr>
+          <p:cNvPr id="2" name="Title 1"/>
+          <p:cNvSpPr>
+            <a:spLocks noGrp="1"/>
+          </p:cNvSpPr>
+          <p:nvPr>
+            <p:ph type="title"/>
+          </p:nvPr>
+        </p:nvSpPr>
+        <p:spPr/>
+        <p:txBody>
+          <a:bodyPr/>
+          <a:lstStyle/>
+          <a:p>
+            <a:r>
+              <a:rPr lang="fr-FR" dirty="0" err="1"/>
+              <a:t>Further</a:t>
+            </a:r>
+            <a:r>
+              <a:rPr lang="fr-FR" dirty="0"/>
+              <a:t> </a:t>
+            </a:r>
+            <a:r>
+              <a:rPr lang="fr-FR" dirty="0" err="1"/>
+              <a:t>Potential</a:t>
+            </a:r>
+            <a:r>
+              <a:rPr lang="fr-FR" dirty="0"/>
+              <a:t> </a:t>
+            </a:r>
+            <a:r>
+              <a:rPr lang="fr-FR" dirty="0" err="1"/>
+              <a:t>Analysis</a:t>
+            </a:r>
+            <a:endParaRPr lang="fr-FR" dirty="0"/>
+          </a:p>
+        </p:txBody>
+      </p:sp>
+      <p:pic>
+        <p:nvPicPr>
+          <p:cNvPr id="5" name="Picture 4">
+            <a:extLst>
+              <a:ext uri="{FF2B5EF4-FFF2-40B4-BE49-F238E27FC236}">
+                <a16:creationId xmlns:a16="http://schemas.microsoft.com/office/drawing/2014/main" id="{3C75B959-9EC8-4C0D-A5B1-FD862322208D}"/>
+              </a:ext>
+            </a:extLst>
+          </p:cNvPr>
+          <p:cNvPicPr>
+            <a:picLocks noChangeAspect="1"/>
+          </p:cNvPicPr>
+          <p:nvPr/>
+        </p:nvPicPr>
+        <p:blipFill>
+          <a:blip r:embed="rId3">
+            <a:extLst>
+              <a:ext uri="{28A0092B-C50C-407E-A947-70E740481C1C}">
+                <a14:useLocalDpi xmlns:a14="http://schemas.microsoft.com/office/drawing/2010/main" val="0"/>
+              </a:ext>
+            </a:extLst>
+          </a:blip>
+          <a:stretch>
+            <a:fillRect/>
+          </a:stretch>
+        </p:blipFill>
+        <p:spPr>
+          <a:xfrm>
+            <a:off x="8763001" y="5761677"/>
+            <a:ext cx="3276598" cy="731198"/>
+          </a:xfrm>
+          <a:prstGeom prst="rect">
+            <a:avLst/>
+          </a:prstGeom>
+        </p:spPr>
+      </p:pic>
+      <p:sp>
+        <p:nvSpPr>
+          <p:cNvPr id="6" name="Rectangle 5">
+            <a:extLst>
+              <a:ext uri="{FF2B5EF4-FFF2-40B4-BE49-F238E27FC236}">
+                <a16:creationId xmlns:a16="http://schemas.microsoft.com/office/drawing/2014/main" id="{9E44F87E-523D-43C9-9026-8EAEEA587F04}"/>
+              </a:ext>
+            </a:extLst>
+          </p:cNvPr>
+          <p:cNvSpPr/>
+          <p:nvPr/>
+        </p:nvSpPr>
+        <p:spPr>
+          <a:xfrm>
+            <a:off x="524437" y="5988424"/>
+            <a:ext cx="8238564" cy="600635"/>
+          </a:xfrm>
+          <a:prstGeom prst="rect">
+            <a:avLst/>
+          </a:prstGeom>
+          <a:solidFill>
+            <a:srgbClr val="D8393E"/>
+          </a:solidFill>
+          <a:ln>
+            <a:solidFill>
+              <a:srgbClr val="D22D0C"/>
+            </a:solidFill>
+          </a:ln>
+        </p:spPr>
+        <p:style>
+          <a:lnRef idx="2">
+            <a:schemeClr val="accent1">
+              <a:shade val="50000"/>
+            </a:schemeClr>
+          </a:lnRef>
+          <a:fillRef idx="1">
+            <a:schemeClr val="accent1"/>
+          </a:fillRef>
+          <a:effectRef idx="0">
+            <a:schemeClr val="accent1"/>
+          </a:effectRef>
+          <a:fontRef idx="minor">
+            <a:schemeClr val="lt1"/>
+          </a:fontRef>
+        </p:style>
+        <p:txBody>
+          <a:bodyPr rtlCol="0" anchor="ctr"/>
+          <a:lstStyle/>
+          <a:p>
+            <a:pPr algn="ctr"/>
+            <a:endParaRPr lang="en-US" dirty="0"/>
+          </a:p>
+        </p:txBody>
+      </p:sp>
+      <p:sp>
+        <p:nvSpPr>
+          <p:cNvPr id="3" name="TextBox 2">
+            <a:extLst>
+              <a:ext uri="{FF2B5EF4-FFF2-40B4-BE49-F238E27FC236}">
+                <a16:creationId xmlns:a16="http://schemas.microsoft.com/office/drawing/2014/main" id="{394785F9-8E18-4EC0-9B0E-AFDE1C7DA436}"/>
+              </a:ext>
+            </a:extLst>
+          </p:cNvPr>
+          <p:cNvSpPr txBox="1"/>
+          <p:nvPr/>
+        </p:nvSpPr>
+        <p:spPr>
+          <a:xfrm>
+            <a:off x="941293" y="1541929"/>
+            <a:ext cx="9888071" cy="3139321"/>
+          </a:xfrm>
+          <a:prstGeom prst="rect">
+            <a:avLst/>
+          </a:prstGeom>
+          <a:noFill/>
+        </p:spPr>
+        <p:txBody>
+          <a:bodyPr wrap="square" rtlCol="0">
+            <a:spAutoFit/>
+          </a:bodyPr>
+          <a:lstStyle/>
+          <a:p>
+            <a:pPr marL="285750" indent="-285750">
+              <a:buFont typeface="Arial" panose="020B0604020202020204" pitchFamily="34" charset="0"/>
+              <a:buChar char="•"/>
+            </a:pPr>
+            <a:r>
+              <a:rPr lang="en-US" sz="2000" dirty="0"/>
+              <a:t>Being able to show a graph of all 2000 + participants.  This could have been showcased in a scatter plot or a group of scatter plots for each leg and overall.</a:t>
+            </a:r>
+          </a:p>
+          <a:p>
+            <a:endParaRPr lang="en-US" sz="2000" dirty="0"/>
+          </a:p>
+          <a:p>
+            <a:pPr marL="285750" indent="-285750">
+              <a:buFont typeface="Arial" panose="020B0604020202020204" pitchFamily="34" charset="0"/>
+              <a:buChar char="•"/>
+            </a:pPr>
+            <a:r>
+              <a:rPr lang="en-US" sz="2000" dirty="0"/>
+              <a:t>Take into account the transition times.  See if there was an impact to the overall racers performance.</a:t>
+            </a:r>
+          </a:p>
+          <a:p>
+            <a:endParaRPr lang="en-US" sz="2000" dirty="0"/>
+          </a:p>
+          <a:p>
+            <a:pPr marL="285750" indent="-285750">
+              <a:buFont typeface="Arial" panose="020B0604020202020204" pitchFamily="34" charset="0"/>
+              <a:buChar char="•"/>
+            </a:pPr>
+            <a:r>
+              <a:rPr lang="en-US" sz="2000" dirty="0"/>
+              <a:t>Compare division averages over different years or range of years.  </a:t>
+            </a:r>
+          </a:p>
+          <a:p>
+            <a:endParaRPr lang="en-US" sz="2000" dirty="0"/>
+          </a:p>
+          <a:p>
+            <a:pPr marL="285750" indent="-285750">
+              <a:buFont typeface="Arial" panose="020B0604020202020204" pitchFamily="34" charset="0"/>
+              <a:buChar char="•"/>
+            </a:pPr>
+            <a:r>
+              <a:rPr lang="en-US" sz="2000" dirty="0"/>
+              <a:t>Look at the 2019 qualifying racing to see how those compared to the championship.</a:t>
+            </a:r>
+          </a:p>
+          <a:p>
+            <a:pPr marL="285750" indent="-285750">
+              <a:buFont typeface="Arial" panose="020B0604020202020204" pitchFamily="34" charset="0"/>
+              <a:buChar char="•"/>
+            </a:pPr>
+            <a:endParaRPr lang="en-US" dirty="0"/>
+          </a:p>
+        </p:txBody>
+      </p:sp>
+    </p:spTree>
+    <p:extLst>
+      <p:ext uri="{BB962C8B-B14F-4D97-AF65-F5344CB8AC3E}">
+        <p14:creationId xmlns:p14="http://schemas.microsoft.com/office/powerpoint/2010/main" val="813553969"/>
+      </p:ext>
+    </p:extLst>
+  </p:cSld>
+  <p:clrMapOvr>
+    <a:masterClrMapping/>
+  </p:clrMapOvr>
+</p:sld>
+</file>
+
+<file path=ppt/slides/slide14.xml><?xml version="1.0" encoding="utf-8"?>
+<p:sld xmlns:a="http://schemas.openxmlformats.org/drawingml/2006/main" xmlns:r="http://schemas.openxmlformats.org/officeDocument/2006/relationships" xmlns:p="http://schemas.openxmlformats.org/presentationml/2006/main">
+  <p:cSld>
+    <p:spTree>
+      <p:nvGrpSpPr>
+        <p:cNvPr id="1" name=""/>
+        <p:cNvGrpSpPr/>
+        <p:nvPr/>
+      </p:nvGrpSpPr>
+      <p:grpSpPr>
+        <a:xfrm>
+          <a:off x="0" y="0"/>
+          <a:ext cx="0" cy="0"/>
+          <a:chOff x="0" y="0"/>
+          <a:chExt cx="0" cy="0"/>
+        </a:xfrm>
+      </p:grpSpPr>
+      <p:sp>
+        <p:nvSpPr>
+          <p:cNvPr id="2" name="Title 1"/>
+          <p:cNvSpPr>
+            <a:spLocks noGrp="1"/>
+          </p:cNvSpPr>
+          <p:nvPr>
+            <p:ph type="title"/>
+          </p:nvPr>
+        </p:nvSpPr>
+        <p:spPr>
+          <a:xfrm>
+            <a:off x="3420035" y="1001619"/>
+            <a:ext cx="5535706" cy="1325563"/>
+          </a:xfrm>
+        </p:spPr>
+        <p:txBody>
+          <a:bodyPr/>
+          <a:lstStyle/>
+          <a:p>
+            <a:pPr algn="ctr"/>
+            <a:r>
+              <a:rPr lang="fr-FR" dirty="0"/>
+              <a:t>Questions</a:t>
+            </a:r>
+          </a:p>
+        </p:txBody>
+      </p:sp>
+      <p:pic>
+        <p:nvPicPr>
+          <p:cNvPr id="5" name="Picture 4">
+            <a:extLst>
+              <a:ext uri="{FF2B5EF4-FFF2-40B4-BE49-F238E27FC236}">
+                <a16:creationId xmlns:a16="http://schemas.microsoft.com/office/drawing/2014/main" id="{3C75B959-9EC8-4C0D-A5B1-FD862322208D}"/>
+              </a:ext>
+            </a:extLst>
+          </p:cNvPr>
+          <p:cNvPicPr>
+            <a:picLocks noChangeAspect="1"/>
+          </p:cNvPicPr>
+          <p:nvPr/>
+        </p:nvPicPr>
+        <p:blipFill>
+          <a:blip r:embed="rId3">
+            <a:extLst>
+              <a:ext uri="{28A0092B-C50C-407E-A947-70E740481C1C}">
+                <a14:useLocalDpi xmlns:a14="http://schemas.microsoft.com/office/drawing/2010/main" val="0"/>
+              </a:ext>
+            </a:extLst>
+          </a:blip>
+          <a:stretch>
+            <a:fillRect/>
+          </a:stretch>
+        </p:blipFill>
+        <p:spPr>
+          <a:xfrm>
+            <a:off x="8763001" y="5761677"/>
+            <a:ext cx="3276598" cy="731198"/>
+          </a:xfrm>
+          <a:prstGeom prst="rect">
+            <a:avLst/>
+          </a:prstGeom>
+        </p:spPr>
+      </p:pic>
+      <p:sp>
+        <p:nvSpPr>
+          <p:cNvPr id="6" name="Rectangle 5">
+            <a:extLst>
+              <a:ext uri="{FF2B5EF4-FFF2-40B4-BE49-F238E27FC236}">
+                <a16:creationId xmlns:a16="http://schemas.microsoft.com/office/drawing/2014/main" id="{9E44F87E-523D-43C9-9026-8EAEEA587F04}"/>
+              </a:ext>
+            </a:extLst>
+          </p:cNvPr>
+          <p:cNvSpPr/>
+          <p:nvPr/>
+        </p:nvSpPr>
+        <p:spPr>
+          <a:xfrm>
+            <a:off x="524437" y="5988424"/>
+            <a:ext cx="8238564" cy="600635"/>
+          </a:xfrm>
+          <a:prstGeom prst="rect">
+            <a:avLst/>
+          </a:prstGeom>
+          <a:solidFill>
+            <a:srgbClr val="D8393E"/>
+          </a:solidFill>
+          <a:ln>
+            <a:solidFill>
+              <a:srgbClr val="D22D0C"/>
+            </a:solidFill>
+          </a:ln>
+        </p:spPr>
+        <p:style>
+          <a:lnRef idx="2">
+            <a:schemeClr val="accent1">
+              <a:shade val="50000"/>
+            </a:schemeClr>
+          </a:lnRef>
+          <a:fillRef idx="1">
+            <a:schemeClr val="accent1"/>
+          </a:fillRef>
+          <a:effectRef idx="0">
+            <a:schemeClr val="accent1"/>
+          </a:effectRef>
+          <a:fontRef idx="minor">
+            <a:schemeClr val="lt1"/>
+          </a:fontRef>
+        </p:style>
+        <p:txBody>
+          <a:bodyPr rtlCol="0" anchor="ctr"/>
+          <a:lstStyle/>
+          <a:p>
+            <a:pPr algn="ctr"/>
+            <a:endParaRPr lang="en-US" dirty="0"/>
+          </a:p>
+        </p:txBody>
+      </p:sp>
+      <p:pic>
+        <p:nvPicPr>
+          <p:cNvPr id="4100" name="Picture 4" descr="IRONMAN">
+            <a:extLst>
+              <a:ext uri="{FF2B5EF4-FFF2-40B4-BE49-F238E27FC236}">
+                <a16:creationId xmlns:a16="http://schemas.microsoft.com/office/drawing/2014/main" id="{F2808A03-B127-48A9-947E-AD87BD3283E1}"/>
+              </a:ext>
+            </a:extLst>
+          </p:cNvPr>
+          <p:cNvPicPr>
+            <a:picLocks noChangeAspect="1" noChangeArrowheads="1"/>
+          </p:cNvPicPr>
+          <p:nvPr/>
+        </p:nvPicPr>
+        <p:blipFill>
+          <a:blip r:embed="rId4">
+            <a:extLst>
+              <a:ext uri="{28A0092B-C50C-407E-A947-70E740481C1C}">
+                <a14:useLocalDpi xmlns:a14="http://schemas.microsoft.com/office/drawing/2010/main" val="0"/>
+              </a:ext>
+            </a:extLst>
+          </a:blip>
+          <a:srcRect/>
+          <a:stretch>
+            <a:fillRect/>
+          </a:stretch>
+        </p:blipFill>
+        <p:spPr bwMode="auto">
+          <a:xfrm>
+            <a:off x="1797704" y="2368029"/>
+            <a:ext cx="2733675" cy="1676400"/>
+          </a:xfrm>
+          <a:prstGeom prst="rect">
+            <a:avLst/>
+          </a:prstGeom>
+          <a:noFill/>
+          <a:extLst>
+            <a:ext uri="{909E8E84-426E-40DD-AFC4-6F175D3DCCD1}">
+              <a14:hiddenFill xmlns:a14="http://schemas.microsoft.com/office/drawing/2010/main">
+                <a:solidFill>
+                  <a:srgbClr val="FFFFFF"/>
+                </a:solidFill>
+              </a14:hiddenFill>
+            </a:ext>
+          </a:extLst>
+        </p:spPr>
+      </p:pic>
+      <p:pic>
+        <p:nvPicPr>
+          <p:cNvPr id="4104" name="Picture 8" descr="Hawaii Ironman: A Triathlete's Guide | The Run Bike Swim Guide">
+            <a:extLst>
+              <a:ext uri="{FF2B5EF4-FFF2-40B4-BE49-F238E27FC236}">
+                <a16:creationId xmlns:a16="http://schemas.microsoft.com/office/drawing/2014/main" id="{3EE0F94F-EA74-4777-B6C6-6C6EBBDB261B}"/>
+              </a:ext>
+            </a:extLst>
+          </p:cNvPr>
+          <p:cNvPicPr>
+            <a:picLocks noChangeAspect="1" noChangeArrowheads="1"/>
+          </p:cNvPicPr>
+          <p:nvPr/>
+        </p:nvPicPr>
+        <p:blipFill>
+          <a:blip r:embed="rId5">
+            <a:extLst>
+              <a:ext uri="{28A0092B-C50C-407E-A947-70E740481C1C}">
+                <a14:useLocalDpi xmlns:a14="http://schemas.microsoft.com/office/drawing/2010/main" val="0"/>
+              </a:ext>
+            </a:extLst>
+          </a:blip>
+          <a:srcRect/>
+          <a:stretch>
+            <a:fillRect/>
+          </a:stretch>
+        </p:blipFill>
+        <p:spPr bwMode="auto">
+          <a:xfrm>
+            <a:off x="8197383" y="2282304"/>
+            <a:ext cx="2466975" cy="1847850"/>
+          </a:xfrm>
+          <a:prstGeom prst="rect">
+            <a:avLst/>
+          </a:prstGeom>
+          <a:noFill/>
+          <a:extLst>
+            <a:ext uri="{909E8E84-426E-40DD-AFC4-6F175D3DCCD1}">
+              <a14:hiddenFill xmlns:a14="http://schemas.microsoft.com/office/drawing/2010/main">
+                <a:solidFill>
+                  <a:srgbClr val="FFFFFF"/>
+                </a:solidFill>
+              </a14:hiddenFill>
+            </a:ext>
+          </a:extLst>
+        </p:spPr>
+      </p:pic>
+      <p:pic>
+        <p:nvPicPr>
+          <p:cNvPr id="4" name="Picture 3">
+            <a:extLst>
+              <a:ext uri="{FF2B5EF4-FFF2-40B4-BE49-F238E27FC236}">
+                <a16:creationId xmlns:a16="http://schemas.microsoft.com/office/drawing/2014/main" id="{9AE788A3-461B-454E-92A6-36420CB2492E}"/>
+              </a:ext>
+            </a:extLst>
+          </p:cNvPr>
+          <p:cNvPicPr>
+            <a:picLocks noChangeAspect="1"/>
+          </p:cNvPicPr>
+          <p:nvPr/>
+        </p:nvPicPr>
+        <p:blipFill>
+          <a:blip r:embed="rId6"/>
+          <a:stretch>
+            <a:fillRect/>
+          </a:stretch>
+        </p:blipFill>
+        <p:spPr>
+          <a:xfrm>
+            <a:off x="5049369" y="2327182"/>
+            <a:ext cx="2466975" cy="3037231"/>
+          </a:xfrm>
+          <a:prstGeom prst="rect">
+            <a:avLst/>
+          </a:prstGeom>
+        </p:spPr>
+      </p:pic>
+    </p:spTree>
+    <p:extLst>
+      <p:ext uri="{BB962C8B-B14F-4D97-AF65-F5344CB8AC3E}">
+        <p14:creationId xmlns:p14="http://schemas.microsoft.com/office/powerpoint/2010/main" val="3305129836"/>
+      </p:ext>
+    </p:extLst>
+  </p:cSld>
+  <p:clrMapOvr>
+    <a:masterClrMapping/>
+  </p:clrMapOvr>
+</p:sld>
+</file>
+
+<file path=ppt/slides/slide2.xml><?xml version="1.0" encoding="utf-8"?>
+<p:sld xmlns:a="http://schemas.openxmlformats.org/drawingml/2006/main" xmlns:r="http://schemas.openxmlformats.org/officeDocument/2006/relationships" xmlns:p="http://schemas.openxmlformats.org/presentationml/2006/main">
+  <p:cSld>
+    <p:spTree>
+      <p:nvGrpSpPr>
+        <p:cNvPr id="1" name=""/>
+        <p:cNvGrpSpPr/>
+        <p:nvPr/>
+      </p:nvGrpSpPr>
+      <p:grpSpPr>
+        <a:xfrm>
+          <a:off x="0" y="0"/>
+          <a:ext cx="0" cy="0"/>
+          <a:chOff x="0" y="0"/>
+          <a:chExt cx="0" cy="0"/>
+        </a:xfrm>
+      </p:grpSpPr>
+      <p:sp>
+        <p:nvSpPr>
+          <p:cNvPr id="2" name="Title 1"/>
+          <p:cNvSpPr>
+            <a:spLocks noGrp="1"/>
+          </p:cNvSpPr>
+          <p:nvPr>
+            <p:ph type="title"/>
+          </p:nvPr>
+        </p:nvSpPr>
+        <p:spPr/>
+        <p:txBody>
+          <a:bodyPr/>
+          <a:lstStyle/>
+          <a:p>
+            <a:r>
+              <a:rPr lang="fr-FR" dirty="0"/>
+              <a:t>Content</a:t>
+            </a:r>
           </a:p>
         </p:txBody>
       </p:sp>
@@ -3196,106 +6022,242 @@
           </p:nvPr>
         </p:nvSpPr>
         <p:spPr>
+          <a:xfrm>
+            <a:off x="838200" y="1523713"/>
+            <a:ext cx="10515600" cy="4351338"/>
+          </a:xfrm>
+        </p:spPr>
+        <p:txBody>
+          <a:bodyPr>
+            <a:normAutofit lnSpcReduction="10000"/>
+          </a:bodyPr>
+          <a:lstStyle/>
+          <a:p>
+            <a:r>
+              <a:rPr lang="fr-FR" dirty="0"/>
+              <a:t>Overview</a:t>
+            </a:r>
+          </a:p>
+          <a:p>
+            <a:r>
+              <a:rPr lang="fr-FR" dirty="0"/>
+              <a:t>Datasets Used</a:t>
+            </a:r>
+          </a:p>
+          <a:p>
+            <a:r>
+              <a:rPr lang="fr-FR" dirty="0"/>
+              <a:t>Programs</a:t>
+            </a:r>
+          </a:p>
+          <a:p>
+            <a:r>
+              <a:rPr lang="fr-FR" dirty="0"/>
+              <a:t>Data Transformation</a:t>
+            </a:r>
+          </a:p>
+          <a:p>
+            <a:r>
+              <a:rPr lang="fr-FR" dirty="0"/>
+              <a:t>Graphs, Maps and Charts </a:t>
+            </a:r>
+            <a:r>
+              <a:rPr lang="fr-FR" dirty="0" err="1"/>
+              <a:t>Creation</a:t>
+            </a:r>
+            <a:endParaRPr lang="fr-FR" dirty="0"/>
+          </a:p>
+          <a:p>
+            <a:r>
+              <a:rPr lang="fr-FR" dirty="0"/>
+              <a:t>Graphs, Maps and Charts </a:t>
+            </a:r>
+            <a:r>
+              <a:rPr lang="fr-FR" dirty="0" err="1"/>
+              <a:t>Examples</a:t>
+            </a:r>
+            <a:r>
+              <a:rPr lang="fr-FR" dirty="0"/>
+              <a:t> </a:t>
+            </a:r>
+          </a:p>
+          <a:p>
+            <a:r>
+              <a:rPr lang="fr-FR" dirty="0"/>
+              <a:t>Challenges</a:t>
+            </a:r>
+          </a:p>
+          <a:p>
+            <a:r>
+              <a:rPr lang="fr-FR" dirty="0" err="1"/>
+              <a:t>Further</a:t>
+            </a:r>
+            <a:r>
+              <a:rPr lang="fr-FR" dirty="0"/>
+              <a:t> </a:t>
+            </a:r>
+            <a:r>
+              <a:rPr lang="fr-FR" dirty="0" err="1"/>
+              <a:t>Potential</a:t>
+            </a:r>
+            <a:r>
+              <a:rPr lang="fr-FR" dirty="0"/>
+              <a:t> </a:t>
+            </a:r>
+            <a:r>
+              <a:rPr lang="fr-FR" dirty="0" err="1"/>
+              <a:t>Analysis</a:t>
+            </a:r>
+            <a:endParaRPr lang="fr-FR" dirty="0"/>
+          </a:p>
+          <a:p>
+            <a:r>
+              <a:rPr lang="fr-FR" dirty="0"/>
+              <a:t>Questions</a:t>
+            </a:r>
+          </a:p>
+          <a:p>
+            <a:endParaRPr lang="fr-FR" dirty="0"/>
+          </a:p>
+        </p:txBody>
+      </p:sp>
+      <p:pic>
+        <p:nvPicPr>
+          <p:cNvPr id="5" name="Picture 4">
+            <a:extLst>
+              <a:ext uri="{FF2B5EF4-FFF2-40B4-BE49-F238E27FC236}">
+                <a16:creationId xmlns:a16="http://schemas.microsoft.com/office/drawing/2014/main" id="{3C75B959-9EC8-4C0D-A5B1-FD862322208D}"/>
+              </a:ext>
+            </a:extLst>
+          </p:cNvPr>
+          <p:cNvPicPr>
+            <a:picLocks noChangeAspect="1"/>
+          </p:cNvPicPr>
+          <p:nvPr/>
+        </p:nvPicPr>
+        <p:blipFill>
+          <a:blip r:embed="rId3">
+            <a:extLst>
+              <a:ext uri="{28A0092B-C50C-407E-A947-70E740481C1C}">
+                <a14:useLocalDpi xmlns:a14="http://schemas.microsoft.com/office/drawing/2010/main" val="0"/>
+              </a:ext>
+            </a:extLst>
+          </a:blip>
+          <a:stretch>
+            <a:fillRect/>
+          </a:stretch>
+        </p:blipFill>
+        <p:spPr>
+          <a:xfrm>
+            <a:off x="8763001" y="5761677"/>
+            <a:ext cx="3276598" cy="731198"/>
+          </a:xfrm>
+          <a:prstGeom prst="rect">
+            <a:avLst/>
+          </a:prstGeom>
+        </p:spPr>
+      </p:pic>
+      <p:sp>
+        <p:nvSpPr>
+          <p:cNvPr id="6" name="Rectangle 5">
+            <a:extLst>
+              <a:ext uri="{FF2B5EF4-FFF2-40B4-BE49-F238E27FC236}">
+                <a16:creationId xmlns:a16="http://schemas.microsoft.com/office/drawing/2014/main" id="{9E44F87E-523D-43C9-9026-8EAEEA587F04}"/>
+              </a:ext>
+            </a:extLst>
+          </p:cNvPr>
+          <p:cNvSpPr/>
+          <p:nvPr/>
+        </p:nvSpPr>
+        <p:spPr>
+          <a:xfrm>
+            <a:off x="524437" y="5988424"/>
+            <a:ext cx="8238564" cy="600635"/>
+          </a:xfrm>
+          <a:prstGeom prst="rect">
+            <a:avLst/>
+          </a:prstGeom>
+          <a:solidFill>
+            <a:srgbClr val="D8393E"/>
+          </a:solidFill>
           <a:ln>
-            <a:noFill/>
+            <a:solidFill>
+              <a:srgbClr val="D22D0C"/>
+            </a:solidFill>
           </a:ln>
         </p:spPr>
-        <p:txBody>
-          <a:bodyPr/>
-          <a:lstStyle/>
-          <a:p>
-            <a:r>
-              <a:rPr lang="en-US" dirty="0"/>
-              <a:t>An </a:t>
-            </a:r>
-            <a:r>
-              <a:rPr lang="en-US" b="1" dirty="0"/>
-              <a:t>Ironman Triathlon</a:t>
-            </a:r>
-            <a:r>
-              <a:rPr lang="en-US" dirty="0"/>
-              <a:t> is one of a series of long-distance triathlon races </a:t>
-            </a:r>
-            <a:endParaRPr lang="en-US" dirty="0" smtClean="0"/>
-          </a:p>
-          <a:p>
-            <a:r>
-              <a:rPr lang="en-US" dirty="0" smtClean="0"/>
-              <a:t>It is organized </a:t>
-            </a:r>
-            <a:r>
-              <a:rPr lang="en-US" dirty="0"/>
-              <a:t>by the World Triathlon Corporation (</a:t>
-            </a:r>
-            <a:r>
-              <a:rPr lang="en-US" dirty="0" smtClean="0"/>
-              <a:t>WTC)</a:t>
-            </a:r>
-          </a:p>
-          <a:p>
-            <a:r>
-              <a:rPr lang="en-US" dirty="0" smtClean="0"/>
-              <a:t>It consists of :</a:t>
-            </a:r>
-          </a:p>
-          <a:p>
-            <a:pPr marL="971550" lvl="1" indent="-514350">
-              <a:buFont typeface="+mj-lt"/>
-              <a:buAutoNum type="arabicPeriod"/>
-            </a:pPr>
-            <a:r>
-              <a:rPr lang="en-US" dirty="0" smtClean="0"/>
-              <a:t>2.4-mile </a:t>
-            </a:r>
-            <a:r>
-              <a:rPr lang="en-US" dirty="0"/>
-              <a:t>(3.86 km) </a:t>
-            </a:r>
-            <a:r>
-              <a:rPr lang="en-US" dirty="0" smtClean="0"/>
-              <a:t>swim</a:t>
-            </a:r>
+        <p:style>
+          <a:lnRef idx="2">
+            <a:schemeClr val="accent1">
+              <a:shade val="50000"/>
+            </a:schemeClr>
+          </a:lnRef>
+          <a:fillRef idx="1">
+            <a:schemeClr val="accent1"/>
+          </a:fillRef>
+          <a:effectRef idx="0">
+            <a:schemeClr val="accent1"/>
+          </a:effectRef>
+          <a:fontRef idx="minor">
+            <a:schemeClr val="lt1"/>
+          </a:fontRef>
+        </p:style>
+        <p:txBody>
+          <a:bodyPr rtlCol="0" anchor="ctr"/>
+          <a:lstStyle/>
+          <a:p>
+            <a:pPr algn="ctr"/>
             <a:endParaRPr lang="en-US" dirty="0"/>
           </a:p>
-          <a:p>
-            <a:pPr marL="971550" lvl="1" indent="-514350">
-              <a:buFont typeface="+mj-lt"/>
-              <a:buAutoNum type="arabicPeriod"/>
-            </a:pPr>
-            <a:r>
-              <a:rPr lang="en-US" dirty="0" smtClean="0"/>
-              <a:t>112-mile </a:t>
-            </a:r>
-            <a:r>
-              <a:rPr lang="en-US" dirty="0"/>
-              <a:t>(180.25 km) bicycle ride </a:t>
-            </a:r>
-            <a:r>
-              <a:rPr lang="en-US" dirty="0" smtClean="0"/>
-              <a:t> </a:t>
-            </a:r>
-          </a:p>
-          <a:p>
-            <a:pPr marL="971550" lvl="1" indent="-514350">
-              <a:buFont typeface="+mj-lt"/>
-              <a:buAutoNum type="arabicPeriod"/>
-            </a:pPr>
-            <a:r>
-              <a:rPr lang="en-US" dirty="0" smtClean="0"/>
-              <a:t>26.22-mile </a:t>
-            </a:r>
-            <a:r>
-              <a:rPr lang="en-US" dirty="0"/>
-              <a:t>(42.20 km) </a:t>
-            </a:r>
-            <a:r>
-              <a:rPr lang="en-US" dirty="0" smtClean="0"/>
-              <a:t>run</a:t>
-            </a:r>
-            <a:endParaRPr lang="fr-FR" dirty="0"/>
-          </a:p>
-        </p:txBody>
-      </p:sp>
+        </p:txBody>
+      </p:sp>
+      <p:pic>
+        <p:nvPicPr>
+          <p:cNvPr id="2052" name="Picture 4" descr="Iron man race Logos">
+            <a:extLst>
+              <a:ext uri="{FF2B5EF4-FFF2-40B4-BE49-F238E27FC236}">
+                <a16:creationId xmlns:a16="http://schemas.microsoft.com/office/drawing/2014/main" id="{1C6B5129-382A-4014-99D4-9B9ECDC4CFDB}"/>
+              </a:ext>
+            </a:extLst>
+          </p:cNvPr>
+          <p:cNvPicPr>
+            <a:picLocks noChangeAspect="1" noChangeArrowheads="1"/>
+          </p:cNvPicPr>
+          <p:nvPr/>
+        </p:nvPicPr>
+        <p:blipFill>
+          <a:blip r:embed="rId4">
+            <a:extLst>
+              <a:ext uri="{28A0092B-C50C-407E-A947-70E740481C1C}">
+                <a14:useLocalDpi xmlns:a14="http://schemas.microsoft.com/office/drawing/2010/main" val="0"/>
+              </a:ext>
+            </a:extLst>
+          </a:blip>
+          <a:srcRect/>
+          <a:stretch>
+            <a:fillRect/>
+          </a:stretch>
+        </p:blipFill>
+        <p:spPr bwMode="auto">
+          <a:xfrm>
+            <a:off x="7449671" y="1668574"/>
+            <a:ext cx="3191438" cy="2465540"/>
+          </a:xfrm>
+          <a:prstGeom prst="rect">
+            <a:avLst/>
+          </a:prstGeom>
+          <a:noFill/>
+          <a:extLst>
+            <a:ext uri="{909E8E84-426E-40DD-AFC4-6F175D3DCCD1}">
+              <a14:hiddenFill xmlns:a14="http://schemas.microsoft.com/office/drawing/2010/main">
+                <a:solidFill>
+                  <a:srgbClr val="FFFFFF"/>
+                </a:solidFill>
+              </a14:hiddenFill>
+            </a:ext>
+          </a:extLst>
+        </p:spPr>
+      </p:pic>
     </p:spTree>
     <p:extLst>
       <p:ext uri="{BB962C8B-B14F-4D97-AF65-F5344CB8AC3E}">
@@ -3328,169 +6290,344 @@
       </p:grpSpPr>
       <p:sp>
         <p:nvSpPr>
-          <p:cNvPr id="2" name="Title 1"/>
-          <p:cNvSpPr>
-            <a:spLocks noGrp="1"/>
-          </p:cNvSpPr>
-          <p:nvPr>
-            <p:ph type="title"/>
-          </p:nvPr>
-        </p:nvSpPr>
-        <p:spPr/>
-        <p:txBody>
-          <a:bodyPr/>
-          <a:lstStyle/>
-          <a:p>
-            <a:endParaRPr lang="fr-FR" dirty="0"/>
-          </a:p>
-        </p:txBody>
-      </p:sp>
-      <p:sp>
-        <p:nvSpPr>
-          <p:cNvPr id="3" name="Content Placeholder 2"/>
-          <p:cNvSpPr>
-            <a:spLocks noGrp="1"/>
-          </p:cNvSpPr>
-          <p:nvPr>
-            <p:ph idx="1"/>
-          </p:nvPr>
-        </p:nvSpPr>
-        <p:spPr/>
+          <p:cNvPr id="4" name="Text Placeholder 3">
+            <a:extLst>
+              <a:ext uri="{FF2B5EF4-FFF2-40B4-BE49-F238E27FC236}">
+                <a16:creationId xmlns:a16="http://schemas.microsoft.com/office/drawing/2014/main" id="{D3482CCC-906B-44F0-8CB4-B3BAF762BF10}"/>
+              </a:ext>
+            </a:extLst>
+          </p:cNvPr>
+          <p:cNvSpPr>
+            <a:spLocks noGrp="1"/>
+          </p:cNvSpPr>
+          <p:nvPr>
+            <p:ph type="body" sz="half" idx="2"/>
+          </p:nvPr>
+        </p:nvSpPr>
+        <p:spPr>
+          <a:xfrm>
+            <a:off x="524437" y="2141007"/>
+            <a:ext cx="5276850" cy="3144154"/>
+          </a:xfrm>
+        </p:spPr>
         <p:txBody>
           <a:bodyPr>
+            <a:noAutofit/>
+          </a:bodyPr>
+          <a:lstStyle/>
+          <a:p>
+            <a:pPr marL="285750" indent="-285750">
+              <a:buFont typeface="Arial" panose="020B0604020202020204" pitchFamily="34" charset="0"/>
+              <a:buChar char="•"/>
+            </a:pPr>
+            <a:r>
+              <a:rPr lang="en-US" sz="2800" dirty="0"/>
+              <a:t>Project looked at 2019 Ironman World Championship results.</a:t>
+            </a:r>
+          </a:p>
+          <a:p>
+            <a:pPr marL="285750" indent="-285750">
+              <a:buFont typeface="Arial" panose="020B0604020202020204" pitchFamily="34" charset="0"/>
+              <a:buChar char="•"/>
+            </a:pPr>
+            <a:r>
+              <a:rPr lang="en-US" sz="2800" dirty="0"/>
+              <a:t>Goal to be able to have an interactive dashboard that displayed results based on competition divisional classes.</a:t>
+            </a:r>
+          </a:p>
+        </p:txBody>
+      </p:sp>
+      <p:sp>
+        <p:nvSpPr>
+          <p:cNvPr id="9" name="Title 1">
+            <a:extLst>
+              <a:ext uri="{FF2B5EF4-FFF2-40B4-BE49-F238E27FC236}">
+                <a16:creationId xmlns:a16="http://schemas.microsoft.com/office/drawing/2014/main" id="{D30D6DD2-E578-4FC4-968B-8C086783A42C}"/>
+              </a:ext>
+            </a:extLst>
+          </p:cNvPr>
+          <p:cNvSpPr txBox="1">
+            <a:spLocks/>
+          </p:cNvSpPr>
+          <p:nvPr/>
+        </p:nvSpPr>
+        <p:spPr>
+          <a:xfrm>
+            <a:off x="838200" y="365125"/>
+            <a:ext cx="10515600" cy="731199"/>
+          </a:xfrm>
+          <a:prstGeom prst="rect">
+            <a:avLst/>
+          </a:prstGeom>
+        </p:spPr>
+        <p:txBody>
+          <a:bodyPr vert="horz" lIns="91440" tIns="45720" rIns="91440" bIns="45720" rtlCol="0" anchor="b">
             <a:normAutofit/>
           </a:bodyPr>
-          <a:lstStyle/>
-          <a:p>
-            <a:r>
-              <a:rPr lang="en-US" dirty="0" smtClean="0"/>
-              <a:t>Dataset: </a:t>
-            </a:r>
-            <a:r>
-              <a:rPr lang="en-US" dirty="0" err="1"/>
-              <a:t>Kaggle</a:t>
-            </a:r>
-            <a:r>
-              <a:rPr lang="en-US" dirty="0"/>
-              <a:t> CSV, and a countries CSV found on </a:t>
-            </a:r>
-            <a:r>
-              <a:rPr lang="en-US" dirty="0" err="1"/>
-              <a:t>git</a:t>
-            </a:r>
-            <a:r>
-              <a:rPr lang="en-US" dirty="0"/>
-              <a:t> hub. </a:t>
-            </a:r>
-          </a:p>
-          <a:p>
-            <a:r>
-              <a:rPr lang="en-US" dirty="0" err="1"/>
-              <a:t>Git</a:t>
-            </a:r>
-            <a:r>
-              <a:rPr lang="en-US" dirty="0"/>
-              <a:t> Hub </a:t>
-            </a:r>
-            <a:r>
-              <a:rPr lang="en-US" dirty="0" smtClean="0"/>
-              <a:t>Location: </a:t>
-            </a:r>
-            <a:r>
-              <a:rPr lang="en-US" dirty="0"/>
-              <a:t>https://github.com/rmaher314/Project2.git</a:t>
-            </a:r>
-          </a:p>
-          <a:p>
-            <a:r>
-              <a:rPr lang="en-US" dirty="0"/>
-              <a:t>Rationale of </a:t>
-            </a:r>
-            <a:r>
-              <a:rPr lang="en-US" dirty="0" smtClean="0"/>
-              <a:t>Project: This </a:t>
-            </a:r>
-            <a:r>
-              <a:rPr lang="en-US" dirty="0"/>
-              <a:t>is where we can put in our data info</a:t>
-            </a:r>
-          </a:p>
-          <a:p>
-            <a:r>
-              <a:rPr lang="en-US" dirty="0"/>
-              <a:t>Project </a:t>
-            </a:r>
-            <a:r>
-              <a:rPr lang="en-US" dirty="0" smtClean="0"/>
-              <a:t>Track: </a:t>
-            </a:r>
-            <a:r>
-              <a:rPr lang="en-US" dirty="0"/>
-              <a:t>Interactive dashboard with multiple charts that update from the </a:t>
-            </a:r>
-            <a:r>
-              <a:rPr lang="en-US" dirty="0" smtClean="0"/>
-              <a:t>same </a:t>
-            </a:r>
-            <a:r>
-              <a:rPr lang="en-US" dirty="0"/>
-              <a:t>data. </a:t>
-            </a:r>
-          </a:p>
-          <a:p>
-            <a:r>
-              <a:rPr lang="en-US" dirty="0"/>
-              <a:t>Images of Visual </a:t>
-            </a:r>
-            <a:r>
-              <a:rPr lang="en-US" dirty="0" smtClean="0"/>
-              <a:t>Types: We </a:t>
-            </a:r>
-            <a:r>
-              <a:rPr lang="en-US" dirty="0"/>
-              <a:t>can grab images once we have a firmed-up </a:t>
-            </a:r>
-            <a:r>
-              <a:rPr lang="en-US" dirty="0" smtClean="0"/>
-              <a:t>approach to </a:t>
-            </a:r>
-            <a:r>
-              <a:rPr lang="en-US" dirty="0"/>
-              <a:t>the data.</a:t>
-            </a:r>
-          </a:p>
-          <a:p>
-            <a:r>
-              <a:rPr lang="en-US" dirty="0"/>
-              <a:t>Mapping the location of 2019 </a:t>
-            </a:r>
-            <a:r>
-              <a:rPr lang="en-US" dirty="0" smtClean="0"/>
-              <a:t>Participants</a:t>
-            </a:r>
-          </a:p>
-          <a:p>
-            <a:r>
-              <a:rPr lang="en-US" dirty="0"/>
-              <a:t>Looking at the three stages (Swim, Bike, Run</a:t>
-            </a:r>
-            <a:r>
-              <a:rPr lang="en-US" dirty="0" smtClean="0"/>
-              <a:t>)</a:t>
-            </a:r>
-          </a:p>
-          <a:p>
-            <a:endParaRPr lang="en-US" dirty="0" smtClean="0"/>
-          </a:p>
-          <a:p>
-            <a:endParaRPr lang="fr-FR" dirty="0"/>
-          </a:p>
-        </p:txBody>
-      </p:sp>
+          <a:lstStyle>
+            <a:lvl1pPr algn="l" defTabSz="914400" rtl="0" eaLnBrk="1" latinLnBrk="0" hangingPunct="1">
+              <a:lnSpc>
+                <a:spcPct val="90000"/>
+              </a:lnSpc>
+              <a:spcBef>
+                <a:spcPct val="0"/>
+              </a:spcBef>
+              <a:buNone/>
+              <a:defRPr sz="3200" kern="1200">
+                <a:solidFill>
+                  <a:schemeClr val="tx1"/>
+                </a:solidFill>
+                <a:latin typeface="+mj-lt"/>
+                <a:ea typeface="+mj-ea"/>
+                <a:cs typeface="+mj-cs"/>
+              </a:defRPr>
+            </a:lvl1pPr>
+          </a:lstStyle>
+          <a:p>
+            <a:r>
+              <a:rPr lang="fr-FR" b="1" dirty="0"/>
+              <a:t>Overview</a:t>
+            </a:r>
+          </a:p>
+        </p:txBody>
+      </p:sp>
+      <p:pic>
+        <p:nvPicPr>
+          <p:cNvPr id="13" name="Picture 12">
+            <a:extLst>
+              <a:ext uri="{FF2B5EF4-FFF2-40B4-BE49-F238E27FC236}">
+                <a16:creationId xmlns:a16="http://schemas.microsoft.com/office/drawing/2014/main" id="{4E7F5568-AC7F-459B-B903-42A79EBBB224}"/>
+              </a:ext>
+            </a:extLst>
+          </p:cNvPr>
+          <p:cNvPicPr>
+            <a:picLocks noChangeAspect="1"/>
+          </p:cNvPicPr>
+          <p:nvPr/>
+        </p:nvPicPr>
+        <p:blipFill>
+          <a:blip r:embed="rId3">
+            <a:extLst>
+              <a:ext uri="{28A0092B-C50C-407E-A947-70E740481C1C}">
+                <a14:useLocalDpi xmlns:a14="http://schemas.microsoft.com/office/drawing/2010/main" val="0"/>
+              </a:ext>
+            </a:extLst>
+          </a:blip>
+          <a:stretch>
+            <a:fillRect/>
+          </a:stretch>
+        </p:blipFill>
+        <p:spPr>
+          <a:xfrm>
+            <a:off x="8763001" y="5761677"/>
+            <a:ext cx="3276598" cy="731198"/>
+          </a:xfrm>
+          <a:prstGeom prst="rect">
+            <a:avLst/>
+          </a:prstGeom>
+        </p:spPr>
+      </p:pic>
+      <p:sp>
+        <p:nvSpPr>
+          <p:cNvPr id="14" name="Rectangle 13">
+            <a:extLst>
+              <a:ext uri="{FF2B5EF4-FFF2-40B4-BE49-F238E27FC236}">
+                <a16:creationId xmlns:a16="http://schemas.microsoft.com/office/drawing/2014/main" id="{DC72048F-2697-47D4-93CB-F2536A35B0B2}"/>
+              </a:ext>
+            </a:extLst>
+          </p:cNvPr>
+          <p:cNvSpPr/>
+          <p:nvPr/>
+        </p:nvSpPr>
+        <p:spPr>
+          <a:xfrm>
+            <a:off x="524437" y="5988424"/>
+            <a:ext cx="8238564" cy="600635"/>
+          </a:xfrm>
+          <a:prstGeom prst="rect">
+            <a:avLst/>
+          </a:prstGeom>
+          <a:solidFill>
+            <a:srgbClr val="D8393E"/>
+          </a:solidFill>
+          <a:ln>
+            <a:solidFill>
+              <a:srgbClr val="D22D0C"/>
+            </a:solidFill>
+          </a:ln>
+        </p:spPr>
+        <p:style>
+          <a:lnRef idx="2">
+            <a:schemeClr val="accent1">
+              <a:shade val="50000"/>
+            </a:schemeClr>
+          </a:lnRef>
+          <a:fillRef idx="1">
+            <a:schemeClr val="accent1"/>
+          </a:fillRef>
+          <a:effectRef idx="0">
+            <a:schemeClr val="accent1"/>
+          </a:effectRef>
+          <a:fontRef idx="minor">
+            <a:schemeClr val="lt1"/>
+          </a:fontRef>
+        </p:style>
+        <p:txBody>
+          <a:bodyPr rtlCol="0" anchor="ctr"/>
+          <a:lstStyle/>
+          <a:p>
+            <a:pPr algn="ctr"/>
+            <a:endParaRPr lang="en-US" dirty="0"/>
+          </a:p>
+        </p:txBody>
+      </p:sp>
+      <p:pic>
+        <p:nvPicPr>
+          <p:cNvPr id="3076" name="Picture 4">
+            <a:extLst>
+              <a:ext uri="{FF2B5EF4-FFF2-40B4-BE49-F238E27FC236}">
+                <a16:creationId xmlns:a16="http://schemas.microsoft.com/office/drawing/2014/main" id="{6F075D59-B374-4B89-9D8F-DC5C03A92463}"/>
+              </a:ext>
+            </a:extLst>
+          </p:cNvPr>
+          <p:cNvPicPr>
+            <a:picLocks noChangeAspect="1" noChangeArrowheads="1"/>
+          </p:cNvPicPr>
+          <p:nvPr/>
+        </p:nvPicPr>
+        <p:blipFill>
+          <a:blip r:embed="rId4">
+            <a:extLst>
+              <a:ext uri="{28A0092B-C50C-407E-A947-70E740481C1C}">
+                <a14:useLocalDpi xmlns:a14="http://schemas.microsoft.com/office/drawing/2010/main" val="0"/>
+              </a:ext>
+            </a:extLst>
+          </a:blip>
+          <a:srcRect/>
+          <a:stretch>
+            <a:fillRect/>
+          </a:stretch>
+        </p:blipFill>
+        <p:spPr bwMode="auto">
+          <a:xfrm>
+            <a:off x="8410015" y="3736852"/>
+            <a:ext cx="3338232" cy="1869410"/>
+          </a:xfrm>
+          <a:prstGeom prst="rect">
+            <a:avLst/>
+          </a:prstGeom>
+          <a:noFill/>
+          <a:extLst>
+            <a:ext uri="{909E8E84-426E-40DD-AFC4-6F175D3DCCD1}">
+              <a14:hiddenFill xmlns:a14="http://schemas.microsoft.com/office/drawing/2010/main">
+                <a:solidFill>
+                  <a:srgbClr val="FFFFFF"/>
+                </a:solidFill>
+              </a14:hiddenFill>
+            </a:ext>
+          </a:extLst>
+        </p:spPr>
+      </p:pic>
+      <p:pic>
+        <p:nvPicPr>
+          <p:cNvPr id="3080" name="Picture 8" descr="IRONMAN African Championship - Anything is Possible">
+            <a:extLst>
+              <a:ext uri="{FF2B5EF4-FFF2-40B4-BE49-F238E27FC236}">
+                <a16:creationId xmlns:a16="http://schemas.microsoft.com/office/drawing/2014/main" id="{4069BF2E-479D-4F12-945E-FF73F213F855}"/>
+              </a:ext>
+            </a:extLst>
+          </p:cNvPr>
+          <p:cNvPicPr>
+            <a:picLocks noGrp="1" noChangeAspect="1" noChangeArrowheads="1"/>
+          </p:cNvPicPr>
+          <p:nvPr>
+            <p:ph idx="1"/>
+          </p:nvPr>
+        </p:nvPicPr>
+        <p:blipFill>
+          <a:blip r:embed="rId5">
+            <a:extLst>
+              <a:ext uri="{28A0092B-C50C-407E-A947-70E740481C1C}">
+                <a14:useLocalDpi xmlns:a14="http://schemas.microsoft.com/office/drawing/2010/main" val="0"/>
+              </a:ext>
+            </a:extLst>
+          </a:blip>
+          <a:srcRect/>
+          <a:stretch>
+            <a:fillRect/>
+          </a:stretch>
+        </p:blipFill>
+        <p:spPr bwMode="auto">
+          <a:xfrm>
+            <a:off x="5251264" y="1019858"/>
+            <a:ext cx="3705225" cy="1228725"/>
+          </a:xfrm>
+          <a:prstGeom prst="rect">
+            <a:avLst/>
+          </a:prstGeom>
+          <a:noFill/>
+          <a:extLst>
+            <a:ext uri="{909E8E84-426E-40DD-AFC4-6F175D3DCCD1}">
+              <a14:hiddenFill xmlns:a14="http://schemas.microsoft.com/office/drawing/2010/main">
+                <a:solidFill>
+                  <a:srgbClr val="FFFFFF"/>
+                </a:solidFill>
+              </a14:hiddenFill>
+            </a:ext>
+          </a:extLst>
+        </p:spPr>
+      </p:pic>
+      <p:pic>
+        <p:nvPicPr>
+          <p:cNvPr id="3084" name="Picture 12" descr="You Are an Ironman — By Jacques Steinberg — Book Review - The New York Times">
+            <a:extLst>
+              <a:ext uri="{FF2B5EF4-FFF2-40B4-BE49-F238E27FC236}">
+                <a16:creationId xmlns:a16="http://schemas.microsoft.com/office/drawing/2014/main" id="{211E8BDE-9955-4976-8A09-F4909651871A}"/>
+              </a:ext>
+            </a:extLst>
+          </p:cNvPr>
+          <p:cNvPicPr>
+            <a:picLocks noChangeAspect="1" noChangeArrowheads="1"/>
+          </p:cNvPicPr>
+          <p:nvPr/>
+        </p:nvPicPr>
+        <p:blipFill>
+          <a:blip r:embed="rId6">
+            <a:extLst>
+              <a:ext uri="{28A0092B-C50C-407E-A947-70E740481C1C}">
+                <a14:useLocalDpi xmlns:a14="http://schemas.microsoft.com/office/drawing/2010/main" val="0"/>
+              </a:ext>
+            </a:extLst>
+          </a:blip>
+          <a:srcRect/>
+          <a:stretch>
+            <a:fillRect/>
+          </a:stretch>
+        </p:blipFill>
+        <p:spPr bwMode="auto">
+          <a:xfrm>
+            <a:off x="6914590" y="2141007"/>
+            <a:ext cx="2800350" cy="1628775"/>
+          </a:xfrm>
+          <a:prstGeom prst="rect">
+            <a:avLst/>
+          </a:prstGeom>
+          <a:noFill/>
+          <a:extLst>
+            <a:ext uri="{909E8E84-426E-40DD-AFC4-6F175D3DCCD1}">
+              <a14:hiddenFill xmlns:a14="http://schemas.microsoft.com/office/drawing/2010/main">
+                <a:solidFill>
+                  <a:srgbClr val="FFFFFF"/>
+                </a:solidFill>
+              </a14:hiddenFill>
+            </a:ext>
+          </a:extLst>
+        </p:spPr>
+      </p:pic>
     </p:spTree>
     <p:extLst>
       <p:ext uri="{BB962C8B-B14F-4D97-AF65-F5344CB8AC3E}">
-        <p14:creationId xmlns:p14="http://schemas.microsoft.com/office/powerpoint/2010/main" val="1314933577"/>
+        <p14:creationId xmlns:p14="http://schemas.microsoft.com/office/powerpoint/2010/main" val="458735643"/>
       </p:ext>
     </p:extLst>
   </p:cSld>
@@ -3519,7 +6656,13 @@
       </p:grpSpPr>
       <p:sp>
         <p:nvSpPr>
-          <p:cNvPr id="2" name="Title 1"/>
+          <p:cNvPr id="2" name="Title 1">
+            <a:extLst>
+              <a:ext uri="{FF2B5EF4-FFF2-40B4-BE49-F238E27FC236}">
+                <a16:creationId xmlns:a16="http://schemas.microsoft.com/office/drawing/2014/main" id="{21732CC2-F085-4695-B959-C7846E1C4178}"/>
+              </a:ext>
+            </a:extLst>
+          </p:cNvPr>
           <p:cNvSpPr>
             <a:spLocks noGrp="1"/>
           </p:cNvSpPr>
@@ -3533,73 +6676,322 @@
           <a:lstStyle/>
           <a:p>
             <a:r>
-              <a:rPr lang="en-US" dirty="0" smtClean="0"/>
-              <a:t>Visualization 1: Mapping </a:t>
-            </a:r>
-            <a:r>
               <a:rPr lang="en-US" dirty="0"/>
-              <a:t>the location of 2019 Participants</a:t>
-            </a:r>
-            <a:endParaRPr lang="fr-FR" dirty="0"/>
-          </a:p>
-        </p:txBody>
-      </p:sp>
-      <p:sp>
-        <p:nvSpPr>
-          <p:cNvPr id="3" name="Content Placeholder 2"/>
-          <p:cNvSpPr>
-            <a:spLocks noGrp="1"/>
-          </p:cNvSpPr>
-          <p:nvPr>
-            <p:ph idx="1"/>
-          </p:nvPr>
-        </p:nvSpPr>
-        <p:spPr/>
-        <p:txBody>
-          <a:bodyPr/>
-          <a:lstStyle/>
-          <a:p>
-            <a:r>
-              <a:rPr lang="en-US" dirty="0" smtClean="0"/>
-              <a:t>The size </a:t>
-            </a:r>
+              <a:t>Datasets Used</a:t>
+            </a:r>
+          </a:p>
+        </p:txBody>
+      </p:sp>
+      <p:pic>
+        <p:nvPicPr>
+          <p:cNvPr id="6" name="Picture 5">
+            <a:extLst>
+              <a:ext uri="{FF2B5EF4-FFF2-40B4-BE49-F238E27FC236}">
+                <a16:creationId xmlns:a16="http://schemas.microsoft.com/office/drawing/2014/main" id="{7C335CA0-7CBA-48A6-85A6-956E3EFA6315}"/>
+              </a:ext>
+            </a:extLst>
+          </p:cNvPr>
+          <p:cNvPicPr>
+            <a:picLocks noChangeAspect="1"/>
+          </p:cNvPicPr>
+          <p:nvPr/>
+        </p:nvPicPr>
+        <p:blipFill>
+          <a:blip r:embed="rId3">
+            <a:extLst>
+              <a:ext uri="{28A0092B-C50C-407E-A947-70E740481C1C}">
+                <a14:useLocalDpi xmlns:a14="http://schemas.microsoft.com/office/drawing/2010/main" val="0"/>
+              </a:ext>
+            </a:extLst>
+          </a:blip>
+          <a:stretch>
+            <a:fillRect/>
+          </a:stretch>
+        </p:blipFill>
+        <p:spPr>
+          <a:xfrm>
+            <a:off x="8763001" y="5761677"/>
+            <a:ext cx="3276598" cy="731198"/>
+          </a:xfrm>
+          <a:prstGeom prst="rect">
+            <a:avLst/>
+          </a:prstGeom>
+        </p:spPr>
+      </p:pic>
+      <p:sp>
+        <p:nvSpPr>
+          <p:cNvPr id="7" name="Rectangle 6">
+            <a:extLst>
+              <a:ext uri="{FF2B5EF4-FFF2-40B4-BE49-F238E27FC236}">
+                <a16:creationId xmlns:a16="http://schemas.microsoft.com/office/drawing/2014/main" id="{019DEAC8-8E27-488D-8E04-CCC39D6F8B21}"/>
+              </a:ext>
+            </a:extLst>
+          </p:cNvPr>
+          <p:cNvSpPr/>
+          <p:nvPr/>
+        </p:nvSpPr>
+        <p:spPr>
+          <a:xfrm>
+            <a:off x="524437" y="5988424"/>
+            <a:ext cx="8238564" cy="600635"/>
+          </a:xfrm>
+          <a:prstGeom prst="rect">
+            <a:avLst/>
+          </a:prstGeom>
+          <a:solidFill>
+            <a:srgbClr val="D8393E"/>
+          </a:solidFill>
+          <a:ln>
+            <a:solidFill>
+              <a:srgbClr val="D22D0C"/>
+            </a:solidFill>
+          </a:ln>
+        </p:spPr>
+        <p:style>
+          <a:lnRef idx="2">
+            <a:schemeClr val="accent1">
+              <a:shade val="50000"/>
+            </a:schemeClr>
+          </a:lnRef>
+          <a:fillRef idx="1">
+            <a:schemeClr val="accent1"/>
+          </a:fillRef>
+          <a:effectRef idx="0">
+            <a:schemeClr val="accent1"/>
+          </a:effectRef>
+          <a:fontRef idx="minor">
+            <a:schemeClr val="lt1"/>
+          </a:fontRef>
+        </p:style>
+        <p:txBody>
+          <a:bodyPr rtlCol="0" anchor="ctr"/>
+          <a:lstStyle/>
+          <a:p>
+            <a:pPr algn="ctr"/>
+            <a:endParaRPr lang="en-US" dirty="0"/>
+          </a:p>
+        </p:txBody>
+      </p:sp>
+      <p:sp>
+        <p:nvSpPr>
+          <p:cNvPr id="8" name="TextBox 7">
+            <a:extLst>
+              <a:ext uri="{FF2B5EF4-FFF2-40B4-BE49-F238E27FC236}">
+                <a16:creationId xmlns:a16="http://schemas.microsoft.com/office/drawing/2014/main" id="{6F038F1C-102D-46E6-8C3D-0BE2A2CBB88D}"/>
+              </a:ext>
+            </a:extLst>
+          </p:cNvPr>
+          <p:cNvSpPr txBox="1"/>
+          <p:nvPr/>
+        </p:nvSpPr>
+        <p:spPr>
+          <a:xfrm>
+            <a:off x="654423" y="1678082"/>
+            <a:ext cx="4948518" cy="3139321"/>
+          </a:xfrm>
+          <a:prstGeom prst="rect">
+            <a:avLst/>
+          </a:prstGeom>
+          <a:noFill/>
+        </p:spPr>
+        <p:txBody>
+          <a:bodyPr wrap="square" rtlCol="0">
+            <a:spAutoFit/>
+          </a:bodyPr>
+          <a:lstStyle/>
+          <a:p>
             <a:r>
               <a:rPr lang="en-US" dirty="0"/>
-              <a:t>of </a:t>
-            </a:r>
-            <a:r>
-              <a:rPr lang="en-US" dirty="0" smtClean="0"/>
-              <a:t>the dots are </a:t>
+              <a:t>For this project we utilized two separate csv.</a:t>
+            </a:r>
+          </a:p>
+          <a:p>
+            <a:pPr marL="285750" indent="-285750">
+              <a:buFont typeface="Arial" panose="020B0604020202020204" pitchFamily="34" charset="0"/>
+              <a:buChar char="•"/>
+            </a:pPr>
+            <a:r>
+              <a:rPr lang="en-US" b="1" dirty="0"/>
+              <a:t>2019_Ironman_World_Championship_Results </a:t>
             </a:r>
             <a:r>
               <a:rPr lang="en-US" dirty="0"/>
-              <a:t>based on total participants by division from country </a:t>
-            </a:r>
+              <a:t>– This information was obtained form Kaggle</a:t>
+            </a:r>
+          </a:p>
+          <a:p>
+            <a:pPr marL="285750" indent="-285750">
+              <a:buFont typeface="Arial" panose="020B0604020202020204" pitchFamily="34" charset="0"/>
+              <a:buChar char="•"/>
+            </a:pPr>
+            <a:r>
+              <a:rPr lang="en-US" b="1" dirty="0"/>
+              <a:t>countries_codes_and_coordinates </a:t>
+            </a:r>
+            <a:r>
+              <a:rPr lang="en-US" dirty="0"/>
+              <a:t>– This information was obtained from a git hub country reference.</a:t>
+            </a:r>
+          </a:p>
+          <a:p>
+            <a:pPr marL="285750" indent="-285750">
+              <a:buFont typeface="Arial" panose="020B0604020202020204" pitchFamily="34" charset="0"/>
+              <a:buChar char="•"/>
+            </a:pPr>
             <a:endParaRPr lang="en-US" dirty="0"/>
           </a:p>
           <a:p>
             <a:r>
               <a:rPr lang="en-US" dirty="0"/>
-              <a:t>C</a:t>
-            </a:r>
-            <a:r>
-              <a:rPr lang="en-US" dirty="0" smtClean="0"/>
-              <a:t>olor gradient are </a:t>
-            </a:r>
+              <a:t>The Kaggle document provided a 3 alpha code for the country, the second csv had that country code, the full country name and the average latitude and longitude for each country for additional analysis.  </a:t>
+            </a:r>
+          </a:p>
+        </p:txBody>
+      </p:sp>
+      <p:pic>
+        <p:nvPicPr>
+          <p:cNvPr id="10" name="Picture 9">
+            <a:extLst>
+              <a:ext uri="{FF2B5EF4-FFF2-40B4-BE49-F238E27FC236}">
+                <a16:creationId xmlns:a16="http://schemas.microsoft.com/office/drawing/2014/main" id="{C0C7E3E7-CFDC-47E1-8C39-71DE0DF754F4}"/>
+              </a:ext>
+            </a:extLst>
+          </p:cNvPr>
+          <p:cNvPicPr>
+            <a:picLocks noChangeAspect="1"/>
+          </p:cNvPicPr>
+          <p:nvPr/>
+        </p:nvPicPr>
+        <p:blipFill>
+          <a:blip r:embed="rId4"/>
+          <a:stretch>
+            <a:fillRect/>
+          </a:stretch>
+        </p:blipFill>
+        <p:spPr>
+          <a:xfrm>
+            <a:off x="6212541" y="957081"/>
+            <a:ext cx="5827058" cy="1851588"/>
+          </a:xfrm>
+          <a:prstGeom prst="rect">
+            <a:avLst/>
+          </a:prstGeom>
+          <a:ln>
+            <a:solidFill>
+              <a:schemeClr val="tx1"/>
+            </a:solidFill>
+          </a:ln>
+        </p:spPr>
+      </p:pic>
+      <p:pic>
+        <p:nvPicPr>
+          <p:cNvPr id="12" name="Picture 11">
+            <a:extLst>
+              <a:ext uri="{FF2B5EF4-FFF2-40B4-BE49-F238E27FC236}">
+                <a16:creationId xmlns:a16="http://schemas.microsoft.com/office/drawing/2014/main" id="{70BD3AE6-84AF-40DC-B1CD-7937816B2AB8}"/>
+              </a:ext>
+            </a:extLst>
+          </p:cNvPr>
+          <p:cNvPicPr>
+            <a:picLocks noChangeAspect="1"/>
+          </p:cNvPicPr>
+          <p:nvPr/>
+        </p:nvPicPr>
+        <p:blipFill>
+          <a:blip r:embed="rId5"/>
+          <a:stretch>
+            <a:fillRect/>
+          </a:stretch>
+        </p:blipFill>
+        <p:spPr>
+          <a:xfrm>
+            <a:off x="6212540" y="3443033"/>
+            <a:ext cx="5432610" cy="1597826"/>
+          </a:xfrm>
+          <a:prstGeom prst="rect">
+            <a:avLst/>
+          </a:prstGeom>
+          <a:ln>
+            <a:solidFill>
+              <a:schemeClr val="tx1"/>
+            </a:solidFill>
+          </a:ln>
+        </p:spPr>
+      </p:pic>
+      <p:sp>
+        <p:nvSpPr>
+          <p:cNvPr id="13" name="TextBox 12">
+            <a:extLst>
+              <a:ext uri="{FF2B5EF4-FFF2-40B4-BE49-F238E27FC236}">
+                <a16:creationId xmlns:a16="http://schemas.microsoft.com/office/drawing/2014/main" id="{83DF1B66-EA2D-4260-9DCF-F3F8DCA0D4B7}"/>
+              </a:ext>
+            </a:extLst>
+          </p:cNvPr>
+          <p:cNvSpPr txBox="1"/>
+          <p:nvPr/>
+        </p:nvSpPr>
+        <p:spPr>
+          <a:xfrm>
+            <a:off x="6212540" y="570706"/>
+            <a:ext cx="5432610" cy="369332"/>
+          </a:xfrm>
+          <a:prstGeom prst="rect">
+            <a:avLst/>
+          </a:prstGeom>
+          <a:noFill/>
+        </p:spPr>
+        <p:txBody>
+          <a:bodyPr wrap="square" rtlCol="0">
+            <a:spAutoFit/>
+          </a:bodyPr>
+          <a:lstStyle/>
+          <a:p>
             <a:r>
               <a:rPr lang="en-US" dirty="0"/>
-              <a:t>based on percentage ranked. </a:t>
-            </a:r>
-          </a:p>
-          <a:p>
-            <a:endParaRPr lang="fr-FR" dirty="0"/>
+              <a:t>2019 Ironman World Championship – Data Example</a:t>
+            </a:r>
+          </a:p>
+        </p:txBody>
+      </p:sp>
+      <p:sp>
+        <p:nvSpPr>
+          <p:cNvPr id="14" name="TextBox 13">
+            <a:extLst>
+              <a:ext uri="{FF2B5EF4-FFF2-40B4-BE49-F238E27FC236}">
+                <a16:creationId xmlns:a16="http://schemas.microsoft.com/office/drawing/2014/main" id="{BF277C98-07A2-4F65-8FD5-FD68408C490B}"/>
+              </a:ext>
+            </a:extLst>
+          </p:cNvPr>
+          <p:cNvSpPr txBox="1"/>
+          <p:nvPr/>
+        </p:nvSpPr>
+        <p:spPr>
+          <a:xfrm>
+            <a:off x="6212540" y="3073701"/>
+            <a:ext cx="3792071" cy="369332"/>
+          </a:xfrm>
+          <a:prstGeom prst="rect">
+            <a:avLst/>
+          </a:prstGeom>
+          <a:noFill/>
+        </p:spPr>
+        <p:txBody>
+          <a:bodyPr wrap="square" rtlCol="0">
+            <a:spAutoFit/>
+          </a:bodyPr>
+          <a:lstStyle/>
+          <a:p>
+            <a:r>
+              <a:rPr lang="en-US" dirty="0"/>
+              <a:t>Country – Data Example</a:t>
+            </a:r>
           </a:p>
         </p:txBody>
       </p:sp>
     </p:spTree>
     <p:extLst>
       <p:ext uri="{BB962C8B-B14F-4D97-AF65-F5344CB8AC3E}">
-        <p14:creationId xmlns:p14="http://schemas.microsoft.com/office/powerpoint/2010/main" val="4116551248"/>
+        <p14:creationId xmlns:p14="http://schemas.microsoft.com/office/powerpoint/2010/main" val="3339375640"/>
       </p:ext>
     </p:extLst>
   </p:cSld>
@@ -3628,7 +7020,13 @@
       </p:grpSpPr>
       <p:sp>
         <p:nvSpPr>
-          <p:cNvPr id="2" name="Title 1"/>
+          <p:cNvPr id="2" name="Title 1">
+            <a:extLst>
+              <a:ext uri="{FF2B5EF4-FFF2-40B4-BE49-F238E27FC236}">
+                <a16:creationId xmlns:a16="http://schemas.microsoft.com/office/drawing/2014/main" id="{21732CC2-F085-4695-B959-C7846E1C4178}"/>
+              </a:ext>
+            </a:extLst>
+          </p:cNvPr>
           <p:cNvSpPr>
             <a:spLocks noGrp="1"/>
           </p:cNvSpPr>
@@ -3642,54 +7040,648 @@
           <a:lstStyle/>
           <a:p>
             <a:r>
-              <a:rPr lang="en-US" dirty="0" smtClean="0"/>
-              <a:t>Visualization 2: Looking </a:t>
-            </a:r>
+              <a:rPr lang="fr-FR" dirty="0"/>
+              <a:t>Programs</a:t>
+            </a:r>
+          </a:p>
+        </p:txBody>
+      </p:sp>
+      <p:pic>
+        <p:nvPicPr>
+          <p:cNvPr id="6" name="Picture 5">
+            <a:extLst>
+              <a:ext uri="{FF2B5EF4-FFF2-40B4-BE49-F238E27FC236}">
+                <a16:creationId xmlns:a16="http://schemas.microsoft.com/office/drawing/2014/main" id="{7C335CA0-7CBA-48A6-85A6-956E3EFA6315}"/>
+              </a:ext>
+            </a:extLst>
+          </p:cNvPr>
+          <p:cNvPicPr>
+            <a:picLocks noChangeAspect="1"/>
+          </p:cNvPicPr>
+          <p:nvPr/>
+        </p:nvPicPr>
+        <p:blipFill>
+          <a:blip r:embed="rId3">
+            <a:extLst>
+              <a:ext uri="{28A0092B-C50C-407E-A947-70E740481C1C}">
+                <a14:useLocalDpi xmlns:a14="http://schemas.microsoft.com/office/drawing/2010/main" val="0"/>
+              </a:ext>
+            </a:extLst>
+          </a:blip>
+          <a:stretch>
+            <a:fillRect/>
+          </a:stretch>
+        </p:blipFill>
+        <p:spPr>
+          <a:xfrm>
+            <a:off x="8763001" y="5761677"/>
+            <a:ext cx="3276598" cy="731198"/>
+          </a:xfrm>
+          <a:prstGeom prst="rect">
+            <a:avLst/>
+          </a:prstGeom>
+        </p:spPr>
+      </p:pic>
+      <p:sp>
+        <p:nvSpPr>
+          <p:cNvPr id="7" name="Rectangle 6">
+            <a:extLst>
+              <a:ext uri="{FF2B5EF4-FFF2-40B4-BE49-F238E27FC236}">
+                <a16:creationId xmlns:a16="http://schemas.microsoft.com/office/drawing/2014/main" id="{019DEAC8-8E27-488D-8E04-CCC39D6F8B21}"/>
+              </a:ext>
+            </a:extLst>
+          </p:cNvPr>
+          <p:cNvSpPr/>
+          <p:nvPr/>
+        </p:nvSpPr>
+        <p:spPr>
+          <a:xfrm>
+            <a:off x="524437" y="5988424"/>
+            <a:ext cx="8238564" cy="600635"/>
+          </a:xfrm>
+          <a:prstGeom prst="rect">
+            <a:avLst/>
+          </a:prstGeom>
+          <a:solidFill>
+            <a:srgbClr val="D8393E"/>
+          </a:solidFill>
+          <a:ln>
+            <a:solidFill>
+              <a:srgbClr val="D22D0C"/>
+            </a:solidFill>
+          </a:ln>
+        </p:spPr>
+        <p:style>
+          <a:lnRef idx="2">
+            <a:schemeClr val="accent1">
+              <a:shade val="50000"/>
+            </a:schemeClr>
+          </a:lnRef>
+          <a:fillRef idx="1">
+            <a:schemeClr val="accent1"/>
+          </a:fillRef>
+          <a:effectRef idx="0">
+            <a:schemeClr val="accent1"/>
+          </a:effectRef>
+          <a:fontRef idx="minor">
+            <a:schemeClr val="lt1"/>
+          </a:fontRef>
+        </p:style>
+        <p:txBody>
+          <a:bodyPr rtlCol="0" anchor="ctr"/>
+          <a:lstStyle/>
+          <a:p>
+            <a:pPr algn="ctr"/>
+            <a:endParaRPr lang="en-US" dirty="0"/>
+          </a:p>
+        </p:txBody>
+      </p:sp>
+      <p:sp>
+        <p:nvSpPr>
+          <p:cNvPr id="8" name="TextBox 7">
+            <a:extLst>
+              <a:ext uri="{FF2B5EF4-FFF2-40B4-BE49-F238E27FC236}">
+                <a16:creationId xmlns:a16="http://schemas.microsoft.com/office/drawing/2014/main" id="{6F038F1C-102D-46E6-8C3D-0BE2A2CBB88D}"/>
+              </a:ext>
+            </a:extLst>
+          </p:cNvPr>
+          <p:cNvSpPr txBox="1"/>
+          <p:nvPr/>
+        </p:nvSpPr>
+        <p:spPr>
+          <a:xfrm>
+            <a:off x="654423" y="1678082"/>
+            <a:ext cx="4948518" cy="369332"/>
+          </a:xfrm>
+          <a:prstGeom prst="rect">
+            <a:avLst/>
+          </a:prstGeom>
+          <a:noFill/>
+        </p:spPr>
+        <p:txBody>
+          <a:bodyPr wrap="square" rtlCol="0">
+            <a:spAutoFit/>
+          </a:bodyPr>
+          <a:lstStyle/>
+          <a:p>
             <a:r>
               <a:rPr lang="en-US" dirty="0"/>
-              <a:t>at the three stages (Swim, Bike, Run)</a:t>
-            </a:r>
-            <a:endParaRPr lang="fr-FR" dirty="0"/>
-          </a:p>
-        </p:txBody>
-      </p:sp>
-      <p:sp>
-        <p:nvSpPr>
-          <p:cNvPr id="3" name="Content Placeholder 2"/>
-          <p:cNvSpPr>
-            <a:spLocks noGrp="1"/>
-          </p:cNvSpPr>
-          <p:nvPr>
-            <p:ph idx="1"/>
-          </p:nvPr>
-        </p:nvSpPr>
-        <p:spPr/>
-        <p:txBody>
-          <a:bodyPr/>
-          <a:lstStyle/>
-          <a:p>
+              <a:t>  </a:t>
+            </a:r>
+          </a:p>
+        </p:txBody>
+      </p:sp>
+      <p:sp>
+        <p:nvSpPr>
+          <p:cNvPr id="4" name="TextBox 3">
+            <a:extLst>
+              <a:ext uri="{FF2B5EF4-FFF2-40B4-BE49-F238E27FC236}">
+                <a16:creationId xmlns:a16="http://schemas.microsoft.com/office/drawing/2014/main" id="{67EEA04D-E4EB-4048-B1E3-0BCD8D36AD50}"/>
+              </a:ext>
+            </a:extLst>
+          </p:cNvPr>
+          <p:cNvSpPr txBox="1"/>
+          <p:nvPr/>
+        </p:nvSpPr>
+        <p:spPr>
+          <a:xfrm>
+            <a:off x="838200" y="1532965"/>
+            <a:ext cx="7741024" cy="2585323"/>
+          </a:xfrm>
+          <a:prstGeom prst="rect">
+            <a:avLst/>
+          </a:prstGeom>
+          <a:noFill/>
+        </p:spPr>
+        <p:txBody>
+          <a:bodyPr wrap="square" rtlCol="0">
+            <a:spAutoFit/>
+          </a:bodyPr>
+          <a:lstStyle/>
+          <a:p>
+            <a:pPr marL="285750" indent="-285750">
+              <a:buFont typeface="Arial" panose="020B0604020202020204" pitchFamily="34" charset="0"/>
+              <a:buChar char="•"/>
+            </a:pPr>
+            <a:r>
+              <a:rPr lang="en-US" b="1" dirty="0"/>
+              <a:t>Python</a:t>
+            </a:r>
             <a:r>
               <a:rPr lang="en-US" dirty="0"/>
-              <a:t>Stack bar chart of the selected division and compare with the averages of </a:t>
-            </a:r>
-            <a:r>
-              <a:rPr lang="en-US" dirty="0" smtClean="0"/>
-              <a:t>the other </a:t>
+              <a:t> – Used to create the sqlite databased with both tables.</a:t>
+            </a:r>
+          </a:p>
+          <a:p>
+            <a:pPr marL="285750" indent="-285750">
+              <a:buFont typeface="Arial" panose="020B0604020202020204" pitchFamily="34" charset="0"/>
+              <a:buChar char="•"/>
+            </a:pPr>
+            <a:r>
+              <a:rPr lang="en-US" b="1" dirty="0"/>
+              <a:t>Sqlite</a:t>
             </a:r>
             <a:r>
               <a:rPr lang="en-US" dirty="0"/>
-              <a:t>divisions.</a:t>
-            </a:r>
-          </a:p>
-          <a:p>
-            <a:endParaRPr lang="fr-FR" dirty="0"/>
-          </a:p>
-        </p:txBody>
-      </p:sp>
+              <a:t> – To store and reference the dataset for visualizaitons.</a:t>
+            </a:r>
+          </a:p>
+          <a:p>
+            <a:pPr marL="285750" indent="-285750">
+              <a:buFont typeface="Arial" panose="020B0604020202020204" pitchFamily="34" charset="0"/>
+              <a:buChar char="•"/>
+            </a:pPr>
+            <a:r>
+              <a:rPr lang="en-US" b="1" dirty="0"/>
+              <a:t>DB Browser </a:t>
+            </a:r>
+            <a:r>
+              <a:rPr lang="en-US" dirty="0"/>
+              <a:t>– To reference the completed sqlite database.</a:t>
+            </a:r>
+          </a:p>
+          <a:p>
+            <a:pPr marL="285750" indent="-285750">
+              <a:buFont typeface="Arial" panose="020B0604020202020204" pitchFamily="34" charset="0"/>
+              <a:buChar char="•"/>
+            </a:pPr>
+            <a:r>
+              <a:rPr lang="en-US" b="1" dirty="0"/>
+              <a:t>Javascript</a:t>
+            </a:r>
+            <a:r>
+              <a:rPr lang="en-US" dirty="0"/>
+              <a:t> – To develop the code that would generate the data analytics.</a:t>
+            </a:r>
+          </a:p>
+          <a:p>
+            <a:pPr marL="285750" indent="-285750">
+              <a:buFont typeface="Arial" panose="020B0604020202020204" pitchFamily="34" charset="0"/>
+              <a:buChar char="•"/>
+            </a:pPr>
+            <a:r>
+              <a:rPr lang="en-US" b="1" dirty="0"/>
+              <a:t>Html</a:t>
+            </a:r>
+            <a:r>
+              <a:rPr lang="en-US" dirty="0"/>
+              <a:t> – To showcase the data in a visual way.</a:t>
+            </a:r>
+          </a:p>
+          <a:p>
+            <a:pPr marL="285750" indent="-285750">
+              <a:buFont typeface="Arial" panose="020B0604020202020204" pitchFamily="34" charset="0"/>
+              <a:buChar char="•"/>
+            </a:pPr>
+            <a:r>
+              <a:rPr lang="en-US" b="1" dirty="0"/>
+              <a:t>Pandas</a:t>
+            </a:r>
+            <a:r>
+              <a:rPr lang="en-US" dirty="0"/>
+              <a:t> – For data review and analysis.</a:t>
+            </a:r>
+          </a:p>
+          <a:p>
+            <a:pPr marL="285750" indent="-285750">
+              <a:buFont typeface="Arial" panose="020B0604020202020204" pitchFamily="34" charset="0"/>
+              <a:buChar char="•"/>
+            </a:pPr>
+            <a:r>
+              <a:rPr lang="en-US" b="1" dirty="0"/>
+              <a:t>Popper</a:t>
+            </a:r>
+            <a:r>
+              <a:rPr lang="en-US" dirty="0"/>
+              <a:t> – New JavaScript library.</a:t>
+            </a:r>
+          </a:p>
+          <a:p>
+            <a:pPr marL="285750" indent="-285750">
+              <a:buFont typeface="Arial" panose="020B0604020202020204" pitchFamily="34" charset="0"/>
+              <a:buChar char="•"/>
+            </a:pPr>
+            <a:r>
+              <a:rPr lang="en-US" b="1" dirty="0"/>
+              <a:t>Tippy.js </a:t>
+            </a:r>
+            <a:r>
+              <a:rPr lang="en-US" dirty="0"/>
+              <a:t>– New JavaScript Library</a:t>
+            </a:r>
+          </a:p>
+          <a:p>
+            <a:pPr marL="285750" indent="-285750">
+              <a:buFont typeface="Arial" panose="020B0604020202020204" pitchFamily="34" charset="0"/>
+              <a:buChar char="•"/>
+            </a:pPr>
+            <a:endParaRPr lang="en-US" dirty="0"/>
+          </a:p>
+        </p:txBody>
+      </p:sp>
+      <p:pic>
+        <p:nvPicPr>
+          <p:cNvPr id="1028" name="Picture 4" descr="Python Logo - PNG and Vector - Logo Download">
+            <a:extLst>
+              <a:ext uri="{FF2B5EF4-FFF2-40B4-BE49-F238E27FC236}">
+                <a16:creationId xmlns:a16="http://schemas.microsoft.com/office/drawing/2014/main" id="{F05B645E-7D06-4346-97F1-EBB6F8FD8DF1}"/>
+              </a:ext>
+            </a:extLst>
+          </p:cNvPr>
+          <p:cNvPicPr>
+            <a:picLocks noChangeAspect="1" noChangeArrowheads="1"/>
+          </p:cNvPicPr>
+          <p:nvPr/>
+        </p:nvPicPr>
+        <p:blipFill>
+          <a:blip r:embed="rId4">
+            <a:extLst>
+              <a:ext uri="{28A0092B-C50C-407E-A947-70E740481C1C}">
+                <a14:useLocalDpi xmlns:a14="http://schemas.microsoft.com/office/drawing/2010/main" val="0"/>
+              </a:ext>
+            </a:extLst>
+          </a:blip>
+          <a:srcRect/>
+          <a:stretch>
+            <a:fillRect/>
+          </a:stretch>
+        </p:blipFill>
+        <p:spPr bwMode="auto">
+          <a:xfrm>
+            <a:off x="8490395" y="55918"/>
+            <a:ext cx="3129802" cy="3129804"/>
+          </a:xfrm>
+          <a:prstGeom prst="rect">
+            <a:avLst/>
+          </a:prstGeom>
+          <a:noFill/>
+          <a:extLst>
+            <a:ext uri="{909E8E84-426E-40DD-AFC4-6F175D3DCCD1}">
+              <a14:hiddenFill xmlns:a14="http://schemas.microsoft.com/office/drawing/2010/main">
+                <a:solidFill>
+                  <a:srgbClr val="FFFFFF"/>
+                </a:solidFill>
+              </a14:hiddenFill>
+            </a:ext>
+          </a:extLst>
+        </p:spPr>
+      </p:pic>
+      <p:pic>
+        <p:nvPicPr>
+          <p:cNvPr id="1030" name="Picture 6" descr="SQLite - Wikipedia">
+            <a:extLst>
+              <a:ext uri="{FF2B5EF4-FFF2-40B4-BE49-F238E27FC236}">
+                <a16:creationId xmlns:a16="http://schemas.microsoft.com/office/drawing/2014/main" id="{74081B5E-BFFE-4D98-A11F-104734AB5E93}"/>
+              </a:ext>
+            </a:extLst>
+          </p:cNvPr>
+          <p:cNvPicPr>
+            <a:picLocks noChangeAspect="1" noChangeArrowheads="1"/>
+          </p:cNvPicPr>
+          <p:nvPr/>
+        </p:nvPicPr>
+        <p:blipFill>
+          <a:blip r:embed="rId5">
+            <a:extLst>
+              <a:ext uri="{28A0092B-C50C-407E-A947-70E740481C1C}">
+                <a14:useLocalDpi xmlns:a14="http://schemas.microsoft.com/office/drawing/2010/main" val="0"/>
+              </a:ext>
+            </a:extLst>
+          </a:blip>
+          <a:srcRect/>
+          <a:stretch>
+            <a:fillRect/>
+          </a:stretch>
+        </p:blipFill>
+        <p:spPr bwMode="auto">
+          <a:xfrm>
+            <a:off x="8982719" y="2170958"/>
+            <a:ext cx="2145154" cy="1013356"/>
+          </a:xfrm>
+          <a:prstGeom prst="rect">
+            <a:avLst/>
+          </a:prstGeom>
+          <a:noFill/>
+          <a:extLst>
+            <a:ext uri="{909E8E84-426E-40DD-AFC4-6F175D3DCCD1}">
+              <a14:hiddenFill xmlns:a14="http://schemas.microsoft.com/office/drawing/2010/main">
+                <a:solidFill>
+                  <a:srgbClr val="FFFFFF"/>
+                </a:solidFill>
+              </a14:hiddenFill>
+            </a:ext>
+          </a:extLst>
+        </p:spPr>
+      </p:pic>
+      <p:pic>
+        <p:nvPicPr>
+          <p:cNvPr id="1032" name="Picture 8" descr="DB Browser for SQLite | Download [12.2 MB]">
+            <a:extLst>
+              <a:ext uri="{FF2B5EF4-FFF2-40B4-BE49-F238E27FC236}">
+                <a16:creationId xmlns:a16="http://schemas.microsoft.com/office/drawing/2014/main" id="{3E4AED23-4DC6-412F-B229-97B57557FAE3}"/>
+              </a:ext>
+            </a:extLst>
+          </p:cNvPr>
+          <p:cNvPicPr>
+            <a:picLocks noChangeAspect="1" noChangeArrowheads="1"/>
+          </p:cNvPicPr>
+          <p:nvPr/>
+        </p:nvPicPr>
+        <p:blipFill>
+          <a:blip r:embed="rId6">
+            <a:extLst>
+              <a:ext uri="{28A0092B-C50C-407E-A947-70E740481C1C}">
+                <a14:useLocalDpi xmlns:a14="http://schemas.microsoft.com/office/drawing/2010/main" val="0"/>
+              </a:ext>
+            </a:extLst>
+          </a:blip>
+          <a:srcRect/>
+          <a:stretch>
+            <a:fillRect/>
+          </a:stretch>
+        </p:blipFill>
+        <p:spPr bwMode="auto">
+          <a:xfrm>
+            <a:off x="8928846" y="3181033"/>
+            <a:ext cx="2501760" cy="2501760"/>
+          </a:xfrm>
+          <a:prstGeom prst="rect">
+            <a:avLst/>
+          </a:prstGeom>
+          <a:noFill/>
+          <a:extLst>
+            <a:ext uri="{909E8E84-426E-40DD-AFC4-6F175D3DCCD1}">
+              <a14:hiddenFill xmlns:a14="http://schemas.microsoft.com/office/drawing/2010/main">
+                <a:solidFill>
+                  <a:srgbClr val="FFFFFF"/>
+                </a:solidFill>
+              </a14:hiddenFill>
+            </a:ext>
+          </a:extLst>
+        </p:spPr>
+      </p:pic>
+      <p:pic>
+        <p:nvPicPr>
+          <p:cNvPr id="1034" name="Picture 10">
+            <a:extLst>
+              <a:ext uri="{FF2B5EF4-FFF2-40B4-BE49-F238E27FC236}">
+                <a16:creationId xmlns:a16="http://schemas.microsoft.com/office/drawing/2014/main" id="{BC720F29-9888-4916-A7D0-85B994038831}"/>
+              </a:ext>
+            </a:extLst>
+          </p:cNvPr>
+          <p:cNvPicPr>
+            <a:picLocks noChangeAspect="1" noChangeArrowheads="1"/>
+          </p:cNvPicPr>
+          <p:nvPr/>
+        </p:nvPicPr>
+        <p:blipFill>
+          <a:blip r:embed="rId7">
+            <a:extLst>
+              <a:ext uri="{28A0092B-C50C-407E-A947-70E740481C1C}">
+                <a14:useLocalDpi xmlns:a14="http://schemas.microsoft.com/office/drawing/2010/main" val="0"/>
+              </a:ext>
+            </a:extLst>
+          </a:blip>
+          <a:srcRect/>
+          <a:stretch>
+            <a:fillRect/>
+          </a:stretch>
+        </p:blipFill>
+        <p:spPr bwMode="auto">
+          <a:xfrm>
+            <a:off x="6996348" y="3138163"/>
+            <a:ext cx="1050082" cy="1050082"/>
+          </a:xfrm>
+          <a:prstGeom prst="rect">
+            <a:avLst/>
+          </a:prstGeom>
+          <a:noFill/>
+          <a:extLst>
+            <a:ext uri="{909E8E84-426E-40DD-AFC4-6F175D3DCCD1}">
+              <a14:hiddenFill xmlns:a14="http://schemas.microsoft.com/office/drawing/2010/main">
+                <a:solidFill>
+                  <a:srgbClr val="FFFFFF"/>
+                </a:solidFill>
+              </a14:hiddenFill>
+            </a:ext>
+          </a:extLst>
+        </p:spPr>
+      </p:pic>
+      <p:pic>
+        <p:nvPicPr>
+          <p:cNvPr id="1038" name="Picture 14" descr="HTML Logo - LogoDix">
+            <a:extLst>
+              <a:ext uri="{FF2B5EF4-FFF2-40B4-BE49-F238E27FC236}">
+                <a16:creationId xmlns:a16="http://schemas.microsoft.com/office/drawing/2014/main" id="{5CB29631-2FD8-4003-8337-978E57A0A644}"/>
+              </a:ext>
+            </a:extLst>
+          </p:cNvPr>
+          <p:cNvPicPr>
+            <a:picLocks noChangeAspect="1" noChangeArrowheads="1"/>
+          </p:cNvPicPr>
+          <p:nvPr/>
+        </p:nvPicPr>
+        <p:blipFill>
+          <a:blip r:embed="rId8">
+            <a:extLst>
+              <a:ext uri="{28A0092B-C50C-407E-A947-70E740481C1C}">
+                <a14:useLocalDpi xmlns:a14="http://schemas.microsoft.com/office/drawing/2010/main" val="0"/>
+              </a:ext>
+            </a:extLst>
+          </a:blip>
+          <a:srcRect/>
+          <a:stretch>
+            <a:fillRect/>
+          </a:stretch>
+        </p:blipFill>
+        <p:spPr bwMode="auto">
+          <a:xfrm>
+            <a:off x="6762145" y="4391821"/>
+            <a:ext cx="1518488" cy="1518490"/>
+          </a:xfrm>
+          <a:prstGeom prst="rect">
+            <a:avLst/>
+          </a:prstGeom>
+          <a:noFill/>
+          <a:extLst>
+            <a:ext uri="{909E8E84-426E-40DD-AFC4-6F175D3DCCD1}">
+              <a14:hiddenFill xmlns:a14="http://schemas.microsoft.com/office/drawing/2010/main">
+                <a:solidFill>
+                  <a:srgbClr val="FFFFFF"/>
+                </a:solidFill>
+              </a14:hiddenFill>
+            </a:ext>
+          </a:extLst>
+        </p:spPr>
+      </p:pic>
+      <p:pic>
+        <p:nvPicPr>
+          <p:cNvPr id="1026" name="Picture 2" descr="pandas (software) - Wikipedia">
+            <a:extLst>
+              <a:ext uri="{FF2B5EF4-FFF2-40B4-BE49-F238E27FC236}">
+                <a16:creationId xmlns:a16="http://schemas.microsoft.com/office/drawing/2014/main" id="{3F32E5D9-A960-4D0B-8A5C-1E393A837A3D}"/>
+              </a:ext>
+            </a:extLst>
+          </p:cNvPr>
+          <p:cNvPicPr>
+            <a:picLocks noChangeAspect="1" noChangeArrowheads="1"/>
+          </p:cNvPicPr>
+          <p:nvPr/>
+        </p:nvPicPr>
+        <p:blipFill>
+          <a:blip r:embed="rId9">
+            <a:extLst>
+              <a:ext uri="{28A0092B-C50C-407E-A947-70E740481C1C}">
+                <a14:useLocalDpi xmlns:a14="http://schemas.microsoft.com/office/drawing/2010/main" val="0"/>
+              </a:ext>
+            </a:extLst>
+          </a:blip>
+          <a:srcRect/>
+          <a:stretch>
+            <a:fillRect/>
+          </a:stretch>
+        </p:blipFill>
+        <p:spPr bwMode="auto">
+          <a:xfrm>
+            <a:off x="4947212" y="3608828"/>
+            <a:ext cx="1516342" cy="614270"/>
+          </a:xfrm>
+          <a:prstGeom prst="rect">
+            <a:avLst/>
+          </a:prstGeom>
+          <a:noFill/>
+          <a:extLst>
+            <a:ext uri="{909E8E84-426E-40DD-AFC4-6F175D3DCCD1}">
+              <a14:hiddenFill xmlns:a14="http://schemas.microsoft.com/office/drawing/2010/main">
+                <a:solidFill>
+                  <a:srgbClr val="FFFFFF"/>
+                </a:solidFill>
+              </a14:hiddenFill>
+            </a:ext>
+          </a:extLst>
+        </p:spPr>
+      </p:pic>
+      <p:pic>
+        <p:nvPicPr>
+          <p:cNvPr id="3" name="Picture 4" descr="Popper · GitHub">
+            <a:extLst>
+              <a:ext uri="{FF2B5EF4-FFF2-40B4-BE49-F238E27FC236}">
+                <a16:creationId xmlns:a16="http://schemas.microsoft.com/office/drawing/2014/main" id="{750A8F25-99ED-486D-93F4-726A92DB9C8F}"/>
+              </a:ext>
+            </a:extLst>
+          </p:cNvPr>
+          <p:cNvPicPr>
+            <a:picLocks noChangeAspect="1" noChangeArrowheads="1"/>
+          </p:cNvPicPr>
+          <p:nvPr/>
+        </p:nvPicPr>
+        <p:blipFill>
+          <a:blip r:embed="rId10">
+            <a:extLst>
+              <a:ext uri="{28A0092B-C50C-407E-A947-70E740481C1C}">
+                <a14:useLocalDpi xmlns:a14="http://schemas.microsoft.com/office/drawing/2010/main" val="0"/>
+              </a:ext>
+            </a:extLst>
+          </a:blip>
+          <a:srcRect/>
+          <a:stretch>
+            <a:fillRect/>
+          </a:stretch>
+        </p:blipFill>
+        <p:spPr bwMode="auto">
+          <a:xfrm>
+            <a:off x="5179934" y="4483680"/>
+            <a:ext cx="1050898" cy="1050898"/>
+          </a:xfrm>
+          <a:prstGeom prst="rect">
+            <a:avLst/>
+          </a:prstGeom>
+          <a:noFill/>
+          <a:extLst>
+            <a:ext uri="{909E8E84-426E-40DD-AFC4-6F175D3DCCD1}">
+              <a14:hiddenFill xmlns:a14="http://schemas.microsoft.com/office/drawing/2010/main">
+                <a:solidFill>
+                  <a:srgbClr val="FFFFFF"/>
+                </a:solidFill>
+              </a14:hiddenFill>
+            </a:ext>
+          </a:extLst>
+        </p:spPr>
+      </p:pic>
+      <p:pic>
+        <p:nvPicPr>
+          <p:cNvPr id="9" name="Picture 8">
+            <a:extLst>
+              <a:ext uri="{FF2B5EF4-FFF2-40B4-BE49-F238E27FC236}">
+                <a16:creationId xmlns:a16="http://schemas.microsoft.com/office/drawing/2014/main" id="{96BC223E-1680-4681-8BC8-0997E9A71ED6}"/>
+              </a:ext>
+            </a:extLst>
+          </p:cNvPr>
+          <p:cNvPicPr>
+            <a:picLocks noChangeAspect="1"/>
+          </p:cNvPicPr>
+          <p:nvPr/>
+        </p:nvPicPr>
+        <p:blipFill>
+          <a:blip r:embed="rId11"/>
+          <a:stretch>
+            <a:fillRect/>
+          </a:stretch>
+        </p:blipFill>
+        <p:spPr>
+          <a:xfrm>
+            <a:off x="3003246" y="4538007"/>
+            <a:ext cx="1648832" cy="1144786"/>
+          </a:xfrm>
+          <a:prstGeom prst="rect">
+            <a:avLst/>
+          </a:prstGeom>
+        </p:spPr>
+      </p:pic>
     </p:spTree>
     <p:extLst>
       <p:ext uri="{BB962C8B-B14F-4D97-AF65-F5344CB8AC3E}">
-        <p14:creationId xmlns:p14="http://schemas.microsoft.com/office/powerpoint/2010/main" val="825445355"/>
+        <p14:creationId xmlns:p14="http://schemas.microsoft.com/office/powerpoint/2010/main" val="2312355743"/>
       </p:ext>
     </p:extLst>
   </p:cSld>
@@ -3728,53 +7720,226 @@
         </p:nvSpPr>
         <p:spPr/>
         <p:txBody>
+          <a:bodyPr/>
+          <a:lstStyle/>
+          <a:p>
+            <a:r>
+              <a:rPr lang="fr-FR" dirty="0"/>
+              <a:t>Data Transformation</a:t>
+            </a:r>
+          </a:p>
+        </p:txBody>
+      </p:sp>
+      <p:sp>
+        <p:nvSpPr>
+          <p:cNvPr id="3" name="Content Placeholder 2"/>
+          <p:cNvSpPr>
+            <a:spLocks noGrp="1"/>
+          </p:cNvSpPr>
+          <p:nvPr>
+            <p:ph idx="1"/>
+          </p:nvPr>
+        </p:nvSpPr>
+        <p:spPr>
+          <a:xfrm>
+            <a:off x="748553" y="1550514"/>
+            <a:ext cx="10170459" cy="4351338"/>
+          </a:xfrm>
+        </p:spPr>
+        <p:txBody>
           <a:bodyPr>
             <a:normAutofit/>
           </a:bodyPr>
           <a:lstStyle/>
           <a:p>
-            <a:r>
-              <a:rPr lang="en-US" dirty="0" smtClean="0"/>
-              <a:t>Visualization 3: </a:t>
-            </a:r>
+            <a:pPr marL="0" indent="0">
+              <a:buNone/>
+            </a:pPr>
+            <a:r>
+              <a:rPr lang="fr-FR" dirty="0"/>
+              <a:t>The transformation of the data took the following steps.</a:t>
+            </a:r>
+          </a:p>
+          <a:p>
+            <a:pPr marL="914400" lvl="1" indent="-457200">
+              <a:buAutoNum type="arabicPeriod"/>
+            </a:pPr>
+            <a:r>
+              <a:rPr lang="fr-FR" dirty="0"/>
+              <a:t>Read </a:t>
+            </a:r>
+            <a:r>
+              <a:rPr lang="fr-FR" dirty="0" err="1"/>
+              <a:t>CSVs</a:t>
+            </a:r>
+            <a:r>
+              <a:rPr lang="fr-FR" dirty="0"/>
+              <a:t> In</a:t>
+            </a:r>
+          </a:p>
+          <a:p>
+            <a:pPr marL="914400" lvl="1" indent="-457200">
+              <a:buAutoNum type="arabicPeriod"/>
+            </a:pPr>
+            <a:r>
+              <a:rPr lang="fr-FR" dirty="0"/>
+              <a:t>CSV Joins on 3 Alpha Code</a:t>
+            </a:r>
+          </a:p>
+          <a:p>
+            <a:pPr marL="914400" lvl="1" indent="-457200">
+              <a:buAutoNum type="arabicPeriod"/>
+            </a:pPr>
+            <a:r>
+              <a:rPr lang="fr-FR" dirty="0" err="1"/>
+              <a:t>Removed</a:t>
+            </a:r>
+            <a:r>
+              <a:rPr lang="fr-FR" dirty="0"/>
+              <a:t> Non </a:t>
+            </a:r>
+            <a:r>
+              <a:rPr lang="fr-FR" dirty="0" err="1"/>
+              <a:t>Completed</a:t>
+            </a:r>
+            <a:r>
+              <a:rPr lang="fr-FR" dirty="0"/>
+              <a:t> Racers</a:t>
+            </a:r>
+          </a:p>
+          <a:p>
+            <a:pPr marL="914400" lvl="1" indent="-457200">
+              <a:buAutoNum type="arabicPeriod"/>
+            </a:pPr>
+            <a:r>
+              <a:rPr lang="en-US" dirty="0"/>
+              <a:t>Removed Racer with Random Character (:)</a:t>
+            </a:r>
+            <a:endParaRPr lang="fr-FR" dirty="0"/>
+          </a:p>
+          <a:p>
+            <a:pPr marL="914400" lvl="1" indent="-457200">
+              <a:buAutoNum type="arabicPeriod"/>
+            </a:pPr>
+            <a:r>
+              <a:rPr lang="en-US" dirty="0"/>
+              <a:t>Convert </a:t>
+            </a:r>
+            <a:r>
+              <a:rPr lang="en-US" dirty="0" err="1"/>
+              <a:t>DateTime</a:t>
+            </a:r>
+            <a:r>
+              <a:rPr lang="en-US" dirty="0"/>
+              <a:t> to Remove Year and Convert to Hours</a:t>
+            </a:r>
+            <a:endParaRPr lang="fr-FR" dirty="0"/>
+          </a:p>
+          <a:p>
+            <a:pPr marL="457200" lvl="1" indent="0">
+              <a:buNone/>
+            </a:pPr>
+            <a:endParaRPr lang="fr-FR" dirty="0"/>
+          </a:p>
+          <a:p>
+            <a:endParaRPr lang="fr-FR" dirty="0"/>
+          </a:p>
+        </p:txBody>
+      </p:sp>
+      <p:pic>
+        <p:nvPicPr>
+          <p:cNvPr id="5" name="Picture 4">
+            <a:extLst>
+              <a:ext uri="{FF2B5EF4-FFF2-40B4-BE49-F238E27FC236}">
+                <a16:creationId xmlns:a16="http://schemas.microsoft.com/office/drawing/2014/main" id="{3C75B959-9EC8-4C0D-A5B1-FD862322208D}"/>
+              </a:ext>
+            </a:extLst>
+          </p:cNvPr>
+          <p:cNvPicPr>
+            <a:picLocks noChangeAspect="1"/>
+          </p:cNvPicPr>
+          <p:nvPr/>
+        </p:nvPicPr>
+        <p:blipFill>
+          <a:blip r:embed="rId3">
+            <a:extLst>
+              <a:ext uri="{28A0092B-C50C-407E-A947-70E740481C1C}">
+                <a14:useLocalDpi xmlns:a14="http://schemas.microsoft.com/office/drawing/2010/main" val="0"/>
+              </a:ext>
+            </a:extLst>
+          </a:blip>
+          <a:stretch>
+            <a:fillRect/>
+          </a:stretch>
+        </p:blipFill>
+        <p:spPr>
+          <a:xfrm>
+            <a:off x="8763001" y="5761677"/>
+            <a:ext cx="3276598" cy="731198"/>
+          </a:xfrm>
+          <a:prstGeom prst="rect">
+            <a:avLst/>
+          </a:prstGeom>
+        </p:spPr>
+      </p:pic>
+      <p:sp>
+        <p:nvSpPr>
+          <p:cNvPr id="6" name="Rectangle 5">
+            <a:extLst>
+              <a:ext uri="{FF2B5EF4-FFF2-40B4-BE49-F238E27FC236}">
+                <a16:creationId xmlns:a16="http://schemas.microsoft.com/office/drawing/2014/main" id="{9E44F87E-523D-43C9-9026-8EAEEA587F04}"/>
+              </a:ext>
+            </a:extLst>
+          </p:cNvPr>
+          <p:cNvSpPr/>
+          <p:nvPr/>
+        </p:nvSpPr>
+        <p:spPr>
+          <a:xfrm>
+            <a:off x="524437" y="5988424"/>
+            <a:ext cx="8238564" cy="600635"/>
+          </a:xfrm>
+          <a:prstGeom prst="rect">
+            <a:avLst/>
+          </a:prstGeom>
+          <a:solidFill>
+            <a:srgbClr val="D8393E"/>
+          </a:solidFill>
+          <a:ln>
+            <a:solidFill>
+              <a:srgbClr val="D22D0C"/>
+            </a:solidFill>
+          </a:ln>
+        </p:spPr>
+        <p:style>
+          <a:lnRef idx="2">
+            <a:schemeClr val="accent1">
+              <a:shade val="50000"/>
+            </a:schemeClr>
+          </a:lnRef>
+          <a:fillRef idx="1">
+            <a:schemeClr val="accent1"/>
+          </a:fillRef>
+          <a:effectRef idx="0">
+            <a:schemeClr val="accent1"/>
+          </a:effectRef>
+          <a:fontRef idx="minor">
+            <a:schemeClr val="lt1"/>
+          </a:fontRef>
+        </p:style>
+        <p:txBody>
+          <a:bodyPr rtlCol="0" anchor="ctr"/>
+          <a:lstStyle/>
+          <a:p>
+            <a:pPr algn="ctr"/>
             <a:endParaRPr lang="en-US" dirty="0"/>
-          </a:p>
-        </p:txBody>
-      </p:sp>
-      <p:sp>
-        <p:nvSpPr>
-          <p:cNvPr id="3" name="Content Placeholder 2"/>
-          <p:cNvSpPr>
-            <a:spLocks noGrp="1"/>
-          </p:cNvSpPr>
-          <p:nvPr>
-            <p:ph idx="1"/>
-          </p:nvPr>
-        </p:nvSpPr>
-        <p:spPr/>
-        <p:txBody>
-          <a:bodyPr/>
-          <a:lstStyle/>
-          <a:p>
-            <a:r>
-              <a:rPr lang="en-US" dirty="0"/>
-              <a:t>Table Representing the top 10 from each division with their stats, </a:t>
-            </a:r>
-            <a:br>
-              <a:rPr lang="en-US" dirty="0"/>
-            </a:br>
-            <a:r>
-              <a:rPr lang="en-US" dirty="0"/>
-              <a:t>country, ranking, leg times</a:t>
-            </a:r>
-            <a:endParaRPr lang="fr-FR" dirty="0"/>
           </a:p>
         </p:txBody>
       </p:sp>
     </p:spTree>
     <p:extLst>
       <p:ext uri="{BB962C8B-B14F-4D97-AF65-F5344CB8AC3E}">
-        <p14:creationId xmlns:p14="http://schemas.microsoft.com/office/powerpoint/2010/main" val="4131032707"/>
+        <p14:creationId xmlns:p14="http://schemas.microsoft.com/office/powerpoint/2010/main" val="4124840701"/>
       </p:ext>
     </p:extLst>
   </p:cSld>
@@ -3816,33 +7981,812 @@
           <a:bodyPr/>
           <a:lstStyle/>
           <a:p>
-            <a:endParaRPr lang="fr-FR"/>
-          </a:p>
-        </p:txBody>
-      </p:sp>
-      <p:sp>
-        <p:nvSpPr>
-          <p:cNvPr id="3" name="Content Placeholder 2"/>
-          <p:cNvSpPr>
-            <a:spLocks noGrp="1"/>
-          </p:cNvSpPr>
-          <p:nvPr>
-            <p:ph idx="1"/>
-          </p:nvPr>
-        </p:nvSpPr>
-        <p:spPr/>
-        <p:txBody>
-          <a:bodyPr/>
-          <a:lstStyle/>
-          <a:p>
-            <a:endParaRPr lang="fr-FR"/>
-          </a:p>
-        </p:txBody>
-      </p:sp>
+            <a:r>
+              <a:rPr lang="fr-FR" dirty="0"/>
+              <a:t>Data Transformation – </a:t>
+            </a:r>
+            <a:r>
+              <a:rPr lang="fr-FR" sz="3500" dirty="0"/>
+              <a:t>Code </a:t>
+            </a:r>
+            <a:r>
+              <a:rPr lang="fr-FR" sz="3500" dirty="0" err="1"/>
+              <a:t>Examples</a:t>
+            </a:r>
+            <a:endParaRPr lang="fr-FR" sz="3500" dirty="0"/>
+          </a:p>
+        </p:txBody>
+      </p:sp>
+      <p:pic>
+        <p:nvPicPr>
+          <p:cNvPr id="5" name="Picture 4">
+            <a:extLst>
+              <a:ext uri="{FF2B5EF4-FFF2-40B4-BE49-F238E27FC236}">
+                <a16:creationId xmlns:a16="http://schemas.microsoft.com/office/drawing/2014/main" id="{3C75B959-9EC8-4C0D-A5B1-FD862322208D}"/>
+              </a:ext>
+            </a:extLst>
+          </p:cNvPr>
+          <p:cNvPicPr>
+            <a:picLocks noChangeAspect="1"/>
+          </p:cNvPicPr>
+          <p:nvPr/>
+        </p:nvPicPr>
+        <p:blipFill>
+          <a:blip r:embed="rId3">
+            <a:extLst>
+              <a:ext uri="{28A0092B-C50C-407E-A947-70E740481C1C}">
+                <a14:useLocalDpi xmlns:a14="http://schemas.microsoft.com/office/drawing/2010/main" val="0"/>
+              </a:ext>
+            </a:extLst>
+          </a:blip>
+          <a:stretch>
+            <a:fillRect/>
+          </a:stretch>
+        </p:blipFill>
+        <p:spPr>
+          <a:xfrm>
+            <a:off x="8763001" y="5761677"/>
+            <a:ext cx="3276598" cy="731198"/>
+          </a:xfrm>
+          <a:prstGeom prst="rect">
+            <a:avLst/>
+          </a:prstGeom>
+        </p:spPr>
+      </p:pic>
+      <p:sp>
+        <p:nvSpPr>
+          <p:cNvPr id="6" name="Rectangle 5">
+            <a:extLst>
+              <a:ext uri="{FF2B5EF4-FFF2-40B4-BE49-F238E27FC236}">
+                <a16:creationId xmlns:a16="http://schemas.microsoft.com/office/drawing/2014/main" id="{9E44F87E-523D-43C9-9026-8EAEEA587F04}"/>
+              </a:ext>
+            </a:extLst>
+          </p:cNvPr>
+          <p:cNvSpPr/>
+          <p:nvPr/>
+        </p:nvSpPr>
+        <p:spPr>
+          <a:xfrm>
+            <a:off x="524437" y="5988424"/>
+            <a:ext cx="8238564" cy="600635"/>
+          </a:xfrm>
+          <a:prstGeom prst="rect">
+            <a:avLst/>
+          </a:prstGeom>
+          <a:solidFill>
+            <a:srgbClr val="D8393E"/>
+          </a:solidFill>
+          <a:ln>
+            <a:solidFill>
+              <a:srgbClr val="D22D0C"/>
+            </a:solidFill>
+          </a:ln>
+        </p:spPr>
+        <p:style>
+          <a:lnRef idx="2">
+            <a:schemeClr val="accent1">
+              <a:shade val="50000"/>
+            </a:schemeClr>
+          </a:lnRef>
+          <a:fillRef idx="1">
+            <a:schemeClr val="accent1"/>
+          </a:fillRef>
+          <a:effectRef idx="0">
+            <a:schemeClr val="accent1"/>
+          </a:effectRef>
+          <a:fontRef idx="minor">
+            <a:schemeClr val="lt1"/>
+          </a:fontRef>
+        </p:style>
+        <p:txBody>
+          <a:bodyPr rtlCol="0" anchor="ctr"/>
+          <a:lstStyle/>
+          <a:p>
+            <a:pPr algn="ctr"/>
+            <a:endParaRPr lang="en-US" dirty="0"/>
+          </a:p>
+        </p:txBody>
+      </p:sp>
+      <p:pic>
+        <p:nvPicPr>
+          <p:cNvPr id="7" name="Picture 6">
+            <a:extLst>
+              <a:ext uri="{FF2B5EF4-FFF2-40B4-BE49-F238E27FC236}">
+                <a16:creationId xmlns:a16="http://schemas.microsoft.com/office/drawing/2014/main" id="{480BDEC5-043A-421D-93C3-5836CC3C8052}"/>
+              </a:ext>
+            </a:extLst>
+          </p:cNvPr>
+          <p:cNvPicPr>
+            <a:picLocks noChangeAspect="1"/>
+          </p:cNvPicPr>
+          <p:nvPr/>
+        </p:nvPicPr>
+        <p:blipFill>
+          <a:blip r:embed="rId4"/>
+          <a:stretch>
+            <a:fillRect/>
+          </a:stretch>
+        </p:blipFill>
+        <p:spPr>
+          <a:xfrm>
+            <a:off x="2952752" y="1343881"/>
+            <a:ext cx="5000626" cy="1564256"/>
+          </a:xfrm>
+          <a:prstGeom prst="rect">
+            <a:avLst/>
+          </a:prstGeom>
+        </p:spPr>
+      </p:pic>
+      <p:pic>
+        <p:nvPicPr>
+          <p:cNvPr id="9" name="Picture 8">
+            <a:extLst>
+              <a:ext uri="{FF2B5EF4-FFF2-40B4-BE49-F238E27FC236}">
+                <a16:creationId xmlns:a16="http://schemas.microsoft.com/office/drawing/2014/main" id="{70BF9F06-3772-4EAC-85DF-3DBC50125107}"/>
+              </a:ext>
+            </a:extLst>
+          </p:cNvPr>
+          <p:cNvPicPr>
+            <a:picLocks noChangeAspect="1"/>
+          </p:cNvPicPr>
+          <p:nvPr/>
+        </p:nvPicPr>
+        <p:blipFill>
+          <a:blip r:embed="rId5"/>
+          <a:stretch>
+            <a:fillRect/>
+          </a:stretch>
+        </p:blipFill>
+        <p:spPr>
+          <a:xfrm>
+            <a:off x="2859461" y="3231429"/>
+            <a:ext cx="8020048" cy="718736"/>
+          </a:xfrm>
+          <a:prstGeom prst="rect">
+            <a:avLst/>
+          </a:prstGeom>
+        </p:spPr>
+      </p:pic>
+      <p:sp>
+        <p:nvSpPr>
+          <p:cNvPr id="14" name="TextBox 13">
+            <a:extLst>
+              <a:ext uri="{FF2B5EF4-FFF2-40B4-BE49-F238E27FC236}">
+                <a16:creationId xmlns:a16="http://schemas.microsoft.com/office/drawing/2014/main" id="{CF1A96C7-5F0D-459F-8269-2DC844F2E3B5}"/>
+              </a:ext>
+            </a:extLst>
+          </p:cNvPr>
+          <p:cNvSpPr txBox="1"/>
+          <p:nvPr/>
+        </p:nvSpPr>
+        <p:spPr>
+          <a:xfrm>
+            <a:off x="774051" y="1643657"/>
+            <a:ext cx="2397921" cy="369332"/>
+          </a:xfrm>
+          <a:prstGeom prst="rect">
+            <a:avLst/>
+          </a:prstGeom>
+          <a:noFill/>
+        </p:spPr>
+        <p:txBody>
+          <a:bodyPr wrap="square" rtlCol="0">
+            <a:spAutoFit/>
+          </a:bodyPr>
+          <a:lstStyle/>
+          <a:p>
+            <a:r>
+              <a:rPr lang="en-US" dirty="0"/>
+              <a:t>Reading in the CSVs.</a:t>
+            </a:r>
+          </a:p>
+        </p:txBody>
+      </p:sp>
+      <p:sp>
+        <p:nvSpPr>
+          <p:cNvPr id="16" name="TextBox 15">
+            <a:extLst>
+              <a:ext uri="{FF2B5EF4-FFF2-40B4-BE49-F238E27FC236}">
+                <a16:creationId xmlns:a16="http://schemas.microsoft.com/office/drawing/2014/main" id="{8DD8C1E4-611D-476C-9E0E-79AA76CF9C50}"/>
+              </a:ext>
+            </a:extLst>
+          </p:cNvPr>
+          <p:cNvSpPr txBox="1"/>
+          <p:nvPr/>
+        </p:nvSpPr>
+        <p:spPr>
+          <a:xfrm>
+            <a:off x="524437" y="2850601"/>
+            <a:ext cx="4291011" cy="369332"/>
+          </a:xfrm>
+          <a:prstGeom prst="rect">
+            <a:avLst/>
+          </a:prstGeom>
+          <a:noFill/>
+        </p:spPr>
+        <p:txBody>
+          <a:bodyPr wrap="square" rtlCol="0">
+            <a:spAutoFit/>
+          </a:bodyPr>
+          <a:lstStyle/>
+          <a:p>
+            <a:r>
+              <a:rPr lang="en-US" dirty="0"/>
+              <a:t>Merging CSVs based on country codes.</a:t>
+            </a:r>
+          </a:p>
+        </p:txBody>
+      </p:sp>
+      <p:sp>
+        <p:nvSpPr>
+          <p:cNvPr id="17" name="TextBox 16">
+            <a:extLst>
+              <a:ext uri="{FF2B5EF4-FFF2-40B4-BE49-F238E27FC236}">
+                <a16:creationId xmlns:a16="http://schemas.microsoft.com/office/drawing/2014/main" id="{458BD8BF-FEDB-4B6F-ABB7-5898E3E994BB}"/>
+              </a:ext>
+            </a:extLst>
+          </p:cNvPr>
+          <p:cNvSpPr txBox="1"/>
+          <p:nvPr/>
+        </p:nvSpPr>
+        <p:spPr>
+          <a:xfrm>
+            <a:off x="774051" y="4509519"/>
+            <a:ext cx="2327737" cy="369332"/>
+          </a:xfrm>
+          <a:prstGeom prst="rect">
+            <a:avLst/>
+          </a:prstGeom>
+          <a:noFill/>
+        </p:spPr>
+        <p:txBody>
+          <a:bodyPr wrap="square" rtlCol="0">
+            <a:spAutoFit/>
+          </a:bodyPr>
+          <a:lstStyle/>
+          <a:p>
+            <a:r>
+              <a:rPr lang="en-US" dirty="0"/>
+              <a:t>Time conversions.</a:t>
+            </a:r>
+          </a:p>
+        </p:txBody>
+      </p:sp>
+      <p:pic>
+        <p:nvPicPr>
+          <p:cNvPr id="21" name="Picture 20">
+            <a:extLst>
+              <a:ext uri="{FF2B5EF4-FFF2-40B4-BE49-F238E27FC236}">
+                <a16:creationId xmlns:a16="http://schemas.microsoft.com/office/drawing/2014/main" id="{34B0B69F-0C7B-4780-8678-3A690E867F50}"/>
+              </a:ext>
+            </a:extLst>
+          </p:cNvPr>
+          <p:cNvPicPr>
+            <a:picLocks noChangeAspect="1"/>
+          </p:cNvPicPr>
+          <p:nvPr/>
+        </p:nvPicPr>
+        <p:blipFill>
+          <a:blip r:embed="rId6"/>
+          <a:stretch>
+            <a:fillRect/>
+          </a:stretch>
+        </p:blipFill>
+        <p:spPr>
+          <a:xfrm>
+            <a:off x="2859461" y="4160596"/>
+            <a:ext cx="9001125" cy="1390650"/>
+          </a:xfrm>
+          <a:prstGeom prst="rect">
+            <a:avLst/>
+          </a:prstGeom>
+        </p:spPr>
+      </p:pic>
     </p:spTree>
     <p:extLst>
       <p:ext uri="{BB962C8B-B14F-4D97-AF65-F5344CB8AC3E}">
-        <p14:creationId xmlns:p14="http://schemas.microsoft.com/office/powerpoint/2010/main" val="3678925944"/>
+        <p14:creationId xmlns:p14="http://schemas.microsoft.com/office/powerpoint/2010/main" val="1268116411"/>
+      </p:ext>
+    </p:extLst>
+  </p:cSld>
+  <p:clrMapOvr>
+    <a:masterClrMapping/>
+  </p:clrMapOvr>
+</p:sld>
+</file>
+
+<file path=ppt/slides/slide8.xml><?xml version="1.0" encoding="utf-8"?>
+<p:sld xmlns:a="http://schemas.openxmlformats.org/drawingml/2006/main" xmlns:r="http://schemas.openxmlformats.org/officeDocument/2006/relationships" xmlns:p="http://schemas.openxmlformats.org/presentationml/2006/main">
+  <p:cSld>
+    <p:spTree>
+      <p:nvGrpSpPr>
+        <p:cNvPr id="1" name=""/>
+        <p:cNvGrpSpPr/>
+        <p:nvPr/>
+      </p:nvGrpSpPr>
+      <p:grpSpPr>
+        <a:xfrm>
+          <a:off x="0" y="0"/>
+          <a:ext cx="0" cy="0"/>
+          <a:chOff x="0" y="0"/>
+          <a:chExt cx="0" cy="0"/>
+        </a:xfrm>
+      </p:grpSpPr>
+      <p:sp>
+        <p:nvSpPr>
+          <p:cNvPr id="2" name="Title 1"/>
+          <p:cNvSpPr>
+            <a:spLocks noGrp="1"/>
+          </p:cNvSpPr>
+          <p:nvPr>
+            <p:ph type="title"/>
+          </p:nvPr>
+        </p:nvSpPr>
+        <p:spPr/>
+        <p:txBody>
+          <a:bodyPr/>
+          <a:lstStyle/>
+          <a:p>
+            <a:r>
+              <a:rPr lang="fr-FR" dirty="0"/>
+              <a:t>Graphs, Maps and Charts</a:t>
+            </a:r>
+            <a:endParaRPr lang="fr-FR" sz="3500" dirty="0"/>
+          </a:p>
+        </p:txBody>
+      </p:sp>
+      <p:pic>
+        <p:nvPicPr>
+          <p:cNvPr id="5" name="Picture 4">
+            <a:extLst>
+              <a:ext uri="{FF2B5EF4-FFF2-40B4-BE49-F238E27FC236}">
+                <a16:creationId xmlns:a16="http://schemas.microsoft.com/office/drawing/2014/main" id="{3C75B959-9EC8-4C0D-A5B1-FD862322208D}"/>
+              </a:ext>
+            </a:extLst>
+          </p:cNvPr>
+          <p:cNvPicPr>
+            <a:picLocks noChangeAspect="1"/>
+          </p:cNvPicPr>
+          <p:nvPr/>
+        </p:nvPicPr>
+        <p:blipFill>
+          <a:blip r:embed="rId3">
+            <a:extLst>
+              <a:ext uri="{28A0092B-C50C-407E-A947-70E740481C1C}">
+                <a14:useLocalDpi xmlns:a14="http://schemas.microsoft.com/office/drawing/2010/main" val="0"/>
+              </a:ext>
+            </a:extLst>
+          </a:blip>
+          <a:stretch>
+            <a:fillRect/>
+          </a:stretch>
+        </p:blipFill>
+        <p:spPr>
+          <a:xfrm>
+            <a:off x="8763001" y="5761677"/>
+            <a:ext cx="3276598" cy="731198"/>
+          </a:xfrm>
+          <a:prstGeom prst="rect">
+            <a:avLst/>
+          </a:prstGeom>
+        </p:spPr>
+      </p:pic>
+      <p:sp>
+        <p:nvSpPr>
+          <p:cNvPr id="6" name="Rectangle 5">
+            <a:extLst>
+              <a:ext uri="{FF2B5EF4-FFF2-40B4-BE49-F238E27FC236}">
+                <a16:creationId xmlns:a16="http://schemas.microsoft.com/office/drawing/2014/main" id="{9E44F87E-523D-43C9-9026-8EAEEA587F04}"/>
+              </a:ext>
+            </a:extLst>
+          </p:cNvPr>
+          <p:cNvSpPr/>
+          <p:nvPr/>
+        </p:nvSpPr>
+        <p:spPr>
+          <a:xfrm>
+            <a:off x="524437" y="5988424"/>
+            <a:ext cx="8238564" cy="600635"/>
+          </a:xfrm>
+          <a:prstGeom prst="rect">
+            <a:avLst/>
+          </a:prstGeom>
+          <a:solidFill>
+            <a:srgbClr val="D8393E"/>
+          </a:solidFill>
+          <a:ln>
+            <a:solidFill>
+              <a:srgbClr val="D22D0C"/>
+            </a:solidFill>
+          </a:ln>
+        </p:spPr>
+        <p:style>
+          <a:lnRef idx="2">
+            <a:schemeClr val="accent1">
+              <a:shade val="50000"/>
+            </a:schemeClr>
+          </a:lnRef>
+          <a:fillRef idx="1">
+            <a:schemeClr val="accent1"/>
+          </a:fillRef>
+          <a:effectRef idx="0">
+            <a:schemeClr val="accent1"/>
+          </a:effectRef>
+          <a:fontRef idx="minor">
+            <a:schemeClr val="lt1"/>
+          </a:fontRef>
+        </p:style>
+        <p:txBody>
+          <a:bodyPr rtlCol="0" anchor="ctr"/>
+          <a:lstStyle/>
+          <a:p>
+            <a:pPr algn="ctr"/>
+            <a:endParaRPr lang="en-US" dirty="0"/>
+          </a:p>
+        </p:txBody>
+      </p:sp>
+      <p:sp>
+        <p:nvSpPr>
+          <p:cNvPr id="3" name="TextBox 2">
+            <a:extLst>
+              <a:ext uri="{FF2B5EF4-FFF2-40B4-BE49-F238E27FC236}">
+                <a16:creationId xmlns:a16="http://schemas.microsoft.com/office/drawing/2014/main" id="{9EDF3C09-86C1-4595-857A-274EA5339527}"/>
+              </a:ext>
+            </a:extLst>
+          </p:cNvPr>
+          <p:cNvSpPr txBox="1"/>
+          <p:nvPr/>
+        </p:nvSpPr>
+        <p:spPr>
+          <a:xfrm>
+            <a:off x="838200" y="1514475"/>
+            <a:ext cx="10639425" cy="1815882"/>
+          </a:xfrm>
+          <a:prstGeom prst="rect">
+            <a:avLst/>
+          </a:prstGeom>
+          <a:noFill/>
+        </p:spPr>
+        <p:txBody>
+          <a:bodyPr wrap="square" rtlCol="0">
+            <a:spAutoFit/>
+          </a:bodyPr>
+          <a:lstStyle/>
+          <a:p>
+            <a:r>
+              <a:rPr lang="en-US" sz="2800" b="1" dirty="0"/>
+              <a:t>Visuals for This Project Included</a:t>
+            </a:r>
+          </a:p>
+          <a:p>
+            <a:pPr marL="285750" indent="-285750">
+              <a:buFont typeface="Arial" panose="020B0604020202020204" pitchFamily="34" charset="0"/>
+              <a:buChar char="•"/>
+            </a:pPr>
+            <a:r>
+              <a:rPr lang="en-US" sz="2800" dirty="0"/>
+              <a:t>Top 10 Table</a:t>
+            </a:r>
+          </a:p>
+          <a:p>
+            <a:pPr marL="285750" indent="-285750">
+              <a:buFont typeface="Arial" panose="020B0604020202020204" pitchFamily="34" charset="0"/>
+              <a:buChar char="•"/>
+            </a:pPr>
+            <a:r>
+              <a:rPr lang="en-US" sz="2800" dirty="0"/>
+              <a:t>Stacked Bar Chart</a:t>
+            </a:r>
+          </a:p>
+          <a:p>
+            <a:pPr marL="285750" indent="-285750">
+              <a:buFont typeface="Arial" panose="020B0604020202020204" pitchFamily="34" charset="0"/>
+              <a:buChar char="•"/>
+            </a:pPr>
+            <a:r>
+              <a:rPr lang="en-US" sz="2800" dirty="0"/>
+              <a:t>World Map Reference</a:t>
+            </a:r>
+          </a:p>
+        </p:txBody>
+      </p:sp>
+      <p:pic>
+        <p:nvPicPr>
+          <p:cNvPr id="2050" name="Picture 2" descr="Ironman Triathlon Training Plans | TriRadar">
+            <a:extLst>
+              <a:ext uri="{FF2B5EF4-FFF2-40B4-BE49-F238E27FC236}">
+                <a16:creationId xmlns:a16="http://schemas.microsoft.com/office/drawing/2014/main" id="{15E07781-5B0A-4948-AEAC-890B3E76AD80}"/>
+              </a:ext>
+            </a:extLst>
+          </p:cNvPr>
+          <p:cNvPicPr>
+            <a:picLocks noChangeAspect="1" noChangeArrowheads="1"/>
+          </p:cNvPicPr>
+          <p:nvPr/>
+        </p:nvPicPr>
+        <p:blipFill>
+          <a:blip r:embed="rId4">
+            <a:extLst>
+              <a:ext uri="{28A0092B-C50C-407E-A947-70E740481C1C}">
+                <a14:useLocalDpi xmlns:a14="http://schemas.microsoft.com/office/drawing/2010/main" val="0"/>
+              </a:ext>
+            </a:extLst>
+          </a:blip>
+          <a:srcRect/>
+          <a:stretch>
+            <a:fillRect/>
+          </a:stretch>
+        </p:blipFill>
+        <p:spPr bwMode="auto">
+          <a:xfrm>
+            <a:off x="1800225" y="3710532"/>
+            <a:ext cx="8277226" cy="2101858"/>
+          </a:xfrm>
+          <a:prstGeom prst="rect">
+            <a:avLst/>
+          </a:prstGeom>
+          <a:noFill/>
+          <a:extLst>
+            <a:ext uri="{909E8E84-426E-40DD-AFC4-6F175D3DCCD1}">
+              <a14:hiddenFill xmlns:a14="http://schemas.microsoft.com/office/drawing/2010/main">
+                <a:solidFill>
+                  <a:srgbClr val="FFFFFF"/>
+                </a:solidFill>
+              </a14:hiddenFill>
+            </a:ext>
+          </a:extLst>
+        </p:spPr>
+      </p:pic>
+    </p:spTree>
+    <p:extLst>
+      <p:ext uri="{BB962C8B-B14F-4D97-AF65-F5344CB8AC3E}">
+        <p14:creationId xmlns:p14="http://schemas.microsoft.com/office/powerpoint/2010/main" val="1756930014"/>
+      </p:ext>
+    </p:extLst>
+  </p:cSld>
+  <p:clrMapOvr>
+    <a:masterClrMapping/>
+  </p:clrMapOvr>
+</p:sld>
+</file>
+
+<file path=ppt/slides/slide9.xml><?xml version="1.0" encoding="utf-8"?>
+<p:sld xmlns:a="http://schemas.openxmlformats.org/drawingml/2006/main" xmlns:r="http://schemas.openxmlformats.org/officeDocument/2006/relationships" xmlns:p="http://schemas.openxmlformats.org/presentationml/2006/main">
+  <p:cSld>
+    <p:spTree>
+      <p:nvGrpSpPr>
+        <p:cNvPr id="1" name=""/>
+        <p:cNvGrpSpPr/>
+        <p:nvPr/>
+      </p:nvGrpSpPr>
+      <p:grpSpPr>
+        <a:xfrm>
+          <a:off x="0" y="0"/>
+          <a:ext cx="0" cy="0"/>
+          <a:chOff x="0" y="0"/>
+          <a:chExt cx="0" cy="0"/>
+        </a:xfrm>
+      </p:grpSpPr>
+      <p:sp>
+        <p:nvSpPr>
+          <p:cNvPr id="2" name="Title 1"/>
+          <p:cNvSpPr>
+            <a:spLocks noGrp="1"/>
+          </p:cNvSpPr>
+          <p:nvPr>
+            <p:ph type="title"/>
+          </p:nvPr>
+        </p:nvSpPr>
+        <p:spPr/>
+        <p:txBody>
+          <a:bodyPr/>
+          <a:lstStyle/>
+          <a:p>
+            <a:r>
+              <a:rPr lang="fr-FR" dirty="0"/>
+              <a:t>Graphs, Maps and Charts – </a:t>
+            </a:r>
+            <a:r>
+              <a:rPr lang="fr-FR" sz="3500" dirty="0"/>
+              <a:t>Bar Chart </a:t>
+            </a:r>
+            <a:r>
+              <a:rPr lang="fr-FR" sz="3500" dirty="0" err="1"/>
+              <a:t>Visuals</a:t>
+            </a:r>
+            <a:endParaRPr lang="fr-FR" sz="3500" dirty="0"/>
+          </a:p>
+        </p:txBody>
+      </p:sp>
+      <p:pic>
+        <p:nvPicPr>
+          <p:cNvPr id="5" name="Picture 4">
+            <a:extLst>
+              <a:ext uri="{FF2B5EF4-FFF2-40B4-BE49-F238E27FC236}">
+                <a16:creationId xmlns:a16="http://schemas.microsoft.com/office/drawing/2014/main" id="{3C75B959-9EC8-4C0D-A5B1-FD862322208D}"/>
+              </a:ext>
+            </a:extLst>
+          </p:cNvPr>
+          <p:cNvPicPr>
+            <a:picLocks noChangeAspect="1"/>
+          </p:cNvPicPr>
+          <p:nvPr/>
+        </p:nvPicPr>
+        <p:blipFill>
+          <a:blip r:embed="rId3">
+            <a:extLst>
+              <a:ext uri="{28A0092B-C50C-407E-A947-70E740481C1C}">
+                <a14:useLocalDpi xmlns:a14="http://schemas.microsoft.com/office/drawing/2010/main" val="0"/>
+              </a:ext>
+            </a:extLst>
+          </a:blip>
+          <a:stretch>
+            <a:fillRect/>
+          </a:stretch>
+        </p:blipFill>
+        <p:spPr>
+          <a:xfrm>
+            <a:off x="8763001" y="5761677"/>
+            <a:ext cx="3276598" cy="731198"/>
+          </a:xfrm>
+          <a:prstGeom prst="rect">
+            <a:avLst/>
+          </a:prstGeom>
+        </p:spPr>
+      </p:pic>
+      <p:sp>
+        <p:nvSpPr>
+          <p:cNvPr id="6" name="Rectangle 5">
+            <a:extLst>
+              <a:ext uri="{FF2B5EF4-FFF2-40B4-BE49-F238E27FC236}">
+                <a16:creationId xmlns:a16="http://schemas.microsoft.com/office/drawing/2014/main" id="{9E44F87E-523D-43C9-9026-8EAEEA587F04}"/>
+              </a:ext>
+            </a:extLst>
+          </p:cNvPr>
+          <p:cNvSpPr/>
+          <p:nvPr/>
+        </p:nvSpPr>
+        <p:spPr>
+          <a:xfrm>
+            <a:off x="524437" y="5988424"/>
+            <a:ext cx="8238564" cy="600635"/>
+          </a:xfrm>
+          <a:prstGeom prst="rect">
+            <a:avLst/>
+          </a:prstGeom>
+          <a:solidFill>
+            <a:srgbClr val="D8393E"/>
+          </a:solidFill>
+          <a:ln>
+            <a:solidFill>
+              <a:srgbClr val="D22D0C"/>
+            </a:solidFill>
+          </a:ln>
+        </p:spPr>
+        <p:style>
+          <a:lnRef idx="2">
+            <a:schemeClr val="accent1">
+              <a:shade val="50000"/>
+            </a:schemeClr>
+          </a:lnRef>
+          <a:fillRef idx="1">
+            <a:schemeClr val="accent1"/>
+          </a:fillRef>
+          <a:effectRef idx="0">
+            <a:schemeClr val="accent1"/>
+          </a:effectRef>
+          <a:fontRef idx="minor">
+            <a:schemeClr val="lt1"/>
+          </a:fontRef>
+        </p:style>
+        <p:txBody>
+          <a:bodyPr rtlCol="0" anchor="ctr"/>
+          <a:lstStyle/>
+          <a:p>
+            <a:pPr algn="ctr"/>
+            <a:endParaRPr lang="en-US" dirty="0"/>
+          </a:p>
+        </p:txBody>
+      </p:sp>
+      <p:pic>
+        <p:nvPicPr>
+          <p:cNvPr id="13" name="Picture 12">
+            <a:extLst>
+              <a:ext uri="{FF2B5EF4-FFF2-40B4-BE49-F238E27FC236}">
+                <a16:creationId xmlns:a16="http://schemas.microsoft.com/office/drawing/2014/main" id="{29A0C9B9-D3AD-4250-96B5-15612A2C9680}"/>
+              </a:ext>
+            </a:extLst>
+          </p:cNvPr>
+          <p:cNvPicPr>
+            <a:picLocks noChangeAspect="1"/>
+          </p:cNvPicPr>
+          <p:nvPr/>
+        </p:nvPicPr>
+        <p:blipFill>
+          <a:blip r:embed="rId4"/>
+          <a:stretch>
+            <a:fillRect/>
+          </a:stretch>
+        </p:blipFill>
+        <p:spPr>
+          <a:xfrm>
+            <a:off x="6105525" y="1278127"/>
+            <a:ext cx="5010150" cy="3562350"/>
+          </a:xfrm>
+          <a:prstGeom prst="rect">
+            <a:avLst/>
+          </a:prstGeom>
+          <a:ln>
+            <a:solidFill>
+              <a:schemeClr val="tx1"/>
+            </a:solidFill>
+          </a:ln>
+        </p:spPr>
+      </p:pic>
+      <p:pic>
+        <p:nvPicPr>
+          <p:cNvPr id="15" name="Picture 14">
+            <a:extLst>
+              <a:ext uri="{FF2B5EF4-FFF2-40B4-BE49-F238E27FC236}">
+                <a16:creationId xmlns:a16="http://schemas.microsoft.com/office/drawing/2014/main" id="{4EBE5AAF-0100-47AA-92C2-F02B4FF15B94}"/>
+              </a:ext>
+            </a:extLst>
+          </p:cNvPr>
+          <p:cNvPicPr>
+            <a:picLocks noChangeAspect="1"/>
+          </p:cNvPicPr>
+          <p:nvPr/>
+        </p:nvPicPr>
+        <p:blipFill>
+          <a:blip r:embed="rId5"/>
+          <a:stretch>
+            <a:fillRect/>
+          </a:stretch>
+        </p:blipFill>
+        <p:spPr>
+          <a:xfrm>
+            <a:off x="955862" y="1355612"/>
+            <a:ext cx="4336678" cy="2073388"/>
+          </a:xfrm>
+          <a:prstGeom prst="rect">
+            <a:avLst/>
+          </a:prstGeom>
+        </p:spPr>
+      </p:pic>
+      <p:pic>
+        <p:nvPicPr>
+          <p:cNvPr id="17" name="Picture 16">
+            <a:extLst>
+              <a:ext uri="{FF2B5EF4-FFF2-40B4-BE49-F238E27FC236}">
+                <a16:creationId xmlns:a16="http://schemas.microsoft.com/office/drawing/2014/main" id="{6E5FEF6D-2036-4564-9BA0-92008DD99845}"/>
+              </a:ext>
+            </a:extLst>
+          </p:cNvPr>
+          <p:cNvPicPr>
+            <a:picLocks noChangeAspect="1"/>
+          </p:cNvPicPr>
+          <p:nvPr/>
+        </p:nvPicPr>
+        <p:blipFill>
+          <a:blip r:embed="rId6"/>
+          <a:stretch>
+            <a:fillRect/>
+          </a:stretch>
+        </p:blipFill>
+        <p:spPr>
+          <a:xfrm>
+            <a:off x="955862" y="3551633"/>
+            <a:ext cx="4336678" cy="2314158"/>
+          </a:xfrm>
+          <a:prstGeom prst="rect">
+            <a:avLst/>
+          </a:prstGeom>
+        </p:spPr>
+      </p:pic>
+    </p:spTree>
+    <p:extLst>
+      <p:ext uri="{BB962C8B-B14F-4D97-AF65-F5344CB8AC3E}">
+        <p14:creationId xmlns:p14="http://schemas.microsoft.com/office/powerpoint/2010/main" val="3239819623"/>
       </p:ext>
     </p:extLst>
   </p:cSld>
@@ -4111,4 +9055,299 @@
     </a:ext>
   </a:extLst>
 </a:theme>
+</file>
+
+<file path=ppt/theme/theme2.xml><?xml version="1.0" encoding="utf-8"?>
+<a:theme xmlns:a="http://schemas.openxmlformats.org/drawingml/2006/main" name="Office Theme">
+  <a:themeElements>
+    <a:clrScheme name="Office">
+      <a:dk1>
+        <a:sysClr val="windowText" lastClr="000000"/>
+      </a:dk1>
+      <a:lt1>
+        <a:sysClr val="window" lastClr="FFFFFF"/>
+      </a:lt1>
+      <a:dk2>
+        <a:srgbClr val="44546A"/>
+      </a:dk2>
+      <a:lt2>
+        <a:srgbClr val="E7E6E6"/>
+      </a:lt2>
+      <a:accent1>
+        <a:srgbClr val="4472C4"/>
+      </a:accent1>
+      <a:accent2>
+        <a:srgbClr val="ED7D31"/>
+      </a:accent2>
+      <a:accent3>
+        <a:srgbClr val="A5A5A5"/>
+      </a:accent3>
+      <a:accent4>
+        <a:srgbClr val="FFC000"/>
+      </a:accent4>
+      <a:accent5>
+        <a:srgbClr val="5B9BD5"/>
+      </a:accent5>
+      <a:accent6>
+        <a:srgbClr val="70AD47"/>
+      </a:accent6>
+      <a:hlink>
+        <a:srgbClr val="0563C1"/>
+      </a:hlink>
+      <a:folHlink>
+        <a:srgbClr val="954F72"/>
+      </a:folHlink>
+    </a:clrScheme>
+    <a:fontScheme name="Office">
+      <a:majorFont>
+        <a:latin typeface="Calibri Light" panose="020F0302020204030204"/>
+        <a:ea typeface=""/>
+        <a:cs typeface=""/>
+        <a:font script="Jpan" typeface="游ゴシック Light"/>
+        <a:font script="Hang" typeface="맑은 고딕"/>
+        <a:font script="Hans" typeface="等线 Light"/>
+        <a:font script="Hant" typeface="新細明體"/>
+        <a:font script="Arab" typeface="Times New Roman"/>
+        <a:font script="Hebr" typeface="Times New Roman"/>
+        <a:font script="Thai" typeface="Angsana New"/>
+        <a:font script="Ethi" typeface="Nyala"/>
+        <a:font script="Beng" typeface="Vrinda"/>
+        <a:font script="Gujr" typeface="Shruti"/>
+        <a:font script="Khmr" typeface="MoolBoran"/>
+        <a:font script="Knda" typeface="Tunga"/>
+        <a:font script="Guru" typeface="Raavi"/>
+        <a:font script="Cans" typeface="Euphemia"/>
+        <a:font script="Cher" typeface="Plantagenet Cherokee"/>
+        <a:font script="Yiii" typeface="Microsoft Yi Baiti"/>
+        <a:font script="Tibt" typeface="Microsoft Himalaya"/>
+        <a:font script="Thaa" typeface="MV Boli"/>
+        <a:font script="Deva" typeface="Mangal"/>
+        <a:font script="Telu" typeface="Gautami"/>
+        <a:font script="Taml" typeface="Latha"/>
+        <a:font script="Syrc" typeface="Estrangelo Edessa"/>
+        <a:font script="Orya" typeface="Kalinga"/>
+        <a:font script="Mlym" typeface="Kartika"/>
+        <a:font script="Laoo" typeface="DokChampa"/>
+        <a:font script="Sinh" typeface="Iskoola Pota"/>
+        <a:font script="Mong" typeface="Mongolian Baiti"/>
+        <a:font script="Viet" typeface="Times New Roman"/>
+        <a:font script="Uigh" typeface="Microsoft Uighur"/>
+        <a:font script="Geor" typeface="Sylfaen"/>
+        <a:font script="Armn" typeface="Arial"/>
+        <a:font script="Bugi" typeface="Leelawadee UI"/>
+        <a:font script="Bopo" typeface="Microsoft JhengHei"/>
+        <a:font script="Java" typeface="Javanese Text"/>
+        <a:font script="Lisu" typeface="Segoe UI"/>
+        <a:font script="Mymr" typeface="Myanmar Text"/>
+        <a:font script="Nkoo" typeface="Ebrima"/>
+        <a:font script="Olck" typeface="Nirmala UI"/>
+        <a:font script="Osma" typeface="Ebrima"/>
+        <a:font script="Phag" typeface="Phagspa"/>
+        <a:font script="Syrn" typeface="Estrangelo Edessa"/>
+        <a:font script="Syrj" typeface="Estrangelo Edessa"/>
+        <a:font script="Syre" typeface="Estrangelo Edessa"/>
+        <a:font script="Sora" typeface="Nirmala UI"/>
+        <a:font script="Tale" typeface="Microsoft Tai Le"/>
+        <a:font script="Talu" typeface="Microsoft New Tai Lue"/>
+        <a:font script="Tfng" typeface="Ebrima"/>
+      </a:majorFont>
+      <a:minorFont>
+        <a:latin typeface="Calibri" panose="020F0502020204030204"/>
+        <a:ea typeface=""/>
+        <a:cs typeface=""/>
+        <a:font script="Jpan" typeface="游ゴシック"/>
+        <a:font script="Hang" typeface="맑은 고딕"/>
+        <a:font script="Hans" typeface="等线"/>
+        <a:font script="Hant" typeface="新細明體"/>
+        <a:font script="Arab" typeface="Arial"/>
+        <a:font script="Hebr" typeface="Arial"/>
+        <a:font script="Thai" typeface="Cordia New"/>
+        <a:font script="Ethi" typeface="Nyala"/>
+        <a:font script="Beng" typeface="Vrinda"/>
+        <a:font script="Gujr" typeface="Shruti"/>
+        <a:font script="Khmr" typeface="DaunPenh"/>
+        <a:font script="Knda" typeface="Tunga"/>
+        <a:font script="Guru" typeface="Raavi"/>
+        <a:font script="Cans" typeface="Euphemia"/>
+        <a:font script="Cher" typeface="Plantagenet Cherokee"/>
+        <a:font script="Yiii" typeface="Microsoft Yi Baiti"/>
+        <a:font script="Tibt" typeface="Microsoft Himalaya"/>
+        <a:font script="Thaa" typeface="MV Boli"/>
+        <a:font script="Deva" typeface="Mangal"/>
+        <a:font script="Telu" typeface="Gautami"/>
+        <a:font script="Taml" typeface="Latha"/>
+        <a:font script="Syrc" typeface="Estrangelo Edessa"/>
+        <a:font script="Orya" typeface="Kalinga"/>
+        <a:font script="Mlym" typeface="Kartika"/>
+        <a:font script="Laoo" typeface="DokChampa"/>
+        <a:font script="Sinh" typeface="Iskoola Pota"/>
+        <a:font script="Mong" typeface="Mongolian Baiti"/>
+        <a:font script="Viet" typeface="Arial"/>
+        <a:font script="Uigh" typeface="Microsoft Uighur"/>
+        <a:font script="Geor" typeface="Sylfaen"/>
+        <a:font script="Armn" typeface="Arial"/>
+        <a:font script="Bugi" typeface="Leelawadee UI"/>
+        <a:font script="Bopo" typeface="Microsoft JhengHei"/>
+        <a:font script="Java" typeface="Javanese Text"/>
+        <a:font script="Lisu" typeface="Segoe UI"/>
+        <a:font script="Mymr" typeface="Myanmar Text"/>
+        <a:font script="Nkoo" typeface="Ebrima"/>
+        <a:font script="Olck" typeface="Nirmala UI"/>
+        <a:font script="Osma" typeface="Ebrima"/>
+        <a:font script="Phag" typeface="Phagspa"/>
+        <a:font script="Syrn" typeface="Estrangelo Edessa"/>
+        <a:font script="Syrj" typeface="Estrangelo Edessa"/>
+        <a:font script="Syre" typeface="Estrangelo Edessa"/>
+        <a:font script="Sora" typeface="Nirmala UI"/>
+        <a:font script="Tale" typeface="Microsoft Tai Le"/>
+        <a:font script="Talu" typeface="Microsoft New Tai Lue"/>
+        <a:font script="Tfng" typeface="Ebrima"/>
+      </a:minorFont>
+    </a:fontScheme>
+    <a:fmtScheme name="Office">
+      <a:fillStyleLst>
+        <a:solidFill>
+          <a:schemeClr val="phClr"/>
+        </a:solidFill>
+        <a:gradFill rotWithShape="1">
+          <a:gsLst>
+            <a:gs pos="0">
+              <a:schemeClr val="phClr">
+                <a:lumMod val="110000"/>
+                <a:satMod val="105000"/>
+                <a:tint val="67000"/>
+              </a:schemeClr>
+            </a:gs>
+            <a:gs pos="50000">
+              <a:schemeClr val="phClr">
+                <a:lumMod val="105000"/>
+                <a:satMod val="103000"/>
+                <a:tint val="73000"/>
+              </a:schemeClr>
+            </a:gs>
+            <a:gs pos="100000">
+              <a:schemeClr val="phClr">
+                <a:lumMod val="105000"/>
+                <a:satMod val="109000"/>
+                <a:tint val="81000"/>
+              </a:schemeClr>
+            </a:gs>
+          </a:gsLst>
+          <a:lin ang="5400000" scaled="0"/>
+        </a:gradFill>
+        <a:gradFill rotWithShape="1">
+          <a:gsLst>
+            <a:gs pos="0">
+              <a:schemeClr val="phClr">
+                <a:satMod val="103000"/>
+                <a:lumMod val="102000"/>
+                <a:tint val="94000"/>
+              </a:schemeClr>
+            </a:gs>
+            <a:gs pos="50000">
+              <a:schemeClr val="phClr">
+                <a:satMod val="110000"/>
+                <a:lumMod val="100000"/>
+                <a:shade val="100000"/>
+              </a:schemeClr>
+            </a:gs>
+            <a:gs pos="100000">
+              <a:schemeClr val="phClr">
+                <a:lumMod val="99000"/>
+                <a:satMod val="120000"/>
+                <a:shade val="78000"/>
+              </a:schemeClr>
+            </a:gs>
+          </a:gsLst>
+          <a:lin ang="5400000" scaled="0"/>
+        </a:gradFill>
+      </a:fillStyleLst>
+      <a:lnStyleLst>
+        <a:ln w="6350" cap="flat" cmpd="sng" algn="ctr">
+          <a:solidFill>
+            <a:schemeClr val="phClr"/>
+          </a:solidFill>
+          <a:prstDash val="solid"/>
+          <a:miter lim="800000"/>
+        </a:ln>
+        <a:ln w="12700" cap="flat" cmpd="sng" algn="ctr">
+          <a:solidFill>
+            <a:schemeClr val="phClr"/>
+          </a:solidFill>
+          <a:prstDash val="solid"/>
+          <a:miter lim="800000"/>
+        </a:ln>
+        <a:ln w="19050" cap="flat" cmpd="sng" algn="ctr">
+          <a:solidFill>
+            <a:schemeClr val="phClr"/>
+          </a:solidFill>
+          <a:prstDash val="solid"/>
+          <a:miter lim="800000"/>
+        </a:ln>
+      </a:lnStyleLst>
+      <a:effectStyleLst>
+        <a:effectStyle>
+          <a:effectLst/>
+        </a:effectStyle>
+        <a:effectStyle>
+          <a:effectLst/>
+        </a:effectStyle>
+        <a:effectStyle>
+          <a:effectLst>
+            <a:outerShdw blurRad="57150" dist="19050" dir="5400000" algn="ctr" rotWithShape="0">
+              <a:srgbClr val="000000">
+                <a:alpha val="63000"/>
+              </a:srgbClr>
+            </a:outerShdw>
+          </a:effectLst>
+        </a:effectStyle>
+      </a:effectStyleLst>
+      <a:bgFillStyleLst>
+        <a:solidFill>
+          <a:schemeClr val="phClr"/>
+        </a:solidFill>
+        <a:solidFill>
+          <a:schemeClr val="phClr">
+            <a:tint val="95000"/>
+            <a:satMod val="170000"/>
+          </a:schemeClr>
+        </a:solidFill>
+        <a:gradFill rotWithShape="1">
+          <a:gsLst>
+            <a:gs pos="0">
+              <a:schemeClr val="phClr">
+                <a:tint val="93000"/>
+                <a:satMod val="150000"/>
+                <a:shade val="98000"/>
+                <a:lumMod val="102000"/>
+              </a:schemeClr>
+            </a:gs>
+            <a:gs pos="50000">
+              <a:schemeClr val="phClr">
+                <a:tint val="98000"/>
+                <a:satMod val="130000"/>
+                <a:shade val="90000"/>
+                <a:lumMod val="103000"/>
+              </a:schemeClr>
+            </a:gs>
+            <a:gs pos="100000">
+              <a:schemeClr val="phClr">
+                <a:shade val="63000"/>
+                <a:satMod val="120000"/>
+              </a:schemeClr>
+            </a:gs>
+          </a:gsLst>
+          <a:lin ang="5400000" scaled="0"/>
+        </a:gradFill>
+      </a:bgFillStyleLst>
+    </a:fmtScheme>
+  </a:themeElements>
+  <a:objectDefaults/>
+  <a:extraClrSchemeLst/>
+  <a:extLst>
+    <a:ext uri="{05A4C25C-085E-4340-85A3-A5531E510DB2}">
+      <thm15:themeFamily xmlns:thm15="http://schemas.microsoft.com/office/thememl/2012/main" name="Office Theme" id="{62F939B6-93AF-4DB8-9C6B-D6C7DFDC589F}" vid="{4A3C46E8-61CC-4603-A589-7422A47A8E4A}"/>
+    </a:ext>
+  </a:extLst>
+</a:theme>
 </file>
--- a/PowerPoint_Presentation.pptx
+++ b/PowerPoint_Presentation.pptx
@@ -210,7 +210,7 @@
           <a:p>
             <a:fld id="{35CB450D-8464-4EBB-95CC-FB0ED9720D2B}" type="datetimeFigureOut">
               <a:rPr lang="en-US" smtClean="0"/>
-              <a:t>12/11/2020</a:t>
+              <a:t>12/12/2020</a:t>
             </a:fld>
             <a:endParaRPr lang="en-US"/>
           </a:p>
@@ -1826,7 +1826,7 @@
           <a:p>
             <a:fld id="{E0EEA270-9340-4F4B-A8FB-4181F6C03A04}" type="datetimeFigureOut">
               <a:rPr lang="fr-FR" smtClean="0"/>
-              <a:t>11/12/2020</a:t>
+              <a:t>12/12/2020</a:t>
             </a:fld>
             <a:endParaRPr lang="fr-FR" dirty="0"/>
           </a:p>
@@ -1996,7 +1996,7 @@
           <a:p>
             <a:fld id="{E0EEA270-9340-4F4B-A8FB-4181F6C03A04}" type="datetimeFigureOut">
               <a:rPr lang="fr-FR" smtClean="0"/>
-              <a:t>11/12/2020</a:t>
+              <a:t>12/12/2020</a:t>
             </a:fld>
             <a:endParaRPr lang="fr-FR" dirty="0"/>
           </a:p>
@@ -2176,7 +2176,7 @@
           <a:p>
             <a:fld id="{E0EEA270-9340-4F4B-A8FB-4181F6C03A04}" type="datetimeFigureOut">
               <a:rPr lang="fr-FR" smtClean="0"/>
-              <a:t>11/12/2020</a:t>
+              <a:t>12/12/2020</a:t>
             </a:fld>
             <a:endParaRPr lang="fr-FR" dirty="0"/>
           </a:p>
@@ -2346,7 +2346,7 @@
           <a:p>
             <a:fld id="{E0EEA270-9340-4F4B-A8FB-4181F6C03A04}" type="datetimeFigureOut">
               <a:rPr lang="fr-FR" smtClean="0"/>
-              <a:t>11/12/2020</a:t>
+              <a:t>12/12/2020</a:t>
             </a:fld>
             <a:endParaRPr lang="fr-FR" dirty="0"/>
           </a:p>
@@ -2592,7 +2592,7 @@
           <a:p>
             <a:fld id="{E0EEA270-9340-4F4B-A8FB-4181F6C03A04}" type="datetimeFigureOut">
               <a:rPr lang="fr-FR" smtClean="0"/>
-              <a:t>11/12/2020</a:t>
+              <a:t>12/12/2020</a:t>
             </a:fld>
             <a:endParaRPr lang="fr-FR" dirty="0"/>
           </a:p>
@@ -2824,7 +2824,7 @@
           <a:p>
             <a:fld id="{E0EEA270-9340-4F4B-A8FB-4181F6C03A04}" type="datetimeFigureOut">
               <a:rPr lang="fr-FR" smtClean="0"/>
-              <a:t>11/12/2020</a:t>
+              <a:t>12/12/2020</a:t>
             </a:fld>
             <a:endParaRPr lang="fr-FR" dirty="0"/>
           </a:p>
@@ -3191,7 +3191,7 @@
           <a:p>
             <a:fld id="{E0EEA270-9340-4F4B-A8FB-4181F6C03A04}" type="datetimeFigureOut">
               <a:rPr lang="fr-FR" smtClean="0"/>
-              <a:t>11/12/2020</a:t>
+              <a:t>12/12/2020</a:t>
             </a:fld>
             <a:endParaRPr lang="fr-FR" dirty="0"/>
           </a:p>
@@ -3309,7 +3309,7 @@
           <a:p>
             <a:fld id="{E0EEA270-9340-4F4B-A8FB-4181F6C03A04}" type="datetimeFigureOut">
               <a:rPr lang="fr-FR" smtClean="0"/>
-              <a:t>11/12/2020</a:t>
+              <a:t>12/12/2020</a:t>
             </a:fld>
             <a:endParaRPr lang="fr-FR" dirty="0"/>
           </a:p>
@@ -3404,7 +3404,7 @@
           <a:p>
             <a:fld id="{E0EEA270-9340-4F4B-A8FB-4181F6C03A04}" type="datetimeFigureOut">
               <a:rPr lang="fr-FR" smtClean="0"/>
-              <a:t>11/12/2020</a:t>
+              <a:t>12/12/2020</a:t>
             </a:fld>
             <a:endParaRPr lang="fr-FR" dirty="0"/>
           </a:p>
@@ -3681,7 +3681,7 @@
           <a:p>
             <a:fld id="{E0EEA270-9340-4F4B-A8FB-4181F6C03A04}" type="datetimeFigureOut">
               <a:rPr lang="fr-FR" smtClean="0"/>
-              <a:t>11/12/2020</a:t>
+              <a:t>12/12/2020</a:t>
             </a:fld>
             <a:endParaRPr lang="fr-FR" dirty="0"/>
           </a:p>
@@ -3934,7 +3934,7 @@
           <a:p>
             <a:fld id="{E0EEA270-9340-4F4B-A8FB-4181F6C03A04}" type="datetimeFigureOut">
               <a:rPr lang="fr-FR" smtClean="0"/>
-              <a:t>11/12/2020</a:t>
+              <a:t>12/12/2020</a:t>
             </a:fld>
             <a:endParaRPr lang="fr-FR" dirty="0"/>
           </a:p>
@@ -4147,7 +4147,7 @@
           <a:p>
             <a:fld id="{E0EEA270-9340-4F4B-A8FB-4181F6C03A04}" type="datetimeFigureOut">
               <a:rPr lang="fr-FR" smtClean="0"/>
-              <a:t>11/12/2020</a:t>
+              <a:t>12/12/2020</a:t>
             </a:fld>
             <a:endParaRPr lang="fr-FR" dirty="0"/>
           </a:p>
@@ -6306,7 +6306,7 @@
         </p:nvSpPr>
         <p:spPr>
           <a:xfrm>
-            <a:off x="524437" y="2141007"/>
+            <a:off x="406307" y="1986040"/>
             <a:ext cx="5276850" cy="3144154"/>
           </a:xfrm>
         </p:spPr>
@@ -6321,8 +6321,38 @@
               <a:buChar char="•"/>
             </a:pPr>
             <a:r>
-              <a:rPr lang="en-US" sz="2800" dirty="0"/>
-              <a:t>Project looked at 2019 Ironman World Championship results.</a:t>
+              <a:rPr lang="en-US" sz="2000" dirty="0"/>
+              <a:t>Ironman Triathlon Overview</a:t>
+            </a:r>
+          </a:p>
+          <a:p>
+            <a:pPr marL="742950" lvl="1" indent="-285750">
+              <a:buFont typeface="Arial" panose="020B0604020202020204" pitchFamily="34" charset="0"/>
+              <a:buChar char="•"/>
+            </a:pPr>
+            <a:r>
+              <a:rPr lang="en-US" sz="2000" dirty="0"/>
+              <a:t>2.4 mile swim</a:t>
+            </a:r>
+          </a:p>
+          <a:p>
+            <a:pPr marL="742950" lvl="1" indent="-285750">
+              <a:buFont typeface="Arial" panose="020B0604020202020204" pitchFamily="34" charset="0"/>
+              <a:buChar char="•"/>
+            </a:pPr>
+            <a:r>
+              <a:rPr lang="en-US" sz="2000" dirty="0"/>
+              <a:t>112 mile bike</a:t>
+            </a:r>
+          </a:p>
+          <a:p>
+            <a:pPr marL="742950" lvl="1" indent="-285750">
+              <a:buFont typeface="Arial" panose="020B0604020202020204" pitchFamily="34" charset="0"/>
+              <a:buChar char="•"/>
+            </a:pPr>
+            <a:r>
+              <a:rPr lang="en-US" sz="2000" dirty="0"/>
+              <a:t>26.2 mile run</a:t>
             </a:r>
           </a:p>
           <a:p>
@@ -6331,7 +6361,17 @@
               <a:buChar char="•"/>
             </a:pPr>
             <a:r>
-              <a:rPr lang="en-US" sz="2800" dirty="0"/>
+              <a:rPr lang="en-US" sz="2000" dirty="0"/>
+              <a:t>Project looked at 2019 Ironman World Championship results.</a:t>
+            </a:r>
+          </a:p>
+          <a:p>
+            <a:pPr marL="285750" indent="-285750">
+              <a:buFont typeface="Arial" panose="020B0604020202020204" pitchFamily="34" charset="0"/>
+              <a:buChar char="•"/>
+            </a:pPr>
+            <a:r>
+              <a:rPr lang="en-US" sz="2000" dirty="0"/>
               <a:t>Goal to be able to have an interactive dashboard that displayed results based on competition divisional classes.</a:t>
             </a:r>
           </a:p>
@@ -7251,7 +7291,7 @@
             </a:r>
             <a:r>
               <a:rPr lang="en-US" dirty="0"/>
-              <a:t> – To develop the code that would generate the data analytics.</a:t>
+              <a:t> – To develop the code that would generate the data visualizations.</a:t>
             </a:r>
           </a:p>
           <a:p>
@@ -7783,7 +7823,15 @@
             </a:pPr>
             <a:r>
               <a:rPr lang="fr-FR" dirty="0"/>
-              <a:t>CSV Joins on 3 Alpha Code</a:t>
+              <a:t>CSV </a:t>
+            </a:r>
+            <a:r>
+              <a:rPr lang="fr-FR" dirty="0" err="1"/>
+              <a:t>Joined</a:t>
+            </a:r>
+            <a:r>
+              <a:rPr lang="fr-FR" dirty="0"/>
+              <a:t> on 3 Alpha Code</a:t>
             </a:r>
           </a:p>
           <a:p>
